--- a/trabaho de conexoes de rede- Andre Madeira.pptx
+++ b/trabaho de conexoes de rede- Andre Madeira.pptx
@@ -2,7 +2,7 @@
 <file path=ppt/presentation.xml><?xml version="1.0" encoding="utf-8"?>
 <p:presentation xmlns:a="http://schemas.openxmlformats.org/drawingml/2006/main" xmlns:r="http://schemas.openxmlformats.org/officeDocument/2006/relationships" xmlns:p="http://schemas.openxmlformats.org/presentationml/2006/main" saveSubsetFonts="1">
   <p:sldMasterIdLst>
-    <p:sldMasterId id="2147483736" r:id="rId1"/>
+    <p:sldMasterId id="2147483859" r:id="rId1"/>
   </p:sldMasterIdLst>
   <p:sldIdLst>
     <p:sldId id="256" r:id="rId2"/>
@@ -118,7 +118,7 @@
 </file>
 
 <file path=ppt/slideLayouts/slideLayout1.xml><?xml version="1.0" encoding="utf-8"?>
-<p:sldLayout xmlns:a="http://schemas.openxmlformats.org/drawingml/2006/main" xmlns:r="http://schemas.openxmlformats.org/officeDocument/2006/relationships" xmlns:p="http://schemas.openxmlformats.org/presentationml/2006/main" type="title" preserve="1">
+<p:sldLayout xmlns:a="http://schemas.openxmlformats.org/drawingml/2006/main" xmlns:r="http://schemas.openxmlformats.org/officeDocument/2006/relationships" xmlns:p="http://schemas.openxmlformats.org/presentationml/2006/main" showMasterSp="0" type="title" preserve="1">
   <p:cSld name="Diapositivo de título">
     <p:spTree>
       <p:nvGrpSpPr>
@@ -134,6 +134,536 @@
           <a:chExt cx="0" cy="0"/>
         </a:xfrm>
       </p:grpSpPr>
+      <p:grpSp>
+        <p:nvGrpSpPr>
+          <p:cNvPr id="7" name="Group 6"/>
+          <p:cNvGrpSpPr/>
+          <p:nvPr/>
+        </p:nvGrpSpPr>
+        <p:grpSpPr>
+          <a:xfrm>
+            <a:off x="0" y="-8467"/>
+            <a:ext cx="12192000" cy="6866467"/>
+            <a:chOff x="0" y="-8467"/>
+            <a:chExt cx="12192000" cy="6866467"/>
+          </a:xfrm>
+        </p:grpSpPr>
+        <p:cxnSp>
+          <p:nvCxnSpPr>
+            <p:cNvPr id="32" name="Straight Connector 31"/>
+            <p:cNvCxnSpPr/>
+            <p:nvPr/>
+          </p:nvCxnSpPr>
+          <p:spPr>
+            <a:xfrm>
+              <a:off x="9371012" y="0"/>
+              <a:ext cx="1219200" cy="6858000"/>
+            </a:xfrm>
+            <a:prstGeom prst="line">
+              <a:avLst/>
+            </a:prstGeom>
+            <a:ln w="9525">
+              <a:solidFill>
+                <a:schemeClr val="bg1">
+                  <a:lumMod val="75000"/>
+                </a:schemeClr>
+              </a:solidFill>
+            </a:ln>
+          </p:spPr>
+          <p:style>
+            <a:lnRef idx="2">
+              <a:schemeClr val="accent1"/>
+            </a:lnRef>
+            <a:fillRef idx="0">
+              <a:schemeClr val="accent1"/>
+            </a:fillRef>
+            <a:effectRef idx="1">
+              <a:schemeClr val="accent1"/>
+            </a:effectRef>
+            <a:fontRef idx="minor">
+              <a:schemeClr val="tx1"/>
+            </a:fontRef>
+          </p:style>
+        </p:cxnSp>
+        <p:cxnSp>
+          <p:nvCxnSpPr>
+            <p:cNvPr id="21" name="Straight Connector 20"/>
+            <p:cNvCxnSpPr/>
+            <p:nvPr/>
+          </p:nvCxnSpPr>
+          <p:spPr>
+            <a:xfrm flipH="1">
+              <a:off x="7425267" y="3681413"/>
+              <a:ext cx="4763558" cy="3176587"/>
+            </a:xfrm>
+            <a:prstGeom prst="line">
+              <a:avLst/>
+            </a:prstGeom>
+            <a:ln w="9525">
+              <a:solidFill>
+                <a:schemeClr val="bg1">
+                  <a:lumMod val="85000"/>
+                </a:schemeClr>
+              </a:solidFill>
+            </a:ln>
+          </p:spPr>
+          <p:style>
+            <a:lnRef idx="2">
+              <a:schemeClr val="accent1"/>
+            </a:lnRef>
+            <a:fillRef idx="0">
+              <a:schemeClr val="accent1"/>
+            </a:fillRef>
+            <a:effectRef idx="1">
+              <a:schemeClr val="accent1"/>
+            </a:effectRef>
+            <a:fontRef idx="minor">
+              <a:schemeClr val="tx1"/>
+            </a:fontRef>
+          </p:style>
+        </p:cxnSp>
+        <p:sp>
+          <p:nvSpPr>
+            <p:cNvPr id="24" name="Rectangle 23"/>
+            <p:cNvSpPr/>
+            <p:nvPr/>
+          </p:nvSpPr>
+          <p:spPr>
+            <a:xfrm>
+              <a:off x="9181476" y="-8467"/>
+              <a:ext cx="3007349" cy="6866467"/>
+            </a:xfrm>
+            <a:custGeom>
+              <a:avLst/>
+              <a:gdLst/>
+              <a:ahLst/>
+              <a:cxnLst/>
+              <a:rect l="l" t="t" r="r" b="b"/>
+              <a:pathLst>
+                <a:path w="3007349" h="6866467">
+                  <a:moveTo>
+                    <a:pt x="2045532" y="0"/>
+                  </a:moveTo>
+                  <a:lnTo>
+                    <a:pt x="3007349" y="0"/>
+                  </a:lnTo>
+                  <a:lnTo>
+                    <a:pt x="3007349" y="6866467"/>
+                  </a:lnTo>
+                  <a:lnTo>
+                    <a:pt x="0" y="6866467"/>
+                  </a:lnTo>
+                  <a:lnTo>
+                    <a:pt x="2045532" y="0"/>
+                  </a:lnTo>
+                  <a:close/>
+                </a:path>
+              </a:pathLst>
+            </a:custGeom>
+            <a:solidFill>
+              <a:schemeClr val="accent1">
+                <a:alpha val="30000"/>
+              </a:schemeClr>
+            </a:solidFill>
+            <a:ln>
+              <a:noFill/>
+            </a:ln>
+            <a:effectLst/>
+          </p:spPr>
+          <p:style>
+            <a:lnRef idx="1">
+              <a:schemeClr val="accent1"/>
+            </a:lnRef>
+            <a:fillRef idx="3">
+              <a:schemeClr val="accent1"/>
+            </a:fillRef>
+            <a:effectRef idx="2">
+              <a:schemeClr val="accent1"/>
+            </a:effectRef>
+            <a:fontRef idx="minor">
+              <a:schemeClr val="lt1"/>
+            </a:fontRef>
+          </p:style>
+        </p:sp>
+        <p:sp>
+          <p:nvSpPr>
+            <p:cNvPr id="26" name="Rectangle 25"/>
+            <p:cNvSpPr/>
+            <p:nvPr/>
+          </p:nvSpPr>
+          <p:spPr>
+            <a:xfrm>
+              <a:off x="9603442" y="-8467"/>
+              <a:ext cx="2588558" cy="6866467"/>
+            </a:xfrm>
+            <a:custGeom>
+              <a:avLst/>
+              <a:gdLst/>
+              <a:ahLst/>
+              <a:cxnLst/>
+              <a:rect l="l" t="t" r="r" b="b"/>
+              <a:pathLst>
+                <a:path w="2573311" h="6866467">
+                  <a:moveTo>
+                    <a:pt x="0" y="0"/>
+                  </a:moveTo>
+                  <a:lnTo>
+                    <a:pt x="2573311" y="0"/>
+                  </a:lnTo>
+                  <a:lnTo>
+                    <a:pt x="2573311" y="6866467"/>
+                  </a:lnTo>
+                  <a:lnTo>
+                    <a:pt x="1202336" y="6866467"/>
+                  </a:lnTo>
+                  <a:lnTo>
+                    <a:pt x="0" y="0"/>
+                  </a:lnTo>
+                  <a:close/>
+                </a:path>
+              </a:pathLst>
+            </a:custGeom>
+            <a:solidFill>
+              <a:schemeClr val="accent1">
+                <a:alpha val="20000"/>
+              </a:schemeClr>
+            </a:solidFill>
+            <a:ln>
+              <a:noFill/>
+            </a:ln>
+            <a:effectLst/>
+          </p:spPr>
+          <p:style>
+            <a:lnRef idx="1">
+              <a:schemeClr val="accent1"/>
+            </a:lnRef>
+            <a:fillRef idx="3">
+              <a:schemeClr val="accent1"/>
+            </a:fillRef>
+            <a:effectRef idx="2">
+              <a:schemeClr val="accent1"/>
+            </a:effectRef>
+            <a:fontRef idx="minor">
+              <a:schemeClr val="lt1"/>
+            </a:fontRef>
+          </p:style>
+        </p:sp>
+        <p:sp>
+          <p:nvSpPr>
+            <p:cNvPr id="27" name="Isosceles Triangle 26"/>
+            <p:cNvSpPr/>
+            <p:nvPr/>
+          </p:nvSpPr>
+          <p:spPr>
+            <a:xfrm>
+              <a:off x="8932333" y="3048000"/>
+              <a:ext cx="3259667" cy="3810000"/>
+            </a:xfrm>
+            <a:prstGeom prst="triangle">
+              <a:avLst>
+                <a:gd name="adj" fmla="val 100000"/>
+              </a:avLst>
+            </a:prstGeom>
+            <a:solidFill>
+              <a:schemeClr val="accent2">
+                <a:alpha val="72000"/>
+              </a:schemeClr>
+            </a:solidFill>
+            <a:ln>
+              <a:noFill/>
+            </a:ln>
+            <a:effectLst/>
+          </p:spPr>
+          <p:style>
+            <a:lnRef idx="1">
+              <a:schemeClr val="accent1"/>
+            </a:lnRef>
+            <a:fillRef idx="3">
+              <a:schemeClr val="accent1"/>
+            </a:fillRef>
+            <a:effectRef idx="2">
+              <a:schemeClr val="accent1"/>
+            </a:effectRef>
+            <a:fontRef idx="minor">
+              <a:schemeClr val="lt1"/>
+            </a:fontRef>
+          </p:style>
+        </p:sp>
+        <p:sp>
+          <p:nvSpPr>
+            <p:cNvPr id="28" name="Rectangle 27"/>
+            <p:cNvSpPr/>
+            <p:nvPr/>
+          </p:nvSpPr>
+          <p:spPr>
+            <a:xfrm>
+              <a:off x="9334500" y="-8467"/>
+              <a:ext cx="2854326" cy="6866467"/>
+            </a:xfrm>
+            <a:custGeom>
+              <a:avLst/>
+              <a:gdLst/>
+              <a:ahLst/>
+              <a:cxnLst/>
+              <a:rect l="l" t="t" r="r" b="b"/>
+              <a:pathLst>
+                <a:path w="2858013" h="6866467">
+                  <a:moveTo>
+                    <a:pt x="0" y="0"/>
+                  </a:moveTo>
+                  <a:lnTo>
+                    <a:pt x="2858013" y="0"/>
+                  </a:lnTo>
+                  <a:lnTo>
+                    <a:pt x="2858013" y="6866467"/>
+                  </a:lnTo>
+                  <a:lnTo>
+                    <a:pt x="2473942" y="6866467"/>
+                  </a:lnTo>
+                  <a:lnTo>
+                    <a:pt x="0" y="0"/>
+                  </a:lnTo>
+                  <a:close/>
+                </a:path>
+              </a:pathLst>
+            </a:custGeom>
+            <a:solidFill>
+              <a:schemeClr val="accent2">
+                <a:lumMod val="75000"/>
+                <a:alpha val="70000"/>
+              </a:schemeClr>
+            </a:solidFill>
+            <a:ln>
+              <a:noFill/>
+            </a:ln>
+            <a:effectLst/>
+          </p:spPr>
+          <p:style>
+            <a:lnRef idx="1">
+              <a:schemeClr val="accent1"/>
+            </a:lnRef>
+            <a:fillRef idx="3">
+              <a:schemeClr val="accent1"/>
+            </a:fillRef>
+            <a:effectRef idx="2">
+              <a:schemeClr val="accent1"/>
+            </a:effectRef>
+            <a:fontRef idx="minor">
+              <a:schemeClr val="lt1"/>
+            </a:fontRef>
+          </p:style>
+        </p:sp>
+        <p:sp>
+          <p:nvSpPr>
+            <p:cNvPr id="29" name="Rectangle 28"/>
+            <p:cNvSpPr/>
+            <p:nvPr/>
+          </p:nvSpPr>
+          <p:spPr>
+            <a:xfrm>
+              <a:off x="10898730" y="-8467"/>
+              <a:ext cx="1290094" cy="6866467"/>
+            </a:xfrm>
+            <a:custGeom>
+              <a:avLst/>
+              <a:gdLst/>
+              <a:ahLst/>
+              <a:cxnLst/>
+              <a:rect l="l" t="t" r="r" b="b"/>
+              <a:pathLst>
+                <a:path w="1290094" h="6858000">
+                  <a:moveTo>
+                    <a:pt x="1019735" y="0"/>
+                  </a:moveTo>
+                  <a:lnTo>
+                    <a:pt x="1290094" y="0"/>
+                  </a:lnTo>
+                  <a:lnTo>
+                    <a:pt x="1290094" y="6858000"/>
+                  </a:lnTo>
+                  <a:lnTo>
+                    <a:pt x="0" y="6858000"/>
+                  </a:lnTo>
+                  <a:lnTo>
+                    <a:pt x="1019735" y="0"/>
+                  </a:lnTo>
+                  <a:close/>
+                </a:path>
+              </a:pathLst>
+            </a:custGeom>
+            <a:solidFill>
+              <a:schemeClr val="accent1">
+                <a:lumMod val="60000"/>
+                <a:lumOff val="40000"/>
+                <a:alpha val="70000"/>
+              </a:schemeClr>
+            </a:solidFill>
+            <a:ln>
+              <a:noFill/>
+            </a:ln>
+            <a:effectLst/>
+          </p:spPr>
+          <p:style>
+            <a:lnRef idx="1">
+              <a:schemeClr val="accent1"/>
+            </a:lnRef>
+            <a:fillRef idx="3">
+              <a:schemeClr val="accent1"/>
+            </a:fillRef>
+            <a:effectRef idx="2">
+              <a:schemeClr val="accent1"/>
+            </a:effectRef>
+            <a:fontRef idx="minor">
+              <a:schemeClr val="lt1"/>
+            </a:fontRef>
+          </p:style>
+        </p:sp>
+        <p:sp>
+          <p:nvSpPr>
+            <p:cNvPr id="30" name="Rectangle 29"/>
+            <p:cNvSpPr/>
+            <p:nvPr/>
+          </p:nvSpPr>
+          <p:spPr>
+            <a:xfrm>
+              <a:off x="10938999" y="-8467"/>
+              <a:ext cx="1249825" cy="6866467"/>
+            </a:xfrm>
+            <a:custGeom>
+              <a:avLst/>
+              <a:gdLst/>
+              <a:ahLst/>
+              <a:cxnLst/>
+              <a:rect l="l" t="t" r="r" b="b"/>
+              <a:pathLst>
+                <a:path w="1249825" h="6858000">
+                  <a:moveTo>
+                    <a:pt x="0" y="0"/>
+                  </a:moveTo>
+                  <a:lnTo>
+                    <a:pt x="1249825" y="0"/>
+                  </a:lnTo>
+                  <a:lnTo>
+                    <a:pt x="1249825" y="6858000"/>
+                  </a:lnTo>
+                  <a:lnTo>
+                    <a:pt x="1109382" y="6858000"/>
+                  </a:lnTo>
+                  <a:lnTo>
+                    <a:pt x="0" y="0"/>
+                  </a:lnTo>
+                  <a:close/>
+                </a:path>
+              </a:pathLst>
+            </a:custGeom>
+            <a:solidFill>
+              <a:schemeClr val="accent1">
+                <a:alpha val="65000"/>
+              </a:schemeClr>
+            </a:solidFill>
+            <a:ln>
+              <a:noFill/>
+            </a:ln>
+            <a:effectLst/>
+          </p:spPr>
+          <p:style>
+            <a:lnRef idx="1">
+              <a:schemeClr val="accent1"/>
+            </a:lnRef>
+            <a:fillRef idx="3">
+              <a:schemeClr val="accent1"/>
+            </a:fillRef>
+            <a:effectRef idx="2">
+              <a:schemeClr val="accent1"/>
+            </a:effectRef>
+            <a:fontRef idx="minor">
+              <a:schemeClr val="lt1"/>
+            </a:fontRef>
+          </p:style>
+        </p:sp>
+        <p:sp>
+          <p:nvSpPr>
+            <p:cNvPr id="31" name="Isosceles Triangle 30"/>
+            <p:cNvSpPr/>
+            <p:nvPr/>
+          </p:nvSpPr>
+          <p:spPr>
+            <a:xfrm>
+              <a:off x="10371666" y="3589867"/>
+              <a:ext cx="1817159" cy="3268133"/>
+            </a:xfrm>
+            <a:prstGeom prst="triangle">
+              <a:avLst>
+                <a:gd name="adj" fmla="val 100000"/>
+              </a:avLst>
+            </a:prstGeom>
+            <a:solidFill>
+              <a:schemeClr val="accent1">
+                <a:alpha val="80000"/>
+              </a:schemeClr>
+            </a:solidFill>
+            <a:ln>
+              <a:noFill/>
+            </a:ln>
+            <a:effectLst/>
+          </p:spPr>
+          <p:style>
+            <a:lnRef idx="1">
+              <a:schemeClr val="accent1"/>
+            </a:lnRef>
+            <a:fillRef idx="3">
+              <a:schemeClr val="accent1"/>
+            </a:fillRef>
+            <a:effectRef idx="2">
+              <a:schemeClr val="accent1"/>
+            </a:effectRef>
+            <a:fontRef idx="minor">
+              <a:schemeClr val="lt1"/>
+            </a:fontRef>
+          </p:style>
+        </p:sp>
+        <p:sp>
+          <p:nvSpPr>
+            <p:cNvPr id="19" name="Isosceles Triangle 18"/>
+            <p:cNvSpPr/>
+            <p:nvPr/>
+          </p:nvSpPr>
+          <p:spPr>
+            <a:xfrm rot="10800000">
+              <a:off x="0" y="0"/>
+              <a:ext cx="842596" cy="5666154"/>
+            </a:xfrm>
+            <a:prstGeom prst="triangle">
+              <a:avLst>
+                <a:gd name="adj" fmla="val 100000"/>
+              </a:avLst>
+            </a:prstGeom>
+            <a:solidFill>
+              <a:schemeClr val="accent1">
+                <a:alpha val="85000"/>
+              </a:schemeClr>
+            </a:solidFill>
+            <a:ln>
+              <a:noFill/>
+            </a:ln>
+            <a:effectLst/>
+          </p:spPr>
+          <p:style>
+            <a:lnRef idx="1">
+              <a:schemeClr val="accent1"/>
+            </a:lnRef>
+            <a:fillRef idx="3">
+              <a:schemeClr val="accent1"/>
+            </a:fillRef>
+            <a:effectRef idx="2">
+              <a:schemeClr val="accent1"/>
+            </a:effectRef>
+            <a:fontRef idx="minor">
+              <a:schemeClr val="lt1"/>
+            </a:fontRef>
+          </p:style>
+        </p:sp>
+      </p:grpSp>
       <p:sp>
         <p:nvSpPr>
           <p:cNvPr id="2" name="Title 1"/>
@@ -146,15 +676,21 @@
         </p:nvSpPr>
         <p:spPr>
           <a:xfrm>
-            <a:off x="1154955" y="1447800"/>
-            <a:ext cx="8825658" cy="3329581"/>
+            <a:off x="1507067" y="2404534"/>
+            <a:ext cx="7766936" cy="1646302"/>
           </a:xfrm>
         </p:spPr>
         <p:txBody>
-          <a:bodyPr anchor="b"/>
+          <a:bodyPr anchor="b">
+            <a:noAutofit/>
+          </a:bodyPr>
           <a:lstStyle>
-            <a:lvl1pPr>
-              <a:defRPr sz="7200"/>
+            <a:lvl1pPr algn="r">
+              <a:defRPr sz="5400">
+                <a:solidFill>
+                  <a:schemeClr val="accent1"/>
+                </a:solidFill>
+              </a:defRPr>
             </a:lvl1pPr>
           </a:lstStyle>
           <a:p>
@@ -178,20 +714,20 @@
         </p:nvSpPr>
         <p:spPr>
           <a:xfrm>
-            <a:off x="1154955" y="4777380"/>
-            <a:ext cx="8825658" cy="861420"/>
+            <a:off x="1507067" y="4050833"/>
+            <a:ext cx="7766936" cy="1096899"/>
           </a:xfrm>
         </p:spPr>
         <p:txBody>
           <a:bodyPr anchor="t"/>
           <a:lstStyle>
-            <a:lvl1pPr marL="0" indent="0" algn="l">
-              <a:buNone/>
-              <a:defRPr cap="all">
-                <a:solidFill>
-                  <a:schemeClr val="bg2">
-                    <a:lumMod val="40000"/>
-                    <a:lumOff val="60000"/>
+            <a:lvl1pPr marL="0" indent="0" algn="r">
+              <a:buNone/>
+              <a:defRPr>
+                <a:solidFill>
+                  <a:schemeClr val="tx1">
+                    <a:lumMod val="50000"/>
+                    <a:lumOff val="50000"/>
                   </a:schemeClr>
                 </a:solidFill>
               </a:defRPr>
@@ -303,7 +839,7 @@
           <a:p>
             <a:fld id="{40ECFE3D-F9C9-48FA-BD48-4F2B1920B15D}" type="datetimeFigureOut">
               <a:rPr lang="pt-PT" smtClean="0"/>
-              <a:t>23-01-2018</a:t>
+              <a:t>25-01-2018</a:t>
             </a:fld>
             <a:endParaRPr lang="pt-PT"/>
           </a:p>
@@ -354,7 +890,7 @@
     </p:spTree>
     <p:extLst>
       <p:ext uri="{BB962C8B-B14F-4D97-AF65-F5344CB8AC3E}">
-        <p14:creationId xmlns:p14="http://schemas.microsoft.com/office/powerpoint/2010/main" val="1609312968"/>
+        <p14:creationId xmlns:p14="http://schemas.microsoft.com/office/powerpoint/2010/main" val="2588129136"/>
       </p:ext>
     </p:extLst>
   </p:cSld>
@@ -365,281 +901,6 @@
 </file>
 
 <file path=ppt/slideLayouts/slideLayout10.xml><?xml version="1.0" encoding="utf-8"?>
-<p:sldLayout xmlns:a="http://schemas.openxmlformats.org/drawingml/2006/main" xmlns:r="http://schemas.openxmlformats.org/officeDocument/2006/relationships" xmlns:p="http://schemas.openxmlformats.org/presentationml/2006/main" preserve="1">
-  <p:cSld name="Fotografia Panorâmica com Legenda">
-    <p:spTree>
-      <p:nvGrpSpPr>
-        <p:cNvPr id="1" name=""/>
-        <p:cNvGrpSpPr/>
-        <p:nvPr/>
-      </p:nvGrpSpPr>
-      <p:grpSpPr>
-        <a:xfrm>
-          <a:off x="0" y="0"/>
-          <a:ext cx="0" cy="0"/>
-          <a:chOff x="0" y="0"/>
-          <a:chExt cx="0" cy="0"/>
-        </a:xfrm>
-      </p:grpSpPr>
-      <p:sp>
-        <p:nvSpPr>
-          <p:cNvPr id="2" name="Title 1"/>
-          <p:cNvSpPr>
-            <a:spLocks noGrp="1"/>
-          </p:cNvSpPr>
-          <p:nvPr>
-            <p:ph type="title"/>
-          </p:nvPr>
-        </p:nvSpPr>
-        <p:spPr>
-          <a:xfrm>
-            <a:off x="1154956" y="4800587"/>
-            <a:ext cx="8825657" cy="566738"/>
-          </a:xfrm>
-        </p:spPr>
-        <p:txBody>
-          <a:bodyPr anchor="b">
-            <a:normAutofit/>
-          </a:bodyPr>
-          <a:lstStyle>
-            <a:lvl1pPr algn="l">
-              <a:defRPr sz="2400" b="0"/>
-            </a:lvl1pPr>
-          </a:lstStyle>
-          <a:p>
-            <a:r>
-              <a:rPr lang="pt-PT" smtClean="0"/>
-              <a:t>Clique para editar o estilo</a:t>
-            </a:r>
-            <a:endParaRPr lang="en-US" dirty="0"/>
-          </a:p>
-        </p:txBody>
-      </p:sp>
-      <p:sp>
-        <p:nvSpPr>
-          <p:cNvPr id="3" name="Picture Placeholder 2"/>
-          <p:cNvSpPr>
-            <a:spLocks noGrp="1" noChangeAspect="1"/>
-          </p:cNvSpPr>
-          <p:nvPr>
-            <p:ph type="pic" idx="1"/>
-          </p:nvPr>
-        </p:nvSpPr>
-        <p:spPr>
-          <a:xfrm>
-            <a:off x="1154955" y="685800"/>
-            <a:ext cx="8825658" cy="3640666"/>
-          </a:xfrm>
-          <a:prstGeom prst="roundRect">
-            <a:avLst>
-              <a:gd name="adj" fmla="val 1858"/>
-            </a:avLst>
-          </a:prstGeom>
-          <a:effectLst>
-            <a:outerShdw blurRad="50800" dist="50800" dir="5400000" algn="tl" rotWithShape="0">
-              <a:srgbClr val="000000">
-                <a:alpha val="43000"/>
-              </a:srgbClr>
-            </a:outerShdw>
-          </a:effectLst>
-        </p:spPr>
-        <p:txBody>
-          <a:bodyPr anchor="t">
-            <a:normAutofit/>
-          </a:bodyPr>
-          <a:lstStyle>
-            <a:lvl1pPr marL="0" indent="0" algn="ctr">
-              <a:buNone/>
-              <a:defRPr sz="1600"/>
-            </a:lvl1pPr>
-            <a:lvl2pPr marL="457200" indent="0">
-              <a:buNone/>
-              <a:defRPr sz="1600"/>
-            </a:lvl2pPr>
-            <a:lvl3pPr marL="914400" indent="0">
-              <a:buNone/>
-              <a:defRPr sz="1600"/>
-            </a:lvl3pPr>
-            <a:lvl4pPr marL="1371600" indent="0">
-              <a:buNone/>
-              <a:defRPr sz="1600"/>
-            </a:lvl4pPr>
-            <a:lvl5pPr marL="1828800" indent="0">
-              <a:buNone/>
-              <a:defRPr sz="1600"/>
-            </a:lvl5pPr>
-            <a:lvl6pPr marL="2286000" indent="0">
-              <a:buNone/>
-              <a:defRPr sz="1600"/>
-            </a:lvl6pPr>
-            <a:lvl7pPr marL="2743200" indent="0">
-              <a:buNone/>
-              <a:defRPr sz="1600"/>
-            </a:lvl7pPr>
-            <a:lvl8pPr marL="3200400" indent="0">
-              <a:buNone/>
-              <a:defRPr sz="1600"/>
-            </a:lvl8pPr>
-            <a:lvl9pPr marL="3657600" indent="0">
-              <a:buNone/>
-              <a:defRPr sz="1600"/>
-            </a:lvl9pPr>
-          </a:lstStyle>
-          <a:p>
-            <a:r>
-              <a:rPr lang="pt-PT" smtClean="0"/>
-              <a:t>Clique no ícone para adicionar uma imagem</a:t>
-            </a:r>
-            <a:endParaRPr lang="en-US" dirty="0"/>
-          </a:p>
-        </p:txBody>
-      </p:sp>
-      <p:sp>
-        <p:nvSpPr>
-          <p:cNvPr id="4" name="Text Placeholder 3"/>
-          <p:cNvSpPr>
-            <a:spLocks noGrp="1"/>
-          </p:cNvSpPr>
-          <p:nvPr>
-            <p:ph type="body" sz="half" idx="2"/>
-          </p:nvPr>
-        </p:nvSpPr>
-        <p:spPr>
-          <a:xfrm>
-            <a:off x="1154956" y="5367325"/>
-            <a:ext cx="8825656" cy="493712"/>
-          </a:xfrm>
-        </p:spPr>
-        <p:txBody>
-          <a:bodyPr>
-            <a:normAutofit/>
-          </a:bodyPr>
-          <a:lstStyle>
-            <a:lvl1pPr marL="0" indent="0">
-              <a:buNone/>
-              <a:defRPr sz="1200"/>
-            </a:lvl1pPr>
-            <a:lvl2pPr marL="457200" indent="0">
-              <a:buNone/>
-              <a:defRPr sz="1200"/>
-            </a:lvl2pPr>
-            <a:lvl3pPr marL="914400" indent="0">
-              <a:buNone/>
-              <a:defRPr sz="1000"/>
-            </a:lvl3pPr>
-            <a:lvl4pPr marL="1371600" indent="0">
-              <a:buNone/>
-              <a:defRPr sz="900"/>
-            </a:lvl4pPr>
-            <a:lvl5pPr marL="1828800" indent="0">
-              <a:buNone/>
-              <a:defRPr sz="900"/>
-            </a:lvl5pPr>
-            <a:lvl6pPr marL="2286000" indent="0">
-              <a:buNone/>
-              <a:defRPr sz="900"/>
-            </a:lvl6pPr>
-            <a:lvl7pPr marL="2743200" indent="0">
-              <a:buNone/>
-              <a:defRPr sz="900"/>
-            </a:lvl7pPr>
-            <a:lvl8pPr marL="3200400" indent="0">
-              <a:buNone/>
-              <a:defRPr sz="900"/>
-            </a:lvl8pPr>
-            <a:lvl9pPr marL="3657600" indent="0">
-              <a:buNone/>
-              <a:defRPr sz="900"/>
-            </a:lvl9pPr>
-          </a:lstStyle>
-          <a:p>
-            <a:pPr lvl="0"/>
-            <a:r>
-              <a:rPr lang="pt-PT" smtClean="0"/>
-              <a:t>Clique para editar os estilos</a:t>
-            </a:r>
-          </a:p>
-        </p:txBody>
-      </p:sp>
-      <p:sp>
-        <p:nvSpPr>
-          <p:cNvPr id="5" name="Date Placeholder 4"/>
-          <p:cNvSpPr>
-            <a:spLocks noGrp="1"/>
-          </p:cNvSpPr>
-          <p:nvPr>
-            <p:ph type="dt" sz="half" idx="10"/>
-          </p:nvPr>
-        </p:nvSpPr>
-        <p:spPr/>
-        <p:txBody>
-          <a:bodyPr/>
-          <a:lstStyle/>
-          <a:p>
-            <a:fld id="{40ECFE3D-F9C9-48FA-BD48-4F2B1920B15D}" type="datetimeFigureOut">
-              <a:rPr lang="pt-PT" smtClean="0"/>
-              <a:t>23-01-2018</a:t>
-            </a:fld>
-            <a:endParaRPr lang="pt-PT"/>
-          </a:p>
-        </p:txBody>
-      </p:sp>
-      <p:sp>
-        <p:nvSpPr>
-          <p:cNvPr id="6" name="Footer Placeholder 5"/>
-          <p:cNvSpPr>
-            <a:spLocks noGrp="1"/>
-          </p:cNvSpPr>
-          <p:nvPr>
-            <p:ph type="ftr" sz="quarter" idx="11"/>
-          </p:nvPr>
-        </p:nvSpPr>
-        <p:spPr/>
-        <p:txBody>
-          <a:bodyPr/>
-          <a:lstStyle/>
-          <a:p>
-            <a:endParaRPr lang="pt-PT"/>
-          </a:p>
-        </p:txBody>
-      </p:sp>
-      <p:sp>
-        <p:nvSpPr>
-          <p:cNvPr id="7" name="Slide Number Placeholder 6"/>
-          <p:cNvSpPr>
-            <a:spLocks noGrp="1"/>
-          </p:cNvSpPr>
-          <p:nvPr>
-            <p:ph type="sldNum" sz="quarter" idx="12"/>
-          </p:nvPr>
-        </p:nvSpPr>
-        <p:spPr/>
-        <p:txBody>
-          <a:bodyPr/>
-          <a:lstStyle/>
-          <a:p>
-            <a:fld id="{8CB4B7EB-68D0-4F9D-B29C-D7635C426921}" type="slidenum">
-              <a:rPr lang="pt-PT" smtClean="0"/>
-              <a:t>‹nº›</a:t>
-            </a:fld>
-            <a:endParaRPr lang="pt-PT"/>
-          </a:p>
-        </p:txBody>
-      </p:sp>
-    </p:spTree>
-    <p:extLst>
-      <p:ext uri="{BB962C8B-B14F-4D97-AF65-F5344CB8AC3E}">
-        <p14:creationId xmlns:p14="http://schemas.microsoft.com/office/powerpoint/2010/main" val="2060608736"/>
-      </p:ext>
-    </p:extLst>
-  </p:cSld>
-  <p:clrMapOvr>
-    <a:masterClrMapping/>
-  </p:clrMapOvr>
-</p:sldLayout>
-</file>
-
-<file path=ppt/slideLayouts/slideLayout11.xml><?xml version="1.0" encoding="utf-8"?>
 <p:sldLayout xmlns:a="http://schemas.openxmlformats.org/drawingml/2006/main" xmlns:r="http://schemas.openxmlformats.org/officeDocument/2006/relationships" xmlns:p="http://schemas.openxmlformats.org/presentationml/2006/main" preserve="1">
   <p:cSld name="Título e Legenda">
     <p:spTree>
@@ -668,40 +929,8 @@
         </p:nvSpPr>
         <p:spPr>
           <a:xfrm>
-            <a:off x="1154954" y="1447800"/>
-            <a:ext cx="8825659" cy="1981200"/>
-          </a:xfrm>
-        </p:spPr>
-        <p:txBody>
-          <a:bodyPr/>
-          <a:lstStyle>
-            <a:lvl1pPr>
-              <a:defRPr sz="4800"/>
-            </a:lvl1pPr>
-          </a:lstStyle>
-          <a:p>
-            <a:r>
-              <a:rPr lang="pt-PT" smtClean="0"/>
-              <a:t>Clique para editar o estilo</a:t>
-            </a:r>
-            <a:endParaRPr lang="en-US" dirty="0"/>
-          </a:p>
-        </p:txBody>
-      </p:sp>
-      <p:sp>
-        <p:nvSpPr>
-          <p:cNvPr id="8" name="Text Placeholder 3"/>
-          <p:cNvSpPr>
-            <a:spLocks noGrp="1"/>
-          </p:cNvSpPr>
-          <p:nvPr>
-            <p:ph type="body" sz="half" idx="2"/>
-          </p:nvPr>
-        </p:nvSpPr>
-        <p:spPr>
-          <a:xfrm>
-            <a:off x="1154954" y="3657600"/>
-            <a:ext cx="8825659" cy="2362200"/>
+            <a:off x="677335" y="609600"/>
+            <a:ext cx="8596668" cy="3403600"/>
           </a:xfrm>
         </p:spPr>
         <p:txBody>
@@ -709,41 +938,130 @@
             <a:normAutofit/>
           </a:bodyPr>
           <a:lstStyle>
-            <a:lvl1pPr marL="0" indent="0">
-              <a:buNone/>
-              <a:defRPr sz="1800"/>
+            <a:lvl1pPr algn="l">
+              <a:defRPr sz="4400" b="0" cap="none"/>
+            </a:lvl1pPr>
+          </a:lstStyle>
+          <a:p>
+            <a:r>
+              <a:rPr lang="pt-PT" smtClean="0"/>
+              <a:t>Clique para editar o estilo</a:t>
+            </a:r>
+            <a:endParaRPr lang="en-US" dirty="0"/>
+          </a:p>
+        </p:txBody>
+      </p:sp>
+      <p:sp>
+        <p:nvSpPr>
+          <p:cNvPr id="3" name="Text Placeholder 2"/>
+          <p:cNvSpPr>
+            <a:spLocks noGrp="1"/>
+          </p:cNvSpPr>
+          <p:nvPr>
+            <p:ph type="body" idx="1"/>
+          </p:nvPr>
+        </p:nvSpPr>
+        <p:spPr>
+          <a:xfrm>
+            <a:off x="677335" y="4470400"/>
+            <a:ext cx="8596668" cy="1570962"/>
+          </a:xfrm>
+        </p:spPr>
+        <p:txBody>
+          <a:bodyPr anchor="ctr">
+            <a:normAutofit/>
+          </a:bodyPr>
+          <a:lstStyle>
+            <a:lvl1pPr marL="0" indent="0" algn="l">
+              <a:buNone/>
+              <a:defRPr sz="1800">
+                <a:solidFill>
+                  <a:schemeClr val="tx1">
+                    <a:lumMod val="75000"/>
+                    <a:lumOff val="25000"/>
+                  </a:schemeClr>
+                </a:solidFill>
+              </a:defRPr>
             </a:lvl1pPr>
             <a:lvl2pPr marL="457200" indent="0">
               <a:buNone/>
-              <a:defRPr sz="1200"/>
+              <a:defRPr sz="1800">
+                <a:solidFill>
+                  <a:schemeClr val="tx1">
+                    <a:tint val="75000"/>
+                  </a:schemeClr>
+                </a:solidFill>
+              </a:defRPr>
             </a:lvl2pPr>
             <a:lvl3pPr marL="914400" indent="0">
               <a:buNone/>
-              <a:defRPr sz="1000"/>
+              <a:defRPr sz="1600">
+                <a:solidFill>
+                  <a:schemeClr val="tx1">
+                    <a:tint val="75000"/>
+                  </a:schemeClr>
+                </a:solidFill>
+              </a:defRPr>
             </a:lvl3pPr>
             <a:lvl4pPr marL="1371600" indent="0">
               <a:buNone/>
-              <a:defRPr sz="900"/>
+              <a:defRPr sz="1400">
+                <a:solidFill>
+                  <a:schemeClr val="tx1">
+                    <a:tint val="75000"/>
+                  </a:schemeClr>
+                </a:solidFill>
+              </a:defRPr>
             </a:lvl4pPr>
             <a:lvl5pPr marL="1828800" indent="0">
               <a:buNone/>
-              <a:defRPr sz="900"/>
+              <a:defRPr sz="1400">
+                <a:solidFill>
+                  <a:schemeClr val="tx1">
+                    <a:tint val="75000"/>
+                  </a:schemeClr>
+                </a:solidFill>
+              </a:defRPr>
             </a:lvl5pPr>
             <a:lvl6pPr marL="2286000" indent="0">
               <a:buNone/>
-              <a:defRPr sz="900"/>
+              <a:defRPr sz="1400">
+                <a:solidFill>
+                  <a:schemeClr val="tx1">
+                    <a:tint val="75000"/>
+                  </a:schemeClr>
+                </a:solidFill>
+              </a:defRPr>
             </a:lvl6pPr>
             <a:lvl7pPr marL="2743200" indent="0">
               <a:buNone/>
-              <a:defRPr sz="900"/>
+              <a:defRPr sz="1400">
+                <a:solidFill>
+                  <a:schemeClr val="tx1">
+                    <a:tint val="75000"/>
+                  </a:schemeClr>
+                </a:solidFill>
+              </a:defRPr>
             </a:lvl7pPr>
             <a:lvl8pPr marL="3200400" indent="0">
               <a:buNone/>
-              <a:defRPr sz="900"/>
+              <a:defRPr sz="1400">
+                <a:solidFill>
+                  <a:schemeClr val="tx1">
+                    <a:tint val="75000"/>
+                  </a:schemeClr>
+                </a:solidFill>
+              </a:defRPr>
             </a:lvl8pPr>
             <a:lvl9pPr marL="3657600" indent="0">
               <a:buNone/>
-              <a:defRPr sz="900"/>
+              <a:defRPr sz="1400">
+                <a:solidFill>
+                  <a:schemeClr val="tx1">
+                    <a:tint val="75000"/>
+                  </a:schemeClr>
+                </a:solidFill>
+              </a:defRPr>
             </a:lvl9pPr>
           </a:lstStyle>
           <a:p>
@@ -772,7 +1090,7 @@
           <a:p>
             <a:fld id="{40ECFE3D-F9C9-48FA-BD48-4F2B1920B15D}" type="datetimeFigureOut">
               <a:rPr lang="pt-PT" smtClean="0"/>
-              <a:t>23-01-2018</a:t>
+              <a:t>25-01-2018</a:t>
             </a:fld>
             <a:endParaRPr lang="pt-PT"/>
           </a:p>
@@ -823,7 +1141,7 @@
     </p:spTree>
     <p:extLst>
       <p:ext uri="{BB962C8B-B14F-4D97-AF65-F5344CB8AC3E}">
-        <p14:creationId xmlns:p14="http://schemas.microsoft.com/office/powerpoint/2010/main" val="1804509892"/>
+        <p14:creationId xmlns:p14="http://schemas.microsoft.com/office/powerpoint/2010/main" val="3800155529"/>
       </p:ext>
     </p:extLst>
   </p:cSld>
@@ -833,7 +1151,7 @@
 </p:sldLayout>
 </file>
 
-<file path=ppt/slideLayouts/slideLayout12.xml><?xml version="1.0" encoding="utf-8"?>
+<file path=ppt/slideLayouts/slideLayout11.xml><?xml version="1.0" encoding="utf-8"?>
 <p:sldLayout xmlns:a="http://schemas.openxmlformats.org/drawingml/2006/main" xmlns:r="http://schemas.openxmlformats.org/officeDocument/2006/relationships" xmlns:p="http://schemas.openxmlformats.org/presentationml/2006/main" preserve="1">
   <p:cSld name="Citação com Legenda">
     <p:spTree>
@@ -862,119 +1180,8 @@
         </p:nvSpPr>
         <p:spPr>
           <a:xfrm>
-            <a:off x="1574801" y="1447800"/>
-            <a:ext cx="7999315" cy="2323374"/>
-          </a:xfrm>
-        </p:spPr>
-        <p:txBody>
-          <a:bodyPr/>
-          <a:lstStyle>
-            <a:lvl1pPr>
-              <a:defRPr sz="4800"/>
-            </a:lvl1pPr>
-          </a:lstStyle>
-          <a:p>
-            <a:r>
-              <a:rPr lang="pt-PT" smtClean="0"/>
-              <a:t>Clique para editar o estilo</a:t>
-            </a:r>
-            <a:endParaRPr lang="en-US" dirty="0"/>
-          </a:p>
-        </p:txBody>
-      </p:sp>
-      <p:sp>
-        <p:nvSpPr>
-          <p:cNvPr id="11" name="Text Placeholder 3"/>
-          <p:cNvSpPr>
-            <a:spLocks noGrp="1"/>
-          </p:cNvSpPr>
-          <p:nvPr>
-            <p:ph type="body" sz="half" idx="14"/>
-          </p:nvPr>
-        </p:nvSpPr>
-        <p:spPr>
-          <a:xfrm>
-            <a:off x="1930400" y="3771174"/>
-            <a:ext cx="7279649" cy="342174"/>
-          </a:xfrm>
-        </p:spPr>
-        <p:txBody>
-          <a:bodyPr vert="horz" lIns="91440" tIns="45720" rIns="91440" bIns="45720" rtlCol="0" anchor="t">
-            <a:normAutofit/>
-          </a:bodyPr>
-          <a:lstStyle>
-            <a:lvl1pPr marL="0" indent="0">
-              <a:buNone/>
-              <a:defRPr lang="en-US" sz="1400" b="0" i="0" kern="1200" cap="small" dirty="0">
-                <a:solidFill>
-                  <a:schemeClr val="bg2">
-                    <a:lumMod val="40000"/>
-                    <a:lumOff val="60000"/>
-                  </a:schemeClr>
-                </a:solidFill>
-                <a:latin typeface="+mj-lt"/>
-                <a:ea typeface="+mj-ea"/>
-                <a:cs typeface="+mj-cs"/>
-              </a:defRPr>
-            </a:lvl1pPr>
-            <a:lvl2pPr marL="457200" indent="0">
-              <a:buNone/>
-              <a:defRPr sz="1200"/>
-            </a:lvl2pPr>
-            <a:lvl3pPr marL="914400" indent="0">
-              <a:buNone/>
-              <a:defRPr sz="1000"/>
-            </a:lvl3pPr>
-            <a:lvl4pPr marL="1371600" indent="0">
-              <a:buNone/>
-              <a:defRPr sz="900"/>
-            </a:lvl4pPr>
-            <a:lvl5pPr marL="1828800" indent="0">
-              <a:buNone/>
-              <a:defRPr sz="900"/>
-            </a:lvl5pPr>
-            <a:lvl6pPr marL="2286000" indent="0">
-              <a:buNone/>
-              <a:defRPr sz="900"/>
-            </a:lvl6pPr>
-            <a:lvl7pPr marL="2743200" indent="0">
-              <a:buNone/>
-              <a:defRPr sz="900"/>
-            </a:lvl7pPr>
-            <a:lvl8pPr marL="3200400" indent="0">
-              <a:buNone/>
-              <a:defRPr sz="900"/>
-            </a:lvl8pPr>
-            <a:lvl9pPr marL="3657600" indent="0">
-              <a:buNone/>
-              <a:defRPr sz="900"/>
-            </a:lvl9pPr>
-          </a:lstStyle>
-          <a:p>
-            <a:pPr marL="0" lvl="0" indent="0">
-              <a:buNone/>
-            </a:pPr>
-            <a:r>
-              <a:rPr lang="pt-PT" smtClean="0"/>
-              <a:t>Clique para editar os estilos</a:t>
-            </a:r>
-          </a:p>
-        </p:txBody>
-      </p:sp>
-      <p:sp>
-        <p:nvSpPr>
-          <p:cNvPr id="10" name="Text Placeholder 3"/>
-          <p:cNvSpPr>
-            <a:spLocks noGrp="1"/>
-          </p:cNvSpPr>
-          <p:nvPr>
-            <p:ph type="body" sz="half" idx="2"/>
-          </p:nvPr>
-        </p:nvSpPr>
-        <p:spPr>
-          <a:xfrm>
-            <a:off x="1154954" y="4350657"/>
-            <a:ext cx="8825659" cy="1676400"/>
+            <a:off x="931334" y="609600"/>
+            <a:ext cx="8094134" cy="3022600"/>
           </a:xfrm>
         </p:spPr>
         <p:txBody>
@@ -982,41 +1189,193 @@
             <a:normAutofit/>
           </a:bodyPr>
           <a:lstStyle>
+            <a:lvl1pPr algn="l">
+              <a:defRPr sz="4400" b="0" cap="none"/>
+            </a:lvl1pPr>
+          </a:lstStyle>
+          <a:p>
+            <a:r>
+              <a:rPr lang="pt-PT" smtClean="0"/>
+              <a:t>Clique para editar o estilo</a:t>
+            </a:r>
+            <a:endParaRPr lang="en-US" dirty="0"/>
+          </a:p>
+        </p:txBody>
+      </p:sp>
+      <p:sp>
+        <p:nvSpPr>
+          <p:cNvPr id="23" name="Text Placeholder 9"/>
+          <p:cNvSpPr>
+            <a:spLocks noGrp="1"/>
+          </p:cNvSpPr>
+          <p:nvPr>
+            <p:ph type="body" sz="quarter" idx="13"/>
+          </p:nvPr>
+        </p:nvSpPr>
+        <p:spPr>
+          <a:xfrm>
+            <a:off x="1366139" y="3632200"/>
+            <a:ext cx="7224524" cy="381000"/>
+          </a:xfrm>
+        </p:spPr>
+        <p:txBody>
+          <a:bodyPr anchor="ctr">
+            <a:noAutofit/>
+          </a:bodyPr>
+          <a:lstStyle>
             <a:lvl1pPr marL="0" indent="0">
-              <a:buNone/>
-              <a:defRPr sz="1800"/>
+              <a:buFontTx/>
+              <a:buNone/>
+              <a:defRPr sz="1600">
+                <a:solidFill>
+                  <a:schemeClr val="tx1">
+                    <a:lumMod val="50000"/>
+                    <a:lumOff val="50000"/>
+                  </a:schemeClr>
+                </a:solidFill>
+              </a:defRPr>
             </a:lvl1pPr>
             <a:lvl2pPr marL="457200" indent="0">
-              <a:buNone/>
-              <a:defRPr sz="1200"/>
+              <a:buFontTx/>
+              <a:buNone/>
+              <a:defRPr/>
             </a:lvl2pPr>
             <a:lvl3pPr marL="914400" indent="0">
-              <a:buNone/>
-              <a:defRPr sz="1000"/>
+              <a:buFontTx/>
+              <a:buNone/>
+              <a:defRPr/>
             </a:lvl3pPr>
             <a:lvl4pPr marL="1371600" indent="0">
-              <a:buNone/>
-              <a:defRPr sz="900"/>
+              <a:buFontTx/>
+              <a:buNone/>
+              <a:defRPr/>
             </a:lvl4pPr>
             <a:lvl5pPr marL="1828800" indent="0">
-              <a:buNone/>
-              <a:defRPr sz="900"/>
+              <a:buFontTx/>
+              <a:buNone/>
+              <a:defRPr/>
+            </a:lvl5pPr>
+          </a:lstStyle>
+          <a:p>
+            <a:pPr lvl="0"/>
+            <a:r>
+              <a:rPr lang="pt-PT" smtClean="0"/>
+              <a:t>Clique para editar os estilos</a:t>
+            </a:r>
+          </a:p>
+        </p:txBody>
+      </p:sp>
+      <p:sp>
+        <p:nvSpPr>
+          <p:cNvPr id="3" name="Text Placeholder 2"/>
+          <p:cNvSpPr>
+            <a:spLocks noGrp="1"/>
+          </p:cNvSpPr>
+          <p:nvPr>
+            <p:ph type="body" idx="1"/>
+          </p:nvPr>
+        </p:nvSpPr>
+        <p:spPr>
+          <a:xfrm>
+            <a:off x="677335" y="4470400"/>
+            <a:ext cx="8596668" cy="1570962"/>
+          </a:xfrm>
+        </p:spPr>
+        <p:txBody>
+          <a:bodyPr anchor="ctr">
+            <a:normAutofit/>
+          </a:bodyPr>
+          <a:lstStyle>
+            <a:lvl1pPr marL="0" indent="0" algn="l">
+              <a:buNone/>
+              <a:defRPr sz="1800">
+                <a:solidFill>
+                  <a:schemeClr val="tx1">
+                    <a:lumMod val="75000"/>
+                    <a:lumOff val="25000"/>
+                  </a:schemeClr>
+                </a:solidFill>
+              </a:defRPr>
+            </a:lvl1pPr>
+            <a:lvl2pPr marL="457200" indent="0">
+              <a:buNone/>
+              <a:defRPr sz="1800">
+                <a:solidFill>
+                  <a:schemeClr val="tx1">
+                    <a:tint val="75000"/>
+                  </a:schemeClr>
+                </a:solidFill>
+              </a:defRPr>
+            </a:lvl2pPr>
+            <a:lvl3pPr marL="914400" indent="0">
+              <a:buNone/>
+              <a:defRPr sz="1600">
+                <a:solidFill>
+                  <a:schemeClr val="tx1">
+                    <a:tint val="75000"/>
+                  </a:schemeClr>
+                </a:solidFill>
+              </a:defRPr>
+            </a:lvl3pPr>
+            <a:lvl4pPr marL="1371600" indent="0">
+              <a:buNone/>
+              <a:defRPr sz="1400">
+                <a:solidFill>
+                  <a:schemeClr val="tx1">
+                    <a:tint val="75000"/>
+                  </a:schemeClr>
+                </a:solidFill>
+              </a:defRPr>
+            </a:lvl4pPr>
+            <a:lvl5pPr marL="1828800" indent="0">
+              <a:buNone/>
+              <a:defRPr sz="1400">
+                <a:solidFill>
+                  <a:schemeClr val="tx1">
+                    <a:tint val="75000"/>
+                  </a:schemeClr>
+                </a:solidFill>
+              </a:defRPr>
             </a:lvl5pPr>
             <a:lvl6pPr marL="2286000" indent="0">
               <a:buNone/>
-              <a:defRPr sz="900"/>
+              <a:defRPr sz="1400">
+                <a:solidFill>
+                  <a:schemeClr val="tx1">
+                    <a:tint val="75000"/>
+                  </a:schemeClr>
+                </a:solidFill>
+              </a:defRPr>
             </a:lvl6pPr>
             <a:lvl7pPr marL="2743200" indent="0">
               <a:buNone/>
-              <a:defRPr sz="900"/>
+              <a:defRPr sz="1400">
+                <a:solidFill>
+                  <a:schemeClr val="tx1">
+                    <a:tint val="75000"/>
+                  </a:schemeClr>
+                </a:solidFill>
+              </a:defRPr>
             </a:lvl7pPr>
             <a:lvl8pPr marL="3200400" indent="0">
               <a:buNone/>
-              <a:defRPr sz="900"/>
+              <a:defRPr sz="1400">
+                <a:solidFill>
+                  <a:schemeClr val="tx1">
+                    <a:tint val="75000"/>
+                  </a:schemeClr>
+                </a:solidFill>
+              </a:defRPr>
             </a:lvl8pPr>
             <a:lvl9pPr marL="3657600" indent="0">
               <a:buNone/>
-              <a:defRPr sz="900"/>
+              <a:defRPr sz="1400">
+                <a:solidFill>
+                  <a:schemeClr val="tx1">
+                    <a:tint val="75000"/>
+                  </a:schemeClr>
+                </a:solidFill>
+              </a:defRPr>
             </a:lvl9pPr>
           </a:lstStyle>
           <a:p>
@@ -1045,7 +1404,7 @@
           <a:p>
             <a:fld id="{40ECFE3D-F9C9-48FA-BD48-4F2B1920B15D}" type="datetimeFigureOut">
               <a:rPr lang="pt-PT" smtClean="0"/>
-              <a:t>23-01-2018</a:t>
+              <a:t>25-01-2018</a:t>
             </a:fld>
             <a:endParaRPr lang="pt-PT"/>
           </a:p>
@@ -1095,46 +1454,40 @@
       </p:sp>
       <p:sp>
         <p:nvSpPr>
-          <p:cNvPr id="12" name="TextBox 11"/>
+          <p:cNvPr id="20" name="TextBox 19"/>
           <p:cNvSpPr txBox="1"/>
           <p:nvPr/>
         </p:nvSpPr>
         <p:spPr>
           <a:xfrm>
-            <a:off x="898295" y="971253"/>
-            <a:ext cx="801912" cy="1969770"/>
+            <a:off x="541870" y="790378"/>
+            <a:ext cx="609600" cy="584776"/>
           </a:xfrm>
           <a:prstGeom prst="rect">
             <a:avLst/>
           </a:prstGeom>
-          <a:noFill/>
         </p:spPr>
         <p:txBody>
-          <a:bodyPr wrap="square" rtlCol="0">
-            <a:spAutoFit/>
+          <a:bodyPr vert="horz" lIns="91440" tIns="45720" rIns="91440" bIns="45720" rtlCol="0" anchor="ctr">
+            <a:noAutofit/>
           </a:bodyPr>
-          <a:lstStyle>
-            <a:defPPr>
-              <a:defRPr lang="en-US"/>
-            </a:defPPr>
-            <a:lvl1pPr algn="r">
-              <a:defRPr sz="12200" b="0" i="0">
-                <a:solidFill>
-                  <a:schemeClr val="bg2">
-                    <a:lumMod val="40000"/>
-                    <a:lumOff val="60000"/>
-                  </a:schemeClr>
-                </a:solidFill>
+          <a:lstStyle/>
+          <a:p>
+            <a:pPr lvl="0"/>
+            <a:r>
+              <a:rPr lang="en-US" sz="8000" baseline="0" dirty="0">
+                <a:ln w="3175" cmpd="sng">
+                  <a:noFill/>
+                </a:ln>
+                <a:solidFill>
+                  <a:schemeClr val="accent1">
+                    <a:lumMod val="60000"/>
+                    <a:lumOff val="40000"/>
+                  </a:schemeClr>
+                </a:solidFill>
+                <a:effectLst/>
                 <a:latin typeface="Arial"/>
-                <a:ea typeface="+mj-ea"/>
-                <a:cs typeface="+mj-cs"/>
-              </a:defRPr>
-            </a:lvl1pPr>
-          </a:lstStyle>
-          <a:p>
-            <a:pPr lvl="0"/>
-            <a:r>
-              <a:rPr lang="en-US" dirty="0"/>
+              </a:rPr>
               <a:t>“</a:t>
             </a:r>
           </a:p>
@@ -1142,55 +1495,57 @@
       </p:sp>
       <p:sp>
         <p:nvSpPr>
-          <p:cNvPr id="15" name="TextBox 14"/>
+          <p:cNvPr id="22" name="TextBox 21"/>
           <p:cNvSpPr txBox="1"/>
           <p:nvPr/>
         </p:nvSpPr>
         <p:spPr>
           <a:xfrm>
-            <a:off x="9330490" y="2613787"/>
-            <a:ext cx="801912" cy="1969770"/>
+            <a:off x="8893011" y="2886556"/>
+            <a:ext cx="609600" cy="584776"/>
           </a:xfrm>
           <a:prstGeom prst="rect">
             <a:avLst/>
           </a:prstGeom>
-          <a:noFill/>
         </p:spPr>
         <p:txBody>
-          <a:bodyPr wrap="square" rtlCol="0">
-            <a:spAutoFit/>
+          <a:bodyPr vert="horz" lIns="91440" tIns="45720" rIns="91440" bIns="45720" rtlCol="0" anchor="ctr">
+            <a:noAutofit/>
           </a:bodyPr>
-          <a:lstStyle>
-            <a:defPPr>
-              <a:defRPr lang="en-US"/>
-            </a:defPPr>
-            <a:lvl1pPr algn="r">
-              <a:defRPr sz="12200" b="0" i="0">
-                <a:solidFill>
-                  <a:schemeClr val="bg2">
-                    <a:lumMod val="40000"/>
-                    <a:lumOff val="60000"/>
+          <a:lstStyle/>
+          <a:p>
+            <a:pPr lvl="0"/>
+            <a:r>
+              <a:rPr lang="en-US" sz="8000" baseline="0" dirty="0">
+                <a:ln w="3175" cmpd="sng">
+                  <a:noFill/>
+                </a:ln>
+                <a:solidFill>
+                  <a:schemeClr val="accent1">
+                    <a:lumMod val="60000"/>
+                    <a:lumOff val="40000"/>
                   </a:schemeClr>
                 </a:solidFill>
                 <a:latin typeface="Arial"/>
-                <a:ea typeface="+mj-ea"/>
-                <a:cs typeface="+mj-cs"/>
-              </a:defRPr>
-            </a:lvl1pPr>
-          </a:lstStyle>
-          <a:p>
-            <a:pPr lvl="0"/>
-            <a:r>
-              <a:rPr lang="en-US" dirty="0"/>
+              </a:rPr>
               <a:t>”</a:t>
             </a:r>
+            <a:endParaRPr lang="en-US" dirty="0">
+              <a:solidFill>
+                <a:schemeClr val="accent1">
+                  <a:lumMod val="60000"/>
+                  <a:lumOff val="40000"/>
+                </a:schemeClr>
+              </a:solidFill>
+              <a:latin typeface="Arial"/>
+            </a:endParaRPr>
           </a:p>
         </p:txBody>
       </p:sp>
     </p:spTree>
     <p:extLst>
       <p:ext uri="{BB962C8B-B14F-4D97-AF65-F5344CB8AC3E}">
-        <p14:creationId xmlns:p14="http://schemas.microsoft.com/office/powerpoint/2010/main" val="710492540"/>
+        <p14:creationId xmlns:p14="http://schemas.microsoft.com/office/powerpoint/2010/main" val="77324480"/>
       </p:ext>
     </p:extLst>
   </p:cSld>
@@ -1200,7 +1555,7 @@
 </p:sldLayout>
 </file>
 
-<file path=ppt/slideLayouts/slideLayout13.xml><?xml version="1.0" encoding="utf-8"?>
+<file path=ppt/slideLayouts/slideLayout12.xml><?xml version="1.0" encoding="utf-8"?>
 <p:sldLayout xmlns:a="http://schemas.openxmlformats.org/drawingml/2006/main" xmlns:r="http://schemas.openxmlformats.org/officeDocument/2006/relationships" xmlns:p="http://schemas.openxmlformats.org/presentationml/2006/main" preserve="1">
   <p:cSld name="Cartão de Nome">
     <p:spTree>
@@ -1229,15 +1584,17 @@
         </p:nvSpPr>
         <p:spPr>
           <a:xfrm>
-            <a:off x="1154954" y="3124201"/>
-            <a:ext cx="8825660" cy="1653180"/>
+            <a:off x="677335" y="1931988"/>
+            <a:ext cx="8596668" cy="2595460"/>
           </a:xfrm>
         </p:spPr>
         <p:txBody>
-          <a:bodyPr anchor="b"/>
+          <a:bodyPr anchor="b">
+            <a:normAutofit/>
+          </a:bodyPr>
           <a:lstStyle>
             <a:lvl1pPr algn="l">
-              <a:defRPr sz="4000" b="0" cap="none"/>
+              <a:defRPr sz="4400" b="0" cap="none"/>
             </a:lvl1pPr>
           </a:lstStyle>
           <a:p>
@@ -1261,20 +1618,22 @@
         </p:nvSpPr>
         <p:spPr>
           <a:xfrm>
-            <a:off x="1154954" y="4777381"/>
-            <a:ext cx="8825659" cy="860400"/>
+            <a:off x="677335" y="4527448"/>
+            <a:ext cx="8596668" cy="1513914"/>
           </a:xfrm>
         </p:spPr>
         <p:txBody>
-          <a:bodyPr anchor="t"/>
+          <a:bodyPr anchor="t">
+            <a:normAutofit/>
+          </a:bodyPr>
           <a:lstStyle>
             <a:lvl1pPr marL="0" indent="0" algn="l">
               <a:buNone/>
-              <a:defRPr sz="2000" cap="none">
-                <a:solidFill>
-                  <a:schemeClr val="bg2">
-                    <a:lumMod val="40000"/>
-                    <a:lumOff val="60000"/>
+              <a:defRPr sz="1800">
+                <a:solidFill>
+                  <a:schemeClr val="tx1">
+                    <a:lumMod val="75000"/>
+                    <a:lumOff val="25000"/>
                   </a:schemeClr>
                 </a:solidFill>
               </a:defRPr>
@@ -1386,7 +1745,7 @@
           <a:p>
             <a:fld id="{40ECFE3D-F9C9-48FA-BD48-4F2B1920B15D}" type="datetimeFigureOut">
               <a:rPr lang="pt-PT" smtClean="0"/>
-              <a:t>23-01-2018</a:t>
+              <a:t>25-01-2018</a:t>
             </a:fld>
             <a:endParaRPr lang="pt-PT"/>
           </a:p>
@@ -1437,7 +1796,7 @@
     </p:spTree>
     <p:extLst>
       <p:ext uri="{BB962C8B-B14F-4D97-AF65-F5344CB8AC3E}">
-        <p14:creationId xmlns:p14="http://schemas.microsoft.com/office/powerpoint/2010/main" val="1290656298"/>
+        <p14:creationId xmlns:p14="http://schemas.microsoft.com/office/powerpoint/2010/main" val="2687495207"/>
       </p:ext>
     </p:extLst>
   </p:cSld>
@@ -1447,9 +1806,9 @@
 </p:sldLayout>
 </file>
 
-<file path=ppt/slideLayouts/slideLayout14.xml><?xml version="1.0" encoding="utf-8"?>
+<file path=ppt/slideLayouts/slideLayout13.xml><?xml version="1.0" encoding="utf-8"?>
 <p:sldLayout xmlns:a="http://schemas.openxmlformats.org/drawingml/2006/main" xmlns:r="http://schemas.openxmlformats.org/officeDocument/2006/relationships" xmlns:p="http://schemas.openxmlformats.org/presentationml/2006/main" preserve="1">
-  <p:cSld name="3 Colunas">
+  <p:cSld name="Cartão de Nome com Citação">
     <p:spTree>
       <p:nvGrpSpPr>
         <p:cNvPr id="1" name=""/>
@@ -1474,12 +1833,19 @@
             <p:ph type="title"/>
           </p:nvPr>
         </p:nvSpPr>
-        <p:spPr/>
-        <p:txBody>
-          <a:bodyPr/>
+        <p:spPr>
+          <a:xfrm>
+            <a:off x="931334" y="609600"/>
+            <a:ext cx="8094134" cy="3022600"/>
+          </a:xfrm>
+        </p:spPr>
+        <p:txBody>
+          <a:bodyPr anchor="ctr">
+            <a:normAutofit/>
+          </a:bodyPr>
           <a:lstStyle>
-            <a:lvl1pPr>
-              <a:defRPr sz="4200"/>
+            <a:lvl1pPr algn="l">
+              <a:defRPr sz="4400" b="0" cap="none"/>
             </a:lvl1pPr>
           </a:lstStyle>
           <a:p>
@@ -1493,18 +1859,18 @@
       </p:sp>
       <p:sp>
         <p:nvSpPr>
-          <p:cNvPr id="3" name="Text Placeholder 2"/>
-          <p:cNvSpPr>
-            <a:spLocks noGrp="1"/>
-          </p:cNvSpPr>
-          <p:nvPr>
-            <p:ph type="body" idx="1"/>
+          <p:cNvPr id="23" name="Text Placeholder 9"/>
+          <p:cNvSpPr>
+            <a:spLocks noGrp="1"/>
+          </p:cNvSpPr>
+          <p:nvPr>
+            <p:ph type="body" sz="quarter" idx="13"/>
           </p:nvPr>
         </p:nvSpPr>
         <p:spPr>
           <a:xfrm>
-            <a:off x="632947" y="1981200"/>
-            <a:ext cx="2946866" cy="576262"/>
+            <a:off x="677332" y="4013200"/>
+            <a:ext cx="8596669" cy="514248"/>
           </a:xfrm>
         </p:spPr>
         <p:txBody>
@@ -1513,48 +1879,37 @@
           </a:bodyPr>
           <a:lstStyle>
             <a:lvl1pPr marL="0" indent="0">
-              <a:buNone/>
-              <a:defRPr sz="2400" b="0">
-                <a:solidFill>
-                  <a:schemeClr val="bg2">
-                    <a:lumMod val="40000"/>
-                    <a:lumOff val="60000"/>
+              <a:buFontTx/>
+              <a:buNone/>
+              <a:defRPr sz="2400">
+                <a:solidFill>
+                  <a:schemeClr val="tx1">
+                    <a:lumMod val="75000"/>
+                    <a:lumOff val="25000"/>
                   </a:schemeClr>
                 </a:solidFill>
               </a:defRPr>
             </a:lvl1pPr>
             <a:lvl2pPr marL="457200" indent="0">
-              <a:buNone/>
-              <a:defRPr sz="2000" b="1"/>
+              <a:buFontTx/>
+              <a:buNone/>
+              <a:defRPr/>
             </a:lvl2pPr>
             <a:lvl3pPr marL="914400" indent="0">
-              <a:buNone/>
-              <a:defRPr sz="1800" b="1"/>
+              <a:buFontTx/>
+              <a:buNone/>
+              <a:defRPr/>
             </a:lvl3pPr>
             <a:lvl4pPr marL="1371600" indent="0">
-              <a:buNone/>
-              <a:defRPr sz="1600" b="1"/>
+              <a:buFontTx/>
+              <a:buNone/>
+              <a:defRPr/>
             </a:lvl4pPr>
             <a:lvl5pPr marL="1828800" indent="0">
-              <a:buNone/>
-              <a:defRPr sz="1600" b="1"/>
+              <a:buFontTx/>
+              <a:buNone/>
+              <a:defRPr/>
             </a:lvl5pPr>
-            <a:lvl6pPr marL="2286000" indent="0">
-              <a:buNone/>
-              <a:defRPr sz="1600" b="1"/>
-            </a:lvl6pPr>
-            <a:lvl7pPr marL="2743200" indent="0">
-              <a:buNone/>
-              <a:defRPr sz="1600" b="1"/>
-            </a:lvl7pPr>
-            <a:lvl8pPr marL="3200400" indent="0">
-              <a:buNone/>
-              <a:defRPr sz="1600" b="1"/>
-            </a:lvl8pPr>
-            <a:lvl9pPr marL="3657600" indent="0">
-              <a:buNone/>
-              <a:defRPr sz="1600" b="1"/>
-            </a:lvl9pPr>
           </a:lstStyle>
           <a:p>
             <a:pPr lvl="0"/>
@@ -1567,18 +1922,18 @@
       </p:sp>
       <p:sp>
         <p:nvSpPr>
-          <p:cNvPr id="16" name="Text Placeholder 3"/>
-          <p:cNvSpPr>
-            <a:spLocks noGrp="1"/>
-          </p:cNvSpPr>
-          <p:nvPr>
-            <p:ph type="body" sz="half" idx="15"/>
+          <p:cNvPr id="3" name="Text Placeholder 2"/>
+          <p:cNvSpPr>
+            <a:spLocks noGrp="1"/>
+          </p:cNvSpPr>
+          <p:nvPr>
+            <p:ph type="body" idx="1"/>
           </p:nvPr>
         </p:nvSpPr>
         <p:spPr>
           <a:xfrm>
-            <a:off x="652463" y="2667000"/>
-            <a:ext cx="2927350" cy="3589338"/>
+            <a:off x="677335" y="4527448"/>
+            <a:ext cx="8596668" cy="1513914"/>
           </a:xfrm>
         </p:spPr>
         <p:txBody>
@@ -1586,115 +1941,96 @@
             <a:normAutofit/>
           </a:bodyPr>
           <a:lstStyle>
-            <a:lvl1pPr marL="0" indent="0">
-              <a:buNone/>
-              <a:defRPr sz="1400"/>
-            </a:lvl1pPr>
-            <a:lvl2pPr marL="457200" indent="0">
-              <a:buNone/>
-              <a:defRPr sz="1200"/>
-            </a:lvl2pPr>
-            <a:lvl3pPr marL="914400" indent="0">
-              <a:buNone/>
-              <a:defRPr sz="1000"/>
-            </a:lvl3pPr>
-            <a:lvl4pPr marL="1371600" indent="0">
-              <a:buNone/>
-              <a:defRPr sz="900"/>
-            </a:lvl4pPr>
-            <a:lvl5pPr marL="1828800" indent="0">
-              <a:buNone/>
-              <a:defRPr sz="900"/>
-            </a:lvl5pPr>
-            <a:lvl6pPr marL="2286000" indent="0">
-              <a:buNone/>
-              <a:defRPr sz="900"/>
-            </a:lvl6pPr>
-            <a:lvl7pPr marL="2743200" indent="0">
-              <a:buNone/>
-              <a:defRPr sz="900"/>
-            </a:lvl7pPr>
-            <a:lvl8pPr marL="3200400" indent="0">
-              <a:buNone/>
-              <a:defRPr sz="900"/>
-            </a:lvl8pPr>
-            <a:lvl9pPr marL="3657600" indent="0">
-              <a:buNone/>
-              <a:defRPr sz="900"/>
-            </a:lvl9pPr>
-          </a:lstStyle>
-          <a:p>
-            <a:pPr lvl="0"/>
-            <a:r>
-              <a:rPr lang="pt-PT" smtClean="0"/>
-              <a:t>Clique para editar os estilos</a:t>
-            </a:r>
-          </a:p>
-        </p:txBody>
-      </p:sp>
-      <p:sp>
-        <p:nvSpPr>
-          <p:cNvPr id="5" name="Text Placeholder 4"/>
-          <p:cNvSpPr>
-            <a:spLocks noGrp="1"/>
-          </p:cNvSpPr>
-          <p:nvPr>
-            <p:ph type="body" sz="quarter" idx="3"/>
-          </p:nvPr>
-        </p:nvSpPr>
-        <p:spPr>
-          <a:xfrm>
-            <a:off x="3883659" y="1981200"/>
-            <a:ext cx="2936241" cy="576262"/>
-          </a:xfrm>
-        </p:spPr>
-        <p:txBody>
-          <a:bodyPr anchor="b">
-            <a:noAutofit/>
-          </a:bodyPr>
-          <a:lstStyle>
-            <a:lvl1pPr marL="0" indent="0">
-              <a:buNone/>
-              <a:defRPr sz="2400" b="0">
-                <a:solidFill>
-                  <a:schemeClr val="bg2">
-                    <a:lumMod val="40000"/>
-                    <a:lumOff val="60000"/>
+            <a:lvl1pPr marL="0" indent="0" algn="l">
+              <a:buNone/>
+              <a:defRPr sz="1800">
+                <a:solidFill>
+                  <a:schemeClr val="tx1">
+                    <a:lumMod val="50000"/>
+                    <a:lumOff val="50000"/>
                   </a:schemeClr>
                 </a:solidFill>
               </a:defRPr>
             </a:lvl1pPr>
             <a:lvl2pPr marL="457200" indent="0">
               <a:buNone/>
-              <a:defRPr sz="2000" b="1"/>
+              <a:defRPr sz="1800">
+                <a:solidFill>
+                  <a:schemeClr val="tx1">
+                    <a:tint val="75000"/>
+                  </a:schemeClr>
+                </a:solidFill>
+              </a:defRPr>
             </a:lvl2pPr>
             <a:lvl3pPr marL="914400" indent="0">
               <a:buNone/>
-              <a:defRPr sz="1800" b="1"/>
+              <a:defRPr sz="1600">
+                <a:solidFill>
+                  <a:schemeClr val="tx1">
+                    <a:tint val="75000"/>
+                  </a:schemeClr>
+                </a:solidFill>
+              </a:defRPr>
             </a:lvl3pPr>
             <a:lvl4pPr marL="1371600" indent="0">
               <a:buNone/>
-              <a:defRPr sz="1600" b="1"/>
+              <a:defRPr sz="1400">
+                <a:solidFill>
+                  <a:schemeClr val="tx1">
+                    <a:tint val="75000"/>
+                  </a:schemeClr>
+                </a:solidFill>
+              </a:defRPr>
             </a:lvl4pPr>
             <a:lvl5pPr marL="1828800" indent="0">
               <a:buNone/>
-              <a:defRPr sz="1600" b="1"/>
+              <a:defRPr sz="1400">
+                <a:solidFill>
+                  <a:schemeClr val="tx1">
+                    <a:tint val="75000"/>
+                  </a:schemeClr>
+                </a:solidFill>
+              </a:defRPr>
             </a:lvl5pPr>
             <a:lvl6pPr marL="2286000" indent="0">
               <a:buNone/>
-              <a:defRPr sz="1600" b="1"/>
+              <a:defRPr sz="1400">
+                <a:solidFill>
+                  <a:schemeClr val="tx1">
+                    <a:tint val="75000"/>
+                  </a:schemeClr>
+                </a:solidFill>
+              </a:defRPr>
             </a:lvl6pPr>
             <a:lvl7pPr marL="2743200" indent="0">
               <a:buNone/>
-              <a:defRPr sz="1600" b="1"/>
+              <a:defRPr sz="1400">
+                <a:solidFill>
+                  <a:schemeClr val="tx1">
+                    <a:tint val="75000"/>
+                  </a:schemeClr>
+                </a:solidFill>
+              </a:defRPr>
             </a:lvl7pPr>
             <a:lvl8pPr marL="3200400" indent="0">
               <a:buNone/>
-              <a:defRPr sz="1600" b="1"/>
+              <a:defRPr sz="1400">
+                <a:solidFill>
+                  <a:schemeClr val="tx1">
+                    <a:tint val="75000"/>
+                  </a:schemeClr>
+                </a:solidFill>
+              </a:defRPr>
             </a:lvl8pPr>
             <a:lvl9pPr marL="3657600" indent="0">
               <a:buNone/>
-              <a:defRPr sz="1600" b="1"/>
+              <a:defRPr sz="1400">
+                <a:solidFill>
+                  <a:schemeClr val="tx1">
+                    <a:tint val="75000"/>
+                  </a:schemeClr>
+                </a:solidFill>
+              </a:defRPr>
             </a:lvl9pPr>
           </a:lstStyle>
           <a:p>
@@ -1708,293 +2044,7 @@
       </p:sp>
       <p:sp>
         <p:nvSpPr>
-          <p:cNvPr id="19" name="Text Placeholder 3"/>
-          <p:cNvSpPr>
-            <a:spLocks noGrp="1"/>
-          </p:cNvSpPr>
-          <p:nvPr>
-            <p:ph type="body" sz="half" idx="16"/>
-          </p:nvPr>
-        </p:nvSpPr>
-        <p:spPr>
-          <a:xfrm>
-            <a:off x="3873106" y="2667000"/>
-            <a:ext cx="2946794" cy="3589338"/>
-          </a:xfrm>
-        </p:spPr>
-        <p:txBody>
-          <a:bodyPr anchor="t">
-            <a:normAutofit/>
-          </a:bodyPr>
-          <a:lstStyle>
-            <a:lvl1pPr marL="0" indent="0">
-              <a:buNone/>
-              <a:defRPr sz="1400"/>
-            </a:lvl1pPr>
-            <a:lvl2pPr marL="457200" indent="0">
-              <a:buNone/>
-              <a:defRPr sz="1200"/>
-            </a:lvl2pPr>
-            <a:lvl3pPr marL="914400" indent="0">
-              <a:buNone/>
-              <a:defRPr sz="1000"/>
-            </a:lvl3pPr>
-            <a:lvl4pPr marL="1371600" indent="0">
-              <a:buNone/>
-              <a:defRPr sz="900"/>
-            </a:lvl4pPr>
-            <a:lvl5pPr marL="1828800" indent="0">
-              <a:buNone/>
-              <a:defRPr sz="900"/>
-            </a:lvl5pPr>
-            <a:lvl6pPr marL="2286000" indent="0">
-              <a:buNone/>
-              <a:defRPr sz="900"/>
-            </a:lvl6pPr>
-            <a:lvl7pPr marL="2743200" indent="0">
-              <a:buNone/>
-              <a:defRPr sz="900"/>
-            </a:lvl7pPr>
-            <a:lvl8pPr marL="3200400" indent="0">
-              <a:buNone/>
-              <a:defRPr sz="900"/>
-            </a:lvl8pPr>
-            <a:lvl9pPr marL="3657600" indent="0">
-              <a:buNone/>
-              <a:defRPr sz="900"/>
-            </a:lvl9pPr>
-          </a:lstStyle>
-          <a:p>
-            <a:pPr lvl="0"/>
-            <a:r>
-              <a:rPr lang="pt-PT" smtClean="0"/>
-              <a:t>Clique para editar os estilos</a:t>
-            </a:r>
-          </a:p>
-        </p:txBody>
-      </p:sp>
-      <p:sp>
-        <p:nvSpPr>
-          <p:cNvPr id="14" name="Text Placeholder 4"/>
-          <p:cNvSpPr>
-            <a:spLocks noGrp="1"/>
-          </p:cNvSpPr>
-          <p:nvPr>
-            <p:ph type="body" sz="quarter" idx="13"/>
-          </p:nvPr>
-        </p:nvSpPr>
-        <p:spPr>
-          <a:xfrm>
-            <a:off x="7124700" y="1981200"/>
-            <a:ext cx="2932113" cy="576262"/>
-          </a:xfrm>
-        </p:spPr>
-        <p:txBody>
-          <a:bodyPr anchor="b">
-            <a:noAutofit/>
-          </a:bodyPr>
-          <a:lstStyle>
-            <a:lvl1pPr marL="0" indent="0">
-              <a:buNone/>
-              <a:defRPr sz="2400" b="0">
-                <a:solidFill>
-                  <a:schemeClr val="bg2">
-                    <a:lumMod val="40000"/>
-                    <a:lumOff val="60000"/>
-                  </a:schemeClr>
-                </a:solidFill>
-              </a:defRPr>
-            </a:lvl1pPr>
-            <a:lvl2pPr marL="457200" indent="0">
-              <a:buNone/>
-              <a:defRPr sz="2000" b="1"/>
-            </a:lvl2pPr>
-            <a:lvl3pPr marL="914400" indent="0">
-              <a:buNone/>
-              <a:defRPr sz="1800" b="1"/>
-            </a:lvl3pPr>
-            <a:lvl4pPr marL="1371600" indent="0">
-              <a:buNone/>
-              <a:defRPr sz="1600" b="1"/>
-            </a:lvl4pPr>
-            <a:lvl5pPr marL="1828800" indent="0">
-              <a:buNone/>
-              <a:defRPr sz="1600" b="1"/>
-            </a:lvl5pPr>
-            <a:lvl6pPr marL="2286000" indent="0">
-              <a:buNone/>
-              <a:defRPr sz="1600" b="1"/>
-            </a:lvl6pPr>
-            <a:lvl7pPr marL="2743200" indent="0">
-              <a:buNone/>
-              <a:defRPr sz="1600" b="1"/>
-            </a:lvl7pPr>
-            <a:lvl8pPr marL="3200400" indent="0">
-              <a:buNone/>
-              <a:defRPr sz="1600" b="1"/>
-            </a:lvl8pPr>
-            <a:lvl9pPr marL="3657600" indent="0">
-              <a:buNone/>
-              <a:defRPr sz="1600" b="1"/>
-            </a:lvl9pPr>
-          </a:lstStyle>
-          <a:p>
-            <a:pPr lvl="0"/>
-            <a:r>
-              <a:rPr lang="pt-PT" smtClean="0"/>
-              <a:t>Clique para editar os estilos</a:t>
-            </a:r>
-          </a:p>
-        </p:txBody>
-      </p:sp>
-      <p:sp>
-        <p:nvSpPr>
-          <p:cNvPr id="20" name="Text Placeholder 3"/>
-          <p:cNvSpPr>
-            <a:spLocks noGrp="1"/>
-          </p:cNvSpPr>
-          <p:nvPr>
-            <p:ph type="body" sz="half" idx="17"/>
-          </p:nvPr>
-        </p:nvSpPr>
-        <p:spPr>
-          <a:xfrm>
-            <a:off x="7124700" y="2667000"/>
-            <a:ext cx="2932113" cy="3589338"/>
-          </a:xfrm>
-        </p:spPr>
-        <p:txBody>
-          <a:bodyPr anchor="t">
-            <a:normAutofit/>
-          </a:bodyPr>
-          <a:lstStyle>
-            <a:lvl1pPr marL="0" indent="0">
-              <a:buNone/>
-              <a:defRPr sz="1400"/>
-            </a:lvl1pPr>
-            <a:lvl2pPr marL="457200" indent="0">
-              <a:buNone/>
-              <a:defRPr sz="1200"/>
-            </a:lvl2pPr>
-            <a:lvl3pPr marL="914400" indent="0">
-              <a:buNone/>
-              <a:defRPr sz="1000"/>
-            </a:lvl3pPr>
-            <a:lvl4pPr marL="1371600" indent="0">
-              <a:buNone/>
-              <a:defRPr sz="900"/>
-            </a:lvl4pPr>
-            <a:lvl5pPr marL="1828800" indent="0">
-              <a:buNone/>
-              <a:defRPr sz="900"/>
-            </a:lvl5pPr>
-            <a:lvl6pPr marL="2286000" indent="0">
-              <a:buNone/>
-              <a:defRPr sz="900"/>
-            </a:lvl6pPr>
-            <a:lvl7pPr marL="2743200" indent="0">
-              <a:buNone/>
-              <a:defRPr sz="900"/>
-            </a:lvl7pPr>
-            <a:lvl8pPr marL="3200400" indent="0">
-              <a:buNone/>
-              <a:defRPr sz="900"/>
-            </a:lvl8pPr>
-            <a:lvl9pPr marL="3657600" indent="0">
-              <a:buNone/>
-              <a:defRPr sz="900"/>
-            </a:lvl9pPr>
-          </a:lstStyle>
-          <a:p>
-            <a:pPr lvl="0"/>
-            <a:r>
-              <a:rPr lang="pt-PT" smtClean="0"/>
-              <a:t>Clique para editar os estilos</a:t>
-            </a:r>
-          </a:p>
-        </p:txBody>
-      </p:sp>
-      <p:cxnSp>
-        <p:nvCxnSpPr>
-          <p:cNvPr id="17" name="Straight Connector 16"/>
-          <p:cNvCxnSpPr/>
-          <p:nvPr/>
-        </p:nvCxnSpPr>
-        <p:spPr>
-          <a:xfrm>
-            <a:off x="3726142" y="2133600"/>
-            <a:ext cx="0" cy="3962400"/>
-          </a:xfrm>
-          <a:prstGeom prst="line">
-            <a:avLst/>
-          </a:prstGeom>
-          <a:ln w="12700" cmpd="sng">
-            <a:solidFill>
-              <a:schemeClr val="bg2">
-                <a:lumMod val="40000"/>
-                <a:lumOff val="60000"/>
-                <a:alpha val="40000"/>
-              </a:schemeClr>
-            </a:solidFill>
-          </a:ln>
-        </p:spPr>
-        <p:style>
-          <a:lnRef idx="2">
-            <a:schemeClr val="accent1"/>
-          </a:lnRef>
-          <a:fillRef idx="0">
-            <a:schemeClr val="accent1"/>
-          </a:fillRef>
-          <a:effectRef idx="1">
-            <a:schemeClr val="accent1"/>
-          </a:effectRef>
-          <a:fontRef idx="minor">
-            <a:schemeClr val="tx1"/>
-          </a:fontRef>
-        </p:style>
-      </p:cxnSp>
-      <p:cxnSp>
-        <p:nvCxnSpPr>
-          <p:cNvPr id="18" name="Straight Connector 17"/>
-          <p:cNvCxnSpPr/>
-          <p:nvPr/>
-        </p:nvCxnSpPr>
-        <p:spPr>
-          <a:xfrm>
-            <a:off x="6962227" y="2133600"/>
-            <a:ext cx="0" cy="3966882"/>
-          </a:xfrm>
-          <a:prstGeom prst="line">
-            <a:avLst/>
-          </a:prstGeom>
-          <a:ln w="12700" cmpd="sng">
-            <a:solidFill>
-              <a:schemeClr val="bg2">
-                <a:lumMod val="40000"/>
-                <a:lumOff val="60000"/>
-                <a:alpha val="40000"/>
-              </a:schemeClr>
-            </a:solidFill>
-          </a:ln>
-        </p:spPr>
-        <p:style>
-          <a:lnRef idx="2">
-            <a:schemeClr val="accent1"/>
-          </a:lnRef>
-          <a:fillRef idx="0">
-            <a:schemeClr val="accent1"/>
-          </a:fillRef>
-          <a:effectRef idx="1">
-            <a:schemeClr val="accent1"/>
-          </a:effectRef>
-          <a:fontRef idx="minor">
-            <a:schemeClr val="tx1"/>
-          </a:fontRef>
-        </p:style>
-      </p:cxnSp>
-      <p:sp>
-        <p:nvSpPr>
-          <p:cNvPr id="7" name="Date Placeholder 3"/>
+          <p:cNvPr id="4" name="Date Placeholder 3"/>
           <p:cNvSpPr>
             <a:spLocks noGrp="1"/>
           </p:cNvSpPr>
@@ -2009,7 +2059,7 @@
           <a:p>
             <a:fld id="{40ECFE3D-F9C9-48FA-BD48-4F2B1920B15D}" type="datetimeFigureOut">
               <a:rPr lang="pt-PT" smtClean="0"/>
-              <a:t>23-01-2018</a:t>
+              <a:t>25-01-2018</a:t>
             </a:fld>
             <a:endParaRPr lang="pt-PT"/>
           </a:p>
@@ -2017,7 +2067,7 @@
       </p:sp>
       <p:sp>
         <p:nvSpPr>
-          <p:cNvPr id="4" name="Footer Placeholder 4"/>
+          <p:cNvPr id="5" name="Footer Placeholder 4"/>
           <p:cNvSpPr>
             <a:spLocks noGrp="1"/>
           </p:cNvSpPr>
@@ -2057,10 +2107,92 @@
           </a:p>
         </p:txBody>
       </p:sp>
+      <p:sp>
+        <p:nvSpPr>
+          <p:cNvPr id="24" name="TextBox 23"/>
+          <p:cNvSpPr txBox="1"/>
+          <p:nvPr/>
+        </p:nvSpPr>
+        <p:spPr>
+          <a:xfrm>
+            <a:off x="541870" y="790378"/>
+            <a:ext cx="609600" cy="584776"/>
+          </a:xfrm>
+          <a:prstGeom prst="rect">
+            <a:avLst/>
+          </a:prstGeom>
+        </p:spPr>
+        <p:txBody>
+          <a:bodyPr vert="horz" lIns="91440" tIns="45720" rIns="91440" bIns="45720" rtlCol="0" anchor="ctr">
+            <a:noAutofit/>
+          </a:bodyPr>
+          <a:lstStyle/>
+          <a:p>
+            <a:pPr lvl="0"/>
+            <a:r>
+              <a:rPr lang="en-US" sz="8000" baseline="0" dirty="0">
+                <a:ln w="3175" cmpd="sng">
+                  <a:noFill/>
+                </a:ln>
+                <a:solidFill>
+                  <a:schemeClr val="accent1">
+                    <a:lumMod val="60000"/>
+                    <a:lumOff val="40000"/>
+                  </a:schemeClr>
+                </a:solidFill>
+                <a:effectLst/>
+                <a:latin typeface="Arial"/>
+              </a:rPr>
+              <a:t>“</a:t>
+            </a:r>
+          </a:p>
+        </p:txBody>
+      </p:sp>
+      <p:sp>
+        <p:nvSpPr>
+          <p:cNvPr id="25" name="TextBox 24"/>
+          <p:cNvSpPr txBox="1"/>
+          <p:nvPr/>
+        </p:nvSpPr>
+        <p:spPr>
+          <a:xfrm>
+            <a:off x="8893011" y="2886556"/>
+            <a:ext cx="609600" cy="584776"/>
+          </a:xfrm>
+          <a:prstGeom prst="rect">
+            <a:avLst/>
+          </a:prstGeom>
+        </p:spPr>
+        <p:txBody>
+          <a:bodyPr vert="horz" lIns="91440" tIns="45720" rIns="91440" bIns="45720" rtlCol="0" anchor="ctr">
+            <a:noAutofit/>
+          </a:bodyPr>
+          <a:lstStyle/>
+          <a:p>
+            <a:pPr lvl="0"/>
+            <a:r>
+              <a:rPr lang="en-US" sz="8000" baseline="0" dirty="0">
+                <a:ln w="3175" cmpd="sng">
+                  <a:noFill/>
+                </a:ln>
+                <a:solidFill>
+                  <a:schemeClr val="accent1">
+                    <a:lumMod val="60000"/>
+                    <a:lumOff val="40000"/>
+                  </a:schemeClr>
+                </a:solidFill>
+                <a:effectLst/>
+                <a:latin typeface="Arial"/>
+              </a:rPr>
+              <a:t>”</a:t>
+            </a:r>
+          </a:p>
+        </p:txBody>
+      </p:sp>
     </p:spTree>
     <p:extLst>
       <p:ext uri="{BB962C8B-B14F-4D97-AF65-F5344CB8AC3E}">
-        <p14:creationId xmlns:p14="http://schemas.microsoft.com/office/powerpoint/2010/main" val="1683559113"/>
+        <p14:creationId xmlns:p14="http://schemas.microsoft.com/office/powerpoint/2010/main" val="336369064"/>
       </p:ext>
     </p:extLst>
   </p:cSld>
@@ -2070,9 +2202,9 @@
 </p:sldLayout>
 </file>
 
-<file path=ppt/slideLayouts/slideLayout15.xml><?xml version="1.0" encoding="utf-8"?>
+<file path=ppt/slideLayouts/slideLayout14.xml><?xml version="1.0" encoding="utf-8"?>
 <p:sldLayout xmlns:a="http://schemas.openxmlformats.org/drawingml/2006/main" xmlns:r="http://schemas.openxmlformats.org/officeDocument/2006/relationships" xmlns:p="http://schemas.openxmlformats.org/presentationml/2006/main" preserve="1">
-  <p:cSld name="Coluna de 3 Imagens">
+  <p:cSld name="Verdadeiro ou Falso">
     <p:spTree>
       <p:nvGrpSpPr>
         <p:cNvPr id="1" name=""/>
@@ -2097,12 +2229,19 @@
             <p:ph type="title"/>
           </p:nvPr>
         </p:nvSpPr>
-        <p:spPr/>
-        <p:txBody>
-          <a:bodyPr/>
+        <p:spPr>
+          <a:xfrm>
+            <a:off x="685799" y="609600"/>
+            <a:ext cx="8588203" cy="3022600"/>
+          </a:xfrm>
+        </p:spPr>
+        <p:txBody>
+          <a:bodyPr anchor="ctr">
+            <a:normAutofit/>
+          </a:bodyPr>
           <a:lstStyle>
-            <a:lvl1pPr>
-              <a:defRPr sz="4200"/>
+            <a:lvl1pPr algn="l">
+              <a:defRPr sz="4400" b="0" cap="none"/>
             </a:lvl1pPr>
           </a:lstStyle>
           <a:p>
@@ -2116,18 +2255,18 @@
       </p:sp>
       <p:sp>
         <p:nvSpPr>
-          <p:cNvPr id="3" name="Text Placeholder 2"/>
-          <p:cNvSpPr>
-            <a:spLocks noGrp="1"/>
-          </p:cNvSpPr>
-          <p:nvPr>
-            <p:ph type="body" idx="1"/>
+          <p:cNvPr id="23" name="Text Placeholder 9"/>
+          <p:cNvSpPr>
+            <a:spLocks noGrp="1"/>
+          </p:cNvSpPr>
+          <p:nvPr>
+            <p:ph type="body" sz="quarter" idx="13"/>
           </p:nvPr>
         </p:nvSpPr>
         <p:spPr>
           <a:xfrm>
-            <a:off x="652463" y="4250949"/>
-            <a:ext cx="2940050" cy="576262"/>
+            <a:off x="677332" y="4013200"/>
+            <a:ext cx="8596669" cy="514248"/>
           </a:xfrm>
         </p:spPr>
         <p:txBody>
@@ -2136,48 +2275,34 @@
           </a:bodyPr>
           <a:lstStyle>
             <a:lvl1pPr marL="0" indent="0">
-              <a:buNone/>
-              <a:defRPr sz="2400" b="0">
-                <a:solidFill>
-                  <a:schemeClr val="bg2">
-                    <a:lumMod val="40000"/>
-                    <a:lumOff val="60000"/>
-                  </a:schemeClr>
+              <a:buFontTx/>
+              <a:buNone/>
+              <a:defRPr sz="2400">
+                <a:solidFill>
+                  <a:schemeClr val="accent1"/>
                 </a:solidFill>
               </a:defRPr>
             </a:lvl1pPr>
             <a:lvl2pPr marL="457200" indent="0">
-              <a:buNone/>
-              <a:defRPr sz="2000" b="1"/>
+              <a:buFontTx/>
+              <a:buNone/>
+              <a:defRPr/>
             </a:lvl2pPr>
             <a:lvl3pPr marL="914400" indent="0">
-              <a:buNone/>
-              <a:defRPr sz="1800" b="1"/>
+              <a:buFontTx/>
+              <a:buNone/>
+              <a:defRPr/>
             </a:lvl3pPr>
             <a:lvl4pPr marL="1371600" indent="0">
-              <a:buNone/>
-              <a:defRPr sz="1600" b="1"/>
+              <a:buFontTx/>
+              <a:buNone/>
+              <a:defRPr/>
             </a:lvl4pPr>
             <a:lvl5pPr marL="1828800" indent="0">
-              <a:buNone/>
-              <a:defRPr sz="1600" b="1"/>
+              <a:buFontTx/>
+              <a:buNone/>
+              <a:defRPr/>
             </a:lvl5pPr>
-            <a:lvl6pPr marL="2286000" indent="0">
-              <a:buNone/>
-              <a:defRPr sz="1600" b="1"/>
-            </a:lvl6pPr>
-            <a:lvl7pPr marL="2743200" indent="0">
-              <a:buNone/>
-              <a:defRPr sz="1600" b="1"/>
-            </a:lvl7pPr>
-            <a:lvl8pPr marL="3200400" indent="0">
-              <a:buNone/>
-              <a:defRPr sz="1600" b="1"/>
-            </a:lvl8pPr>
-            <a:lvl9pPr marL="3657600" indent="0">
-              <a:buNone/>
-              <a:defRPr sz="1600" b="1"/>
-            </a:lvl9pPr>
           </a:lstStyle>
           <a:p>
             <a:pPr lvl="0"/>
@@ -2190,213 +2315,115 @@
       </p:sp>
       <p:sp>
         <p:nvSpPr>
-          <p:cNvPr id="29" name="Picture Placeholder 2"/>
-          <p:cNvSpPr>
-            <a:spLocks noGrp="1" noChangeAspect="1"/>
-          </p:cNvSpPr>
-          <p:nvPr>
-            <p:ph type="pic" idx="15"/>
+          <p:cNvPr id="3" name="Text Placeholder 2"/>
+          <p:cNvSpPr>
+            <a:spLocks noGrp="1"/>
+          </p:cNvSpPr>
+          <p:nvPr>
+            <p:ph type="body" idx="1"/>
           </p:nvPr>
         </p:nvSpPr>
         <p:spPr>
           <a:xfrm>
-            <a:off x="652463" y="2209800"/>
-            <a:ext cx="2940050" cy="1524000"/>
+            <a:off x="677335" y="4527448"/>
+            <a:ext cx="8596668" cy="1513914"/>
           </a:xfrm>
-          <a:prstGeom prst="roundRect">
-            <a:avLst>
-              <a:gd name="adj" fmla="val 1858"/>
-            </a:avLst>
-          </a:prstGeom>
-          <a:effectLst>
-            <a:outerShdw blurRad="50800" dist="50800" dir="5400000" algn="tl" rotWithShape="0">
-              <a:srgbClr val="000000">
-                <a:alpha val="43000"/>
-              </a:srgbClr>
-            </a:outerShdw>
-          </a:effectLst>
         </p:spPr>
         <p:txBody>
           <a:bodyPr anchor="t">
             <a:normAutofit/>
           </a:bodyPr>
           <a:lstStyle>
-            <a:lvl1pPr marL="0" indent="0" algn="ctr">
-              <a:buNone/>
-              <a:defRPr sz="1600"/>
-            </a:lvl1pPr>
-            <a:lvl2pPr marL="457200" indent="0">
-              <a:buNone/>
-              <a:defRPr sz="1600"/>
-            </a:lvl2pPr>
-            <a:lvl3pPr marL="914400" indent="0">
-              <a:buNone/>
-              <a:defRPr sz="1600"/>
-            </a:lvl3pPr>
-            <a:lvl4pPr marL="1371600" indent="0">
-              <a:buNone/>
-              <a:defRPr sz="1600"/>
-            </a:lvl4pPr>
-            <a:lvl5pPr marL="1828800" indent="0">
-              <a:buNone/>
-              <a:defRPr sz="1600"/>
-            </a:lvl5pPr>
-            <a:lvl6pPr marL="2286000" indent="0">
-              <a:buNone/>
-              <a:defRPr sz="1600"/>
-            </a:lvl6pPr>
-            <a:lvl7pPr marL="2743200" indent="0">
-              <a:buNone/>
-              <a:defRPr sz="1600"/>
-            </a:lvl7pPr>
-            <a:lvl8pPr marL="3200400" indent="0">
-              <a:buNone/>
-              <a:defRPr sz="1600"/>
-            </a:lvl8pPr>
-            <a:lvl9pPr marL="3657600" indent="0">
-              <a:buNone/>
-              <a:defRPr sz="1600"/>
-            </a:lvl9pPr>
-          </a:lstStyle>
-          <a:p>
-            <a:r>
-              <a:rPr lang="pt-PT" smtClean="0"/>
-              <a:t>Clique no ícone para adicionar uma imagem</a:t>
-            </a:r>
-            <a:endParaRPr lang="en-US" dirty="0"/>
-          </a:p>
-        </p:txBody>
-      </p:sp>
-      <p:sp>
-        <p:nvSpPr>
-          <p:cNvPr id="22" name="Text Placeholder 3"/>
-          <p:cNvSpPr>
-            <a:spLocks noGrp="1"/>
-          </p:cNvSpPr>
-          <p:nvPr>
-            <p:ph type="body" sz="half" idx="18"/>
-          </p:nvPr>
-        </p:nvSpPr>
-        <p:spPr>
-          <a:xfrm>
-            <a:off x="652463" y="4827211"/>
-            <a:ext cx="2940050" cy="659189"/>
-          </a:xfrm>
-        </p:spPr>
-        <p:txBody>
-          <a:bodyPr anchor="t">
-            <a:normAutofit/>
-          </a:bodyPr>
-          <a:lstStyle>
-            <a:lvl1pPr marL="0" indent="0">
-              <a:buNone/>
-              <a:defRPr sz="1400"/>
-            </a:lvl1pPr>
-            <a:lvl2pPr marL="457200" indent="0">
-              <a:buNone/>
-              <a:defRPr sz="1200"/>
-            </a:lvl2pPr>
-            <a:lvl3pPr marL="914400" indent="0">
-              <a:buNone/>
-              <a:defRPr sz="1000"/>
-            </a:lvl3pPr>
-            <a:lvl4pPr marL="1371600" indent="0">
-              <a:buNone/>
-              <a:defRPr sz="900"/>
-            </a:lvl4pPr>
-            <a:lvl5pPr marL="1828800" indent="0">
-              <a:buNone/>
-              <a:defRPr sz="900"/>
-            </a:lvl5pPr>
-            <a:lvl6pPr marL="2286000" indent="0">
-              <a:buNone/>
-              <a:defRPr sz="900"/>
-            </a:lvl6pPr>
-            <a:lvl7pPr marL="2743200" indent="0">
-              <a:buNone/>
-              <a:defRPr sz="900"/>
-            </a:lvl7pPr>
-            <a:lvl8pPr marL="3200400" indent="0">
-              <a:buNone/>
-              <a:defRPr sz="900"/>
-            </a:lvl8pPr>
-            <a:lvl9pPr marL="3657600" indent="0">
-              <a:buNone/>
-              <a:defRPr sz="900"/>
-            </a:lvl9pPr>
-          </a:lstStyle>
-          <a:p>
-            <a:pPr lvl="0"/>
-            <a:r>
-              <a:rPr lang="pt-PT" smtClean="0"/>
-              <a:t>Clique para editar os estilos</a:t>
-            </a:r>
-          </a:p>
-        </p:txBody>
-      </p:sp>
-      <p:sp>
-        <p:nvSpPr>
-          <p:cNvPr id="5" name="Text Placeholder 4"/>
-          <p:cNvSpPr>
-            <a:spLocks noGrp="1"/>
-          </p:cNvSpPr>
-          <p:nvPr>
-            <p:ph type="body" sz="quarter" idx="3"/>
-          </p:nvPr>
-        </p:nvSpPr>
-        <p:spPr>
-          <a:xfrm>
-            <a:off x="3889375" y="4250949"/>
-            <a:ext cx="2930525" cy="576262"/>
-          </a:xfrm>
-        </p:spPr>
-        <p:txBody>
-          <a:bodyPr anchor="b">
-            <a:noAutofit/>
-          </a:bodyPr>
-          <a:lstStyle>
-            <a:lvl1pPr marL="0" indent="0">
-              <a:buNone/>
-              <a:defRPr sz="2400" b="0">
-                <a:solidFill>
-                  <a:schemeClr val="bg2">
-                    <a:lumMod val="40000"/>
-                    <a:lumOff val="60000"/>
+            <a:lvl1pPr marL="0" indent="0" algn="l">
+              <a:buNone/>
+              <a:defRPr sz="1800">
+                <a:solidFill>
+                  <a:schemeClr val="tx1">
+                    <a:lumMod val="50000"/>
+                    <a:lumOff val="50000"/>
                   </a:schemeClr>
                 </a:solidFill>
               </a:defRPr>
             </a:lvl1pPr>
             <a:lvl2pPr marL="457200" indent="0">
               <a:buNone/>
-              <a:defRPr sz="2000" b="1"/>
+              <a:defRPr sz="1800">
+                <a:solidFill>
+                  <a:schemeClr val="tx1">
+                    <a:tint val="75000"/>
+                  </a:schemeClr>
+                </a:solidFill>
+              </a:defRPr>
             </a:lvl2pPr>
             <a:lvl3pPr marL="914400" indent="0">
               <a:buNone/>
-              <a:defRPr sz="1800" b="1"/>
+              <a:defRPr sz="1600">
+                <a:solidFill>
+                  <a:schemeClr val="tx1">
+                    <a:tint val="75000"/>
+                  </a:schemeClr>
+                </a:solidFill>
+              </a:defRPr>
             </a:lvl3pPr>
             <a:lvl4pPr marL="1371600" indent="0">
               <a:buNone/>
-              <a:defRPr sz="1600" b="1"/>
+              <a:defRPr sz="1400">
+                <a:solidFill>
+                  <a:schemeClr val="tx1">
+                    <a:tint val="75000"/>
+                  </a:schemeClr>
+                </a:solidFill>
+              </a:defRPr>
             </a:lvl4pPr>
             <a:lvl5pPr marL="1828800" indent="0">
               <a:buNone/>
-              <a:defRPr sz="1600" b="1"/>
+              <a:defRPr sz="1400">
+                <a:solidFill>
+                  <a:schemeClr val="tx1">
+                    <a:tint val="75000"/>
+                  </a:schemeClr>
+                </a:solidFill>
+              </a:defRPr>
             </a:lvl5pPr>
             <a:lvl6pPr marL="2286000" indent="0">
               <a:buNone/>
-              <a:defRPr sz="1600" b="1"/>
+              <a:defRPr sz="1400">
+                <a:solidFill>
+                  <a:schemeClr val="tx1">
+                    <a:tint val="75000"/>
+                  </a:schemeClr>
+                </a:solidFill>
+              </a:defRPr>
             </a:lvl6pPr>
             <a:lvl7pPr marL="2743200" indent="0">
               <a:buNone/>
-              <a:defRPr sz="1600" b="1"/>
+              <a:defRPr sz="1400">
+                <a:solidFill>
+                  <a:schemeClr val="tx1">
+                    <a:tint val="75000"/>
+                  </a:schemeClr>
+                </a:solidFill>
+              </a:defRPr>
             </a:lvl7pPr>
             <a:lvl8pPr marL="3200400" indent="0">
               <a:buNone/>
-              <a:defRPr sz="1600" b="1"/>
+              <a:defRPr sz="1400">
+                <a:solidFill>
+                  <a:schemeClr val="tx1">
+                    <a:tint val="75000"/>
+                  </a:schemeClr>
+                </a:solidFill>
+              </a:defRPr>
             </a:lvl8pPr>
             <a:lvl9pPr marL="3657600" indent="0">
               <a:buNone/>
-              <a:defRPr sz="1600" b="1"/>
+              <a:defRPr sz="1400">
+                <a:solidFill>
+                  <a:schemeClr val="tx1">
+                    <a:tint val="75000"/>
+                  </a:schemeClr>
+                </a:solidFill>
+              </a:defRPr>
             </a:lvl9pPr>
           </a:lstStyle>
           <a:p>
@@ -2410,451 +2437,7 @@
       </p:sp>
       <p:sp>
         <p:nvSpPr>
-          <p:cNvPr id="30" name="Picture Placeholder 2"/>
-          <p:cNvSpPr>
-            <a:spLocks noGrp="1" noChangeAspect="1"/>
-          </p:cNvSpPr>
-          <p:nvPr>
-            <p:ph type="pic" idx="21"/>
-          </p:nvPr>
-        </p:nvSpPr>
-        <p:spPr>
-          <a:xfrm>
-            <a:off x="3889374" y="2209800"/>
-            <a:ext cx="2930525" cy="1524000"/>
-          </a:xfrm>
-          <a:prstGeom prst="roundRect">
-            <a:avLst>
-              <a:gd name="adj" fmla="val 1858"/>
-            </a:avLst>
-          </a:prstGeom>
-          <a:effectLst>
-            <a:outerShdw blurRad="50800" dist="50800" dir="5400000" algn="tl" rotWithShape="0">
-              <a:srgbClr val="000000">
-                <a:alpha val="43000"/>
-              </a:srgbClr>
-            </a:outerShdw>
-          </a:effectLst>
-        </p:spPr>
-        <p:txBody>
-          <a:bodyPr anchor="t">
-            <a:normAutofit/>
-          </a:bodyPr>
-          <a:lstStyle>
-            <a:lvl1pPr marL="0" indent="0" algn="ctr">
-              <a:buNone/>
-              <a:defRPr sz="1600"/>
-            </a:lvl1pPr>
-            <a:lvl2pPr marL="457200" indent="0">
-              <a:buNone/>
-              <a:defRPr sz="1600"/>
-            </a:lvl2pPr>
-            <a:lvl3pPr marL="914400" indent="0">
-              <a:buNone/>
-              <a:defRPr sz="1600"/>
-            </a:lvl3pPr>
-            <a:lvl4pPr marL="1371600" indent="0">
-              <a:buNone/>
-              <a:defRPr sz="1600"/>
-            </a:lvl4pPr>
-            <a:lvl5pPr marL="1828800" indent="0">
-              <a:buNone/>
-              <a:defRPr sz="1600"/>
-            </a:lvl5pPr>
-            <a:lvl6pPr marL="2286000" indent="0">
-              <a:buNone/>
-              <a:defRPr sz="1600"/>
-            </a:lvl6pPr>
-            <a:lvl7pPr marL="2743200" indent="0">
-              <a:buNone/>
-              <a:defRPr sz="1600"/>
-            </a:lvl7pPr>
-            <a:lvl8pPr marL="3200400" indent="0">
-              <a:buNone/>
-              <a:defRPr sz="1600"/>
-            </a:lvl8pPr>
-            <a:lvl9pPr marL="3657600" indent="0">
-              <a:buNone/>
-              <a:defRPr sz="1600"/>
-            </a:lvl9pPr>
-          </a:lstStyle>
-          <a:p>
-            <a:r>
-              <a:rPr lang="pt-PT" smtClean="0"/>
-              <a:t>Clique no ícone para adicionar uma imagem</a:t>
-            </a:r>
-            <a:endParaRPr lang="en-US" dirty="0"/>
-          </a:p>
-        </p:txBody>
-      </p:sp>
-      <p:sp>
-        <p:nvSpPr>
-          <p:cNvPr id="23" name="Text Placeholder 3"/>
-          <p:cNvSpPr>
-            <a:spLocks noGrp="1"/>
-          </p:cNvSpPr>
-          <p:nvPr>
-            <p:ph type="body" sz="half" idx="19"/>
-          </p:nvPr>
-        </p:nvSpPr>
-        <p:spPr>
-          <a:xfrm>
-            <a:off x="3888022" y="4827210"/>
-            <a:ext cx="2934406" cy="659189"/>
-          </a:xfrm>
-        </p:spPr>
-        <p:txBody>
-          <a:bodyPr anchor="t">
-            <a:normAutofit/>
-          </a:bodyPr>
-          <a:lstStyle>
-            <a:lvl1pPr marL="0" indent="0">
-              <a:buNone/>
-              <a:defRPr sz="1400"/>
-            </a:lvl1pPr>
-            <a:lvl2pPr marL="457200" indent="0">
-              <a:buNone/>
-              <a:defRPr sz="1200"/>
-            </a:lvl2pPr>
-            <a:lvl3pPr marL="914400" indent="0">
-              <a:buNone/>
-              <a:defRPr sz="1000"/>
-            </a:lvl3pPr>
-            <a:lvl4pPr marL="1371600" indent="0">
-              <a:buNone/>
-              <a:defRPr sz="900"/>
-            </a:lvl4pPr>
-            <a:lvl5pPr marL="1828800" indent="0">
-              <a:buNone/>
-              <a:defRPr sz="900"/>
-            </a:lvl5pPr>
-            <a:lvl6pPr marL="2286000" indent="0">
-              <a:buNone/>
-              <a:defRPr sz="900"/>
-            </a:lvl6pPr>
-            <a:lvl7pPr marL="2743200" indent="0">
-              <a:buNone/>
-              <a:defRPr sz="900"/>
-            </a:lvl7pPr>
-            <a:lvl8pPr marL="3200400" indent="0">
-              <a:buNone/>
-              <a:defRPr sz="900"/>
-            </a:lvl8pPr>
-            <a:lvl9pPr marL="3657600" indent="0">
-              <a:buNone/>
-              <a:defRPr sz="900"/>
-            </a:lvl9pPr>
-          </a:lstStyle>
-          <a:p>
-            <a:pPr lvl="0"/>
-            <a:r>
-              <a:rPr lang="pt-PT" smtClean="0"/>
-              <a:t>Clique para editar os estilos</a:t>
-            </a:r>
-          </a:p>
-        </p:txBody>
-      </p:sp>
-      <p:sp>
-        <p:nvSpPr>
-          <p:cNvPr id="14" name="Text Placeholder 4"/>
-          <p:cNvSpPr>
-            <a:spLocks noGrp="1"/>
-          </p:cNvSpPr>
-          <p:nvPr>
-            <p:ph type="body" sz="quarter" idx="13"/>
-          </p:nvPr>
-        </p:nvSpPr>
-        <p:spPr>
-          <a:xfrm>
-            <a:off x="7124700" y="4250949"/>
-            <a:ext cx="2932113" cy="576262"/>
-          </a:xfrm>
-        </p:spPr>
-        <p:txBody>
-          <a:bodyPr anchor="b">
-            <a:noAutofit/>
-          </a:bodyPr>
-          <a:lstStyle>
-            <a:lvl1pPr marL="0" indent="0">
-              <a:buNone/>
-              <a:defRPr sz="2400" b="0">
-                <a:solidFill>
-                  <a:schemeClr val="bg2">
-                    <a:lumMod val="40000"/>
-                    <a:lumOff val="60000"/>
-                  </a:schemeClr>
-                </a:solidFill>
-              </a:defRPr>
-            </a:lvl1pPr>
-            <a:lvl2pPr marL="457200" indent="0">
-              <a:buNone/>
-              <a:defRPr sz="2000" b="1"/>
-            </a:lvl2pPr>
-            <a:lvl3pPr marL="914400" indent="0">
-              <a:buNone/>
-              <a:defRPr sz="1800" b="1"/>
-            </a:lvl3pPr>
-            <a:lvl4pPr marL="1371600" indent="0">
-              <a:buNone/>
-              <a:defRPr sz="1600" b="1"/>
-            </a:lvl4pPr>
-            <a:lvl5pPr marL="1828800" indent="0">
-              <a:buNone/>
-              <a:defRPr sz="1600" b="1"/>
-            </a:lvl5pPr>
-            <a:lvl6pPr marL="2286000" indent="0">
-              <a:buNone/>
-              <a:defRPr sz="1600" b="1"/>
-            </a:lvl6pPr>
-            <a:lvl7pPr marL="2743200" indent="0">
-              <a:buNone/>
-              <a:defRPr sz="1600" b="1"/>
-            </a:lvl7pPr>
-            <a:lvl8pPr marL="3200400" indent="0">
-              <a:buNone/>
-              <a:defRPr sz="1600" b="1"/>
-            </a:lvl8pPr>
-            <a:lvl9pPr marL="3657600" indent="0">
-              <a:buNone/>
-              <a:defRPr sz="1600" b="1"/>
-            </a:lvl9pPr>
-          </a:lstStyle>
-          <a:p>
-            <a:pPr lvl="0"/>
-            <a:r>
-              <a:rPr lang="pt-PT" smtClean="0"/>
-              <a:t>Clique para editar os estilos</a:t>
-            </a:r>
-          </a:p>
-        </p:txBody>
-      </p:sp>
-      <p:sp>
-        <p:nvSpPr>
-          <p:cNvPr id="31" name="Picture Placeholder 2"/>
-          <p:cNvSpPr>
-            <a:spLocks noGrp="1" noChangeAspect="1"/>
-          </p:cNvSpPr>
-          <p:nvPr>
-            <p:ph type="pic" idx="22"/>
-          </p:nvPr>
-        </p:nvSpPr>
-        <p:spPr>
-          <a:xfrm>
-            <a:off x="7124699" y="2209800"/>
-            <a:ext cx="2932113" cy="1524000"/>
-          </a:xfrm>
-          <a:prstGeom prst="roundRect">
-            <a:avLst>
-              <a:gd name="adj" fmla="val 1858"/>
-            </a:avLst>
-          </a:prstGeom>
-          <a:effectLst>
-            <a:outerShdw blurRad="50800" dist="50800" dir="5400000" algn="tl" rotWithShape="0">
-              <a:srgbClr val="000000">
-                <a:alpha val="43000"/>
-              </a:srgbClr>
-            </a:outerShdw>
-          </a:effectLst>
-        </p:spPr>
-        <p:txBody>
-          <a:bodyPr anchor="t">
-            <a:normAutofit/>
-          </a:bodyPr>
-          <a:lstStyle>
-            <a:lvl1pPr marL="0" indent="0" algn="ctr">
-              <a:buNone/>
-              <a:defRPr sz="1600"/>
-            </a:lvl1pPr>
-            <a:lvl2pPr marL="457200" indent="0">
-              <a:buNone/>
-              <a:defRPr sz="1600"/>
-            </a:lvl2pPr>
-            <a:lvl3pPr marL="914400" indent="0">
-              <a:buNone/>
-              <a:defRPr sz="1600"/>
-            </a:lvl3pPr>
-            <a:lvl4pPr marL="1371600" indent="0">
-              <a:buNone/>
-              <a:defRPr sz="1600"/>
-            </a:lvl4pPr>
-            <a:lvl5pPr marL="1828800" indent="0">
-              <a:buNone/>
-              <a:defRPr sz="1600"/>
-            </a:lvl5pPr>
-            <a:lvl6pPr marL="2286000" indent="0">
-              <a:buNone/>
-              <a:defRPr sz="1600"/>
-            </a:lvl6pPr>
-            <a:lvl7pPr marL="2743200" indent="0">
-              <a:buNone/>
-              <a:defRPr sz="1600"/>
-            </a:lvl7pPr>
-            <a:lvl8pPr marL="3200400" indent="0">
-              <a:buNone/>
-              <a:defRPr sz="1600"/>
-            </a:lvl8pPr>
-            <a:lvl9pPr marL="3657600" indent="0">
-              <a:buNone/>
-              <a:defRPr sz="1600"/>
-            </a:lvl9pPr>
-          </a:lstStyle>
-          <a:p>
-            <a:r>
-              <a:rPr lang="pt-PT" smtClean="0"/>
-              <a:t>Clique no ícone para adicionar uma imagem</a:t>
-            </a:r>
-            <a:endParaRPr lang="en-US" dirty="0"/>
-          </a:p>
-        </p:txBody>
-      </p:sp>
-      <p:sp>
-        <p:nvSpPr>
-          <p:cNvPr id="24" name="Text Placeholder 3"/>
-          <p:cNvSpPr>
-            <a:spLocks noGrp="1"/>
-          </p:cNvSpPr>
-          <p:nvPr>
-            <p:ph type="body" sz="half" idx="20"/>
-          </p:nvPr>
-        </p:nvSpPr>
-        <p:spPr>
-          <a:xfrm>
-            <a:off x="7124575" y="4827208"/>
-            <a:ext cx="2935997" cy="659189"/>
-          </a:xfrm>
-        </p:spPr>
-        <p:txBody>
-          <a:bodyPr anchor="t">
-            <a:normAutofit/>
-          </a:bodyPr>
-          <a:lstStyle>
-            <a:lvl1pPr marL="0" indent="0">
-              <a:buNone/>
-              <a:defRPr sz="1400"/>
-            </a:lvl1pPr>
-            <a:lvl2pPr marL="457200" indent="0">
-              <a:buNone/>
-              <a:defRPr sz="1200"/>
-            </a:lvl2pPr>
-            <a:lvl3pPr marL="914400" indent="0">
-              <a:buNone/>
-              <a:defRPr sz="1000"/>
-            </a:lvl3pPr>
-            <a:lvl4pPr marL="1371600" indent="0">
-              <a:buNone/>
-              <a:defRPr sz="900"/>
-            </a:lvl4pPr>
-            <a:lvl5pPr marL="1828800" indent="0">
-              <a:buNone/>
-              <a:defRPr sz="900"/>
-            </a:lvl5pPr>
-            <a:lvl6pPr marL="2286000" indent="0">
-              <a:buNone/>
-              <a:defRPr sz="900"/>
-            </a:lvl6pPr>
-            <a:lvl7pPr marL="2743200" indent="0">
-              <a:buNone/>
-              <a:defRPr sz="900"/>
-            </a:lvl7pPr>
-            <a:lvl8pPr marL="3200400" indent="0">
-              <a:buNone/>
-              <a:defRPr sz="900"/>
-            </a:lvl8pPr>
-            <a:lvl9pPr marL="3657600" indent="0">
-              <a:buNone/>
-              <a:defRPr sz="900"/>
-            </a:lvl9pPr>
-          </a:lstStyle>
-          <a:p>
-            <a:pPr lvl="0"/>
-            <a:r>
-              <a:rPr lang="pt-PT" smtClean="0"/>
-              <a:t>Clique para editar os estilos</a:t>
-            </a:r>
-          </a:p>
-        </p:txBody>
-      </p:sp>
-      <p:cxnSp>
-        <p:nvCxnSpPr>
-          <p:cNvPr id="19" name="Straight Connector 18"/>
-          <p:cNvCxnSpPr/>
-          <p:nvPr/>
-        </p:nvCxnSpPr>
-        <p:spPr>
-          <a:xfrm>
-            <a:off x="3726142" y="2133600"/>
-            <a:ext cx="0" cy="3962400"/>
-          </a:xfrm>
-          <a:prstGeom prst="line">
-            <a:avLst/>
-          </a:prstGeom>
-          <a:ln w="12700" cmpd="sng">
-            <a:solidFill>
-              <a:schemeClr val="bg2">
-                <a:lumMod val="40000"/>
-                <a:lumOff val="60000"/>
-                <a:alpha val="40000"/>
-              </a:schemeClr>
-            </a:solidFill>
-          </a:ln>
-        </p:spPr>
-        <p:style>
-          <a:lnRef idx="2">
-            <a:schemeClr val="accent1"/>
-          </a:lnRef>
-          <a:fillRef idx="0">
-            <a:schemeClr val="accent1"/>
-          </a:fillRef>
-          <a:effectRef idx="1">
-            <a:schemeClr val="accent1"/>
-          </a:effectRef>
-          <a:fontRef idx="minor">
-            <a:schemeClr val="tx1"/>
-          </a:fontRef>
-        </p:style>
-      </p:cxnSp>
-      <p:cxnSp>
-        <p:nvCxnSpPr>
-          <p:cNvPr id="20" name="Straight Connector 19"/>
-          <p:cNvCxnSpPr/>
-          <p:nvPr/>
-        </p:nvCxnSpPr>
-        <p:spPr>
-          <a:xfrm>
-            <a:off x="6962227" y="2133600"/>
-            <a:ext cx="0" cy="3966882"/>
-          </a:xfrm>
-          <a:prstGeom prst="line">
-            <a:avLst/>
-          </a:prstGeom>
-          <a:ln w="12700" cmpd="sng">
-            <a:solidFill>
-              <a:schemeClr val="bg2">
-                <a:lumMod val="40000"/>
-                <a:lumOff val="60000"/>
-                <a:alpha val="40000"/>
-              </a:schemeClr>
-            </a:solidFill>
-          </a:ln>
-        </p:spPr>
-        <p:style>
-          <a:lnRef idx="2">
-            <a:schemeClr val="accent1"/>
-          </a:lnRef>
-          <a:fillRef idx="0">
-            <a:schemeClr val="accent1"/>
-          </a:fillRef>
-          <a:effectRef idx="1">
-            <a:schemeClr val="accent1"/>
-          </a:effectRef>
-          <a:fontRef idx="minor">
-            <a:schemeClr val="tx1"/>
-          </a:fontRef>
-        </p:style>
-      </p:cxnSp>
-      <p:sp>
-        <p:nvSpPr>
-          <p:cNvPr id="7" name="Date Placeholder 3"/>
+          <p:cNvPr id="4" name="Date Placeholder 3"/>
           <p:cNvSpPr>
             <a:spLocks noGrp="1"/>
           </p:cNvSpPr>
@@ -2869,7 +2452,7 @@
           <a:p>
             <a:fld id="{40ECFE3D-F9C9-48FA-BD48-4F2B1920B15D}" type="datetimeFigureOut">
               <a:rPr lang="pt-PT" smtClean="0"/>
-              <a:t>23-01-2018</a:t>
+              <a:t>25-01-2018</a:t>
             </a:fld>
             <a:endParaRPr lang="pt-PT"/>
           </a:p>
@@ -2877,7 +2460,7 @@
       </p:sp>
       <p:sp>
         <p:nvSpPr>
-          <p:cNvPr id="4" name="Footer Placeholder 4"/>
+          <p:cNvPr id="5" name="Footer Placeholder 4"/>
           <p:cNvSpPr>
             <a:spLocks noGrp="1"/>
           </p:cNvSpPr>
@@ -2920,7 +2503,7 @@
     </p:spTree>
     <p:extLst>
       <p:ext uri="{BB962C8B-B14F-4D97-AF65-F5344CB8AC3E}">
-        <p14:creationId xmlns:p14="http://schemas.microsoft.com/office/powerpoint/2010/main" val="4014005773"/>
+        <p14:creationId xmlns:p14="http://schemas.microsoft.com/office/powerpoint/2010/main" val="1541610440"/>
       </p:ext>
     </p:extLst>
   </p:cSld>
@@ -2930,7 +2513,7 @@
 </p:sldLayout>
 </file>
 
-<file path=ppt/slideLayouts/slideLayout16.xml><?xml version="1.0" encoding="utf-8"?>
+<file path=ppt/slideLayouts/slideLayout15.xml><?xml version="1.0" encoding="utf-8"?>
 <p:sldLayout xmlns:a="http://schemas.openxmlformats.org/drawingml/2006/main" xmlns:r="http://schemas.openxmlformats.org/officeDocument/2006/relationships" xmlns:p="http://schemas.openxmlformats.org/presentationml/2006/main" type="vertTx" preserve="1">
   <p:cSld name="Título e texto vertical">
     <p:spTree>
@@ -2982,7 +2565,7 @@
         </p:nvSpPr>
         <p:spPr/>
         <p:txBody>
-          <a:bodyPr vert="eaVert" anchor="t" anchorCtr="0"/>
+          <a:bodyPr vert="eaVert"/>
           <a:lstStyle/>
           <a:p>
             <a:pPr lvl="0"/>
@@ -3039,7 +2622,7 @@
           <a:p>
             <a:fld id="{40ECFE3D-F9C9-48FA-BD48-4F2B1920B15D}" type="datetimeFigureOut">
               <a:rPr lang="pt-PT" smtClean="0"/>
-              <a:t>23-01-2018</a:t>
+              <a:t>25-01-2018</a:t>
             </a:fld>
             <a:endParaRPr lang="pt-PT"/>
           </a:p>
@@ -3090,7 +2673,7 @@
     </p:spTree>
     <p:extLst>
       <p:ext uri="{BB962C8B-B14F-4D97-AF65-F5344CB8AC3E}">
-        <p14:creationId xmlns:p14="http://schemas.microsoft.com/office/powerpoint/2010/main" val="2919873907"/>
+        <p14:creationId xmlns:p14="http://schemas.microsoft.com/office/powerpoint/2010/main" val="896163297"/>
       </p:ext>
     </p:extLst>
   </p:cSld>
@@ -3100,7 +2683,7 @@
 </p:sldLayout>
 </file>
 
-<file path=ppt/slideLayouts/slideLayout17.xml><?xml version="1.0" encoding="utf-8"?>
+<file path=ppt/slideLayouts/slideLayout16.xml><?xml version="1.0" encoding="utf-8"?>
 <p:sldLayout xmlns:a="http://schemas.openxmlformats.org/drawingml/2006/main" xmlns:r="http://schemas.openxmlformats.org/officeDocument/2006/relationships" xmlns:p="http://schemas.openxmlformats.org/presentationml/2006/main" type="vertTitleAndTx" preserve="1">
   <p:cSld name="Título vertical e texto">
     <p:spTree>
@@ -3129,12 +2712,12 @@
         </p:nvSpPr>
         <p:spPr>
           <a:xfrm>
-            <a:off x="8304212" y="430213"/>
-            <a:ext cx="1752601" cy="5826125"/>
+            <a:off x="7967673" y="609599"/>
+            <a:ext cx="1304743" cy="5251451"/>
           </a:xfrm>
         </p:spPr>
         <p:txBody>
-          <a:bodyPr vert="eaVert" anchor="b" anchorCtr="0"/>
+          <a:bodyPr vert="eaVert" anchor="ctr"/>
           <a:lstStyle/>
           <a:p>
             <a:r>
@@ -3157,8 +2740,8 @@
         </p:nvSpPr>
         <p:spPr>
           <a:xfrm>
-            <a:off x="652463" y="887414"/>
-            <a:ext cx="7423149" cy="5368924"/>
+            <a:off x="677335" y="609600"/>
+            <a:ext cx="7060150" cy="5251450"/>
           </a:xfrm>
         </p:spPr>
         <p:txBody>
@@ -3219,7 +2802,7 @@
           <a:p>
             <a:fld id="{40ECFE3D-F9C9-48FA-BD48-4F2B1920B15D}" type="datetimeFigureOut">
               <a:rPr lang="pt-PT" smtClean="0"/>
-              <a:t>23-01-2018</a:t>
+              <a:t>25-01-2018</a:t>
             </a:fld>
             <a:endParaRPr lang="pt-PT"/>
           </a:p>
@@ -3270,7 +2853,7 @@
     </p:spTree>
     <p:extLst>
       <p:ext uri="{BB962C8B-B14F-4D97-AF65-F5344CB8AC3E}">
-        <p14:creationId xmlns:p14="http://schemas.microsoft.com/office/powerpoint/2010/main" val="1169587616"/>
+        <p14:creationId xmlns:p14="http://schemas.microsoft.com/office/powerpoint/2010/main" val="816170317"/>
       </p:ext>
     </p:extLst>
   </p:cSld>
@@ -3309,12 +2892,70 @@
         </p:nvSpPr>
         <p:spPr/>
         <p:txBody>
+          <a:bodyPr>
+            <a:normAutofit/>
+          </a:bodyPr>
+          <a:lstStyle>
+            <a:lvl1pPr>
+              <a:defRPr sz="3600"/>
+            </a:lvl1pPr>
+          </a:lstStyle>
+          <a:p>
+            <a:r>
+              <a:rPr lang="pt-PT" smtClean="0"/>
+              <a:t>Clique para editar o estilo</a:t>
+            </a:r>
+            <a:endParaRPr lang="en-US" dirty="0"/>
+          </a:p>
+        </p:txBody>
+      </p:sp>
+      <p:sp>
+        <p:nvSpPr>
+          <p:cNvPr id="3" name="Content Placeholder 2"/>
+          <p:cNvSpPr>
+            <a:spLocks noGrp="1"/>
+          </p:cNvSpPr>
+          <p:nvPr>
+            <p:ph idx="1"/>
+          </p:nvPr>
+        </p:nvSpPr>
+        <p:spPr/>
+        <p:txBody>
           <a:bodyPr/>
           <a:lstStyle/>
           <a:p>
-            <a:r>
-              <a:rPr lang="pt-PT" smtClean="0"/>
-              <a:t>Clique para editar o estilo</a:t>
+            <a:pPr lvl="0"/>
+            <a:r>
+              <a:rPr lang="pt-PT" smtClean="0"/>
+              <a:t>Clique para editar os estilos</a:t>
+            </a:r>
+          </a:p>
+          <a:p>
+            <a:pPr lvl="1"/>
+            <a:r>
+              <a:rPr lang="pt-PT" smtClean="0"/>
+              <a:t>Segundo nível</a:t>
+            </a:r>
+          </a:p>
+          <a:p>
+            <a:pPr lvl="2"/>
+            <a:r>
+              <a:rPr lang="pt-PT" smtClean="0"/>
+              <a:t>Terceiro nível</a:t>
+            </a:r>
+          </a:p>
+          <a:p>
+            <a:pPr lvl="3"/>
+            <a:r>
+              <a:rPr lang="pt-PT" smtClean="0"/>
+              <a:t>Quarto nível</a:t>
+            </a:r>
+          </a:p>
+          <a:p>
+            <a:pPr lvl="4"/>
+            <a:r>
+              <a:rPr lang="pt-PT" smtClean="0"/>
+              <a:t>Quinto nível</a:t>
             </a:r>
             <a:endParaRPr lang="en-US" dirty="0"/>
           </a:p>
@@ -3322,12 +2963,12 @@
       </p:sp>
       <p:sp>
         <p:nvSpPr>
-          <p:cNvPr id="3" name="Content Placeholder 2"/>
-          <p:cNvSpPr>
-            <a:spLocks noGrp="1"/>
-          </p:cNvSpPr>
-          <p:nvPr>
-            <p:ph idx="1"/>
+          <p:cNvPr id="4" name="Date Placeholder 3"/>
+          <p:cNvSpPr>
+            <a:spLocks noGrp="1"/>
+          </p:cNvSpPr>
+          <p:nvPr>
+            <p:ph type="dt" sz="half" idx="10"/>
           </p:nvPr>
         </p:nvSpPr>
         <p:spPr/>
@@ -3335,61 +2976,9 @@
           <a:bodyPr/>
           <a:lstStyle/>
           <a:p>
-            <a:pPr lvl="0"/>
-            <a:r>
-              <a:rPr lang="pt-PT" smtClean="0"/>
-              <a:t>Clique para editar os estilos</a:t>
-            </a:r>
-          </a:p>
-          <a:p>
-            <a:pPr lvl="1"/>
-            <a:r>
-              <a:rPr lang="pt-PT" smtClean="0"/>
-              <a:t>Segundo nível</a:t>
-            </a:r>
-          </a:p>
-          <a:p>
-            <a:pPr lvl="2"/>
-            <a:r>
-              <a:rPr lang="pt-PT" smtClean="0"/>
-              <a:t>Terceiro nível</a:t>
-            </a:r>
-          </a:p>
-          <a:p>
-            <a:pPr lvl="3"/>
-            <a:r>
-              <a:rPr lang="pt-PT" smtClean="0"/>
-              <a:t>Quarto nível</a:t>
-            </a:r>
-          </a:p>
-          <a:p>
-            <a:pPr lvl="4"/>
-            <a:r>
-              <a:rPr lang="pt-PT" smtClean="0"/>
-              <a:t>Quinto nível</a:t>
-            </a:r>
-            <a:endParaRPr lang="en-US" dirty="0"/>
-          </a:p>
-        </p:txBody>
-      </p:sp>
-      <p:sp>
-        <p:nvSpPr>
-          <p:cNvPr id="7" name="Date Placeholder 3"/>
-          <p:cNvSpPr>
-            <a:spLocks noGrp="1"/>
-          </p:cNvSpPr>
-          <p:nvPr>
-            <p:ph type="dt" sz="half" idx="10"/>
-          </p:nvPr>
-        </p:nvSpPr>
-        <p:spPr/>
-        <p:txBody>
-          <a:bodyPr/>
-          <a:lstStyle/>
-          <a:p>
             <a:fld id="{40ECFE3D-F9C9-48FA-BD48-4F2B1920B15D}" type="datetimeFigureOut">
               <a:rPr lang="pt-PT" smtClean="0"/>
-              <a:t>23-01-2018</a:t>
+              <a:t>25-01-2018</a:t>
             </a:fld>
             <a:endParaRPr lang="pt-PT"/>
           </a:p>
@@ -3440,7 +3029,7 @@
     </p:spTree>
     <p:extLst>
       <p:ext uri="{BB962C8B-B14F-4D97-AF65-F5344CB8AC3E}">
-        <p14:creationId xmlns:p14="http://schemas.microsoft.com/office/powerpoint/2010/main" val="1443043206"/>
+        <p14:creationId xmlns:p14="http://schemas.microsoft.com/office/powerpoint/2010/main" val="895025880"/>
       </p:ext>
     </p:extLst>
   </p:cSld>
@@ -3479,8 +3068,8 @@
         </p:nvSpPr>
         <p:spPr>
           <a:xfrm>
-            <a:off x="1154956" y="2861733"/>
-            <a:ext cx="8825657" cy="1915647"/>
+            <a:off x="677335" y="2700867"/>
+            <a:ext cx="8596668" cy="1826581"/>
           </a:xfrm>
         </p:spPr>
         <p:txBody>
@@ -3511,8 +3100,8 @@
         </p:nvSpPr>
         <p:spPr>
           <a:xfrm>
-            <a:off x="1154955" y="4777381"/>
-            <a:ext cx="8825658" cy="860400"/>
+            <a:off x="677335" y="4527448"/>
+            <a:ext cx="8596668" cy="860400"/>
           </a:xfrm>
         </p:spPr>
         <p:txBody>
@@ -3520,11 +3109,11 @@
           <a:lstStyle>
             <a:lvl1pPr marL="0" indent="0" algn="l">
               <a:buNone/>
-              <a:defRPr sz="2000" cap="all">
-                <a:solidFill>
-                  <a:schemeClr val="bg2">
-                    <a:lumMod val="40000"/>
-                    <a:lumOff val="60000"/>
+              <a:defRPr sz="2000">
+                <a:solidFill>
+                  <a:schemeClr val="tx1">
+                    <a:lumMod val="50000"/>
+                    <a:lumOff val="50000"/>
                   </a:schemeClr>
                 </a:solidFill>
               </a:defRPr>
@@ -3636,7 +3225,7 @@
           <a:p>
             <a:fld id="{40ECFE3D-F9C9-48FA-BD48-4F2B1920B15D}" type="datetimeFigureOut">
               <a:rPr lang="pt-PT" smtClean="0"/>
-              <a:t>23-01-2018</a:t>
+              <a:t>25-01-2018</a:t>
             </a:fld>
             <a:endParaRPr lang="pt-PT"/>
           </a:p>
@@ -3687,7 +3276,7 @@
     </p:spTree>
     <p:extLst>
       <p:ext uri="{BB962C8B-B14F-4D97-AF65-F5344CB8AC3E}">
-        <p14:creationId xmlns:p14="http://schemas.microsoft.com/office/powerpoint/2010/main" val="1549463825"/>
+        <p14:creationId xmlns:p14="http://schemas.microsoft.com/office/powerpoint/2010/main" val="1207497648"/>
       </p:ext>
     </p:extLst>
   </p:cSld>
@@ -3749,43 +3338,13 @@
         </p:nvSpPr>
         <p:spPr>
           <a:xfrm>
-            <a:off x="1103312" y="2060575"/>
-            <a:ext cx="4396339" cy="4195763"/>
+            <a:off x="677334" y="2160589"/>
+            <a:ext cx="4184035" cy="3880772"/>
           </a:xfrm>
         </p:spPr>
         <p:txBody>
-          <a:bodyPr>
-            <a:normAutofit/>
-          </a:bodyPr>
-          <a:lstStyle>
-            <a:lvl1pPr>
-              <a:defRPr sz="1800"/>
-            </a:lvl1pPr>
-            <a:lvl2pPr>
-              <a:defRPr sz="1600"/>
-            </a:lvl2pPr>
-            <a:lvl3pPr>
-              <a:defRPr sz="1400"/>
-            </a:lvl3pPr>
-            <a:lvl4pPr>
-              <a:defRPr sz="1200"/>
-            </a:lvl4pPr>
-            <a:lvl5pPr>
-              <a:defRPr sz="1200"/>
-            </a:lvl5pPr>
-            <a:lvl6pPr>
-              <a:defRPr sz="1200"/>
-            </a:lvl6pPr>
-            <a:lvl7pPr>
-              <a:defRPr sz="1200"/>
-            </a:lvl7pPr>
-            <a:lvl8pPr>
-              <a:defRPr sz="1200"/>
-            </a:lvl8pPr>
-            <a:lvl9pPr>
-              <a:defRPr sz="1200"/>
-            </a:lvl9pPr>
-          </a:lstStyle>
+          <a:bodyPr/>
+          <a:lstStyle/>
           <a:p>
             <a:pPr lvl="0"/>
             <a:r>
@@ -3836,43 +3395,13 @@
         </p:nvSpPr>
         <p:spPr>
           <a:xfrm>
-            <a:off x="5654493" y="2056092"/>
-            <a:ext cx="4396341" cy="4200245"/>
+            <a:off x="5089970" y="2160589"/>
+            <a:ext cx="4184034" cy="3880773"/>
           </a:xfrm>
         </p:spPr>
         <p:txBody>
-          <a:bodyPr>
-            <a:normAutofit/>
-          </a:bodyPr>
-          <a:lstStyle>
-            <a:lvl1pPr>
-              <a:defRPr sz="1800"/>
-            </a:lvl1pPr>
-            <a:lvl2pPr>
-              <a:defRPr sz="1600"/>
-            </a:lvl2pPr>
-            <a:lvl3pPr>
-              <a:defRPr sz="1400"/>
-            </a:lvl3pPr>
-            <a:lvl4pPr>
-              <a:defRPr sz="1200"/>
-            </a:lvl4pPr>
-            <a:lvl5pPr>
-              <a:defRPr sz="1200"/>
-            </a:lvl5pPr>
-            <a:lvl6pPr>
-              <a:defRPr sz="1200"/>
-            </a:lvl6pPr>
-            <a:lvl7pPr>
-              <a:defRPr sz="1200"/>
-            </a:lvl7pPr>
-            <a:lvl8pPr>
-              <a:defRPr sz="1200"/>
-            </a:lvl8pPr>
-            <a:lvl9pPr>
-              <a:defRPr sz="1200"/>
-            </a:lvl9pPr>
-          </a:lstStyle>
+          <a:bodyPr/>
+          <a:lstStyle/>
           <a:p>
             <a:pPr lvl="0"/>
             <a:r>
@@ -3928,7 +3457,7 @@
           <a:p>
             <a:fld id="{40ECFE3D-F9C9-48FA-BD48-4F2B1920B15D}" type="datetimeFigureOut">
               <a:rPr lang="pt-PT" smtClean="0"/>
-              <a:t>23-01-2018</a:t>
+              <a:t>25-01-2018</a:t>
             </a:fld>
             <a:endParaRPr lang="pt-PT"/>
           </a:p>
@@ -3979,7 +3508,7 @@
     </p:spTree>
     <p:extLst>
       <p:ext uri="{BB962C8B-B14F-4D97-AF65-F5344CB8AC3E}">
-        <p14:creationId xmlns:p14="http://schemas.microsoft.com/office/powerpoint/2010/main" val="1436450199"/>
+        <p14:creationId xmlns:p14="http://schemas.microsoft.com/office/powerpoint/2010/main" val="4184055629"/>
       </p:ext>
     </p:extLst>
   </p:cSld>
@@ -4045,8 +3574,8 @@
         </p:nvSpPr>
         <p:spPr>
           <a:xfrm>
-            <a:off x="1103313" y="1905000"/>
-            <a:ext cx="4396338" cy="576262"/>
+            <a:off x="675745" y="2160983"/>
+            <a:ext cx="4185623" cy="576262"/>
           </a:xfrm>
         </p:spPr>
         <p:txBody>
@@ -4056,14 +3585,7 @@
           <a:lstStyle>
             <a:lvl1pPr marL="0" indent="0">
               <a:buNone/>
-              <a:defRPr sz="2400" b="0">
-                <a:solidFill>
-                  <a:schemeClr val="bg2">
-                    <a:lumMod val="40000"/>
-                    <a:lumOff val="60000"/>
-                  </a:schemeClr>
-                </a:solidFill>
-              </a:defRPr>
+              <a:defRPr sz="2400" b="0"/>
             </a:lvl1pPr>
             <a:lvl2pPr marL="457200" indent="0">
               <a:buNone/>
@@ -4119,43 +3641,15 @@
         </p:nvSpPr>
         <p:spPr>
           <a:xfrm>
-            <a:off x="1103312" y="2514600"/>
-            <a:ext cx="4396339" cy="3741738"/>
+            <a:off x="675745" y="2737245"/>
+            <a:ext cx="4185623" cy="3304117"/>
           </a:xfrm>
         </p:spPr>
         <p:txBody>
           <a:bodyPr>
             <a:normAutofit/>
           </a:bodyPr>
-          <a:lstStyle>
-            <a:lvl1pPr>
-              <a:defRPr sz="1800"/>
-            </a:lvl1pPr>
-            <a:lvl2pPr>
-              <a:defRPr sz="1600"/>
-            </a:lvl2pPr>
-            <a:lvl3pPr>
-              <a:defRPr sz="1400"/>
-            </a:lvl3pPr>
-            <a:lvl4pPr>
-              <a:defRPr sz="1200"/>
-            </a:lvl4pPr>
-            <a:lvl5pPr>
-              <a:defRPr sz="1200"/>
-            </a:lvl5pPr>
-            <a:lvl6pPr>
-              <a:defRPr sz="1200"/>
-            </a:lvl6pPr>
-            <a:lvl7pPr>
-              <a:defRPr sz="1200"/>
-            </a:lvl7pPr>
-            <a:lvl8pPr>
-              <a:defRPr sz="1200"/>
-            </a:lvl8pPr>
-            <a:lvl9pPr>
-              <a:defRPr sz="1200"/>
-            </a:lvl9pPr>
-          </a:lstStyle>
+          <a:lstStyle/>
           <a:p>
             <a:pPr lvl="0"/>
             <a:r>
@@ -4206,8 +3700,8 @@
         </p:nvSpPr>
         <p:spPr>
           <a:xfrm>
-            <a:off x="5654495" y="1905000"/>
-            <a:ext cx="4396339" cy="576262"/>
+            <a:off x="5088383" y="2160983"/>
+            <a:ext cx="4185618" cy="576262"/>
           </a:xfrm>
         </p:spPr>
         <p:txBody>
@@ -4217,14 +3711,7 @@
           <a:lstStyle>
             <a:lvl1pPr marL="0" indent="0">
               <a:buNone/>
-              <a:defRPr sz="2400" b="0">
-                <a:solidFill>
-                  <a:schemeClr val="bg2">
-                    <a:lumMod val="40000"/>
-                    <a:lumOff val="60000"/>
-                  </a:schemeClr>
-                </a:solidFill>
-              </a:defRPr>
+              <a:defRPr sz="2400" b="0"/>
             </a:lvl1pPr>
             <a:lvl2pPr marL="457200" indent="0">
               <a:buNone/>
@@ -4280,43 +3767,15 @@
         </p:nvSpPr>
         <p:spPr>
           <a:xfrm>
-            <a:off x="5654495" y="2514600"/>
-            <a:ext cx="4396339" cy="3741738"/>
+            <a:off x="5088384" y="2737245"/>
+            <a:ext cx="4185617" cy="3304117"/>
           </a:xfrm>
         </p:spPr>
         <p:txBody>
           <a:bodyPr>
             <a:normAutofit/>
           </a:bodyPr>
-          <a:lstStyle>
-            <a:lvl1pPr>
-              <a:defRPr sz="1800"/>
-            </a:lvl1pPr>
-            <a:lvl2pPr>
-              <a:defRPr sz="1600"/>
-            </a:lvl2pPr>
-            <a:lvl3pPr>
-              <a:defRPr sz="1400"/>
-            </a:lvl3pPr>
-            <a:lvl4pPr>
-              <a:defRPr sz="1200"/>
-            </a:lvl4pPr>
-            <a:lvl5pPr>
-              <a:defRPr sz="1200"/>
-            </a:lvl5pPr>
-            <a:lvl6pPr>
-              <a:defRPr sz="1200"/>
-            </a:lvl6pPr>
-            <a:lvl7pPr>
-              <a:defRPr sz="1200"/>
-            </a:lvl7pPr>
-            <a:lvl8pPr>
-              <a:defRPr sz="1200"/>
-            </a:lvl8pPr>
-            <a:lvl9pPr>
-              <a:defRPr sz="1200"/>
-            </a:lvl9pPr>
-          </a:lstStyle>
+          <a:lstStyle/>
           <a:p>
             <a:pPr lvl="0"/>
             <a:r>
@@ -4372,7 +3831,7 @@
           <a:p>
             <a:fld id="{40ECFE3D-F9C9-48FA-BD48-4F2B1920B15D}" type="datetimeFigureOut">
               <a:rPr lang="pt-PT" smtClean="0"/>
-              <a:t>23-01-2018</a:t>
+              <a:t>25-01-2018</a:t>
             </a:fld>
             <a:endParaRPr lang="pt-PT"/>
           </a:p>
@@ -4423,7 +3882,7 @@
     </p:spTree>
     <p:extLst>
       <p:ext uri="{BB962C8B-B14F-4D97-AF65-F5344CB8AC3E}">
-        <p14:creationId xmlns:p14="http://schemas.microsoft.com/office/powerpoint/2010/main" val="3033601168"/>
+        <p14:creationId xmlns:p14="http://schemas.microsoft.com/office/powerpoint/2010/main" val="3667402548"/>
       </p:ext>
     </p:extLst>
   </p:cSld>
@@ -4460,37 +3919,42 @@
             <p:ph type="title"/>
           </p:nvPr>
         </p:nvSpPr>
+        <p:spPr>
+          <a:xfrm>
+            <a:off x="677334" y="609600"/>
+            <a:ext cx="8596668" cy="1320800"/>
+          </a:xfrm>
+        </p:spPr>
+        <p:txBody>
+          <a:bodyPr/>
+          <a:lstStyle/>
+          <a:p>
+            <a:r>
+              <a:rPr lang="pt-PT" smtClean="0"/>
+              <a:t>Clique para editar o estilo</a:t>
+            </a:r>
+            <a:endParaRPr lang="en-US" dirty="0"/>
+          </a:p>
+        </p:txBody>
+      </p:sp>
+      <p:sp>
+        <p:nvSpPr>
+          <p:cNvPr id="3" name="Date Placeholder 2"/>
+          <p:cNvSpPr>
+            <a:spLocks noGrp="1"/>
+          </p:cNvSpPr>
+          <p:nvPr>
+            <p:ph type="dt" sz="half" idx="10"/>
+          </p:nvPr>
+        </p:nvSpPr>
         <p:spPr/>
         <p:txBody>
           <a:bodyPr/>
           <a:lstStyle/>
           <a:p>
-            <a:r>
-              <a:rPr lang="pt-PT" smtClean="0"/>
-              <a:t>Clique para editar o estilo</a:t>
-            </a:r>
-            <a:endParaRPr lang="en-US" dirty="0"/>
-          </a:p>
-        </p:txBody>
-      </p:sp>
-      <p:sp>
-        <p:nvSpPr>
-          <p:cNvPr id="7" name="Date Placeholder 2"/>
-          <p:cNvSpPr>
-            <a:spLocks noGrp="1"/>
-          </p:cNvSpPr>
-          <p:nvPr>
-            <p:ph type="dt" sz="half" idx="10"/>
-          </p:nvPr>
-        </p:nvSpPr>
-        <p:spPr/>
-        <p:txBody>
-          <a:bodyPr/>
-          <a:lstStyle/>
-          <a:p>
             <a:fld id="{40ECFE3D-F9C9-48FA-BD48-4F2B1920B15D}" type="datetimeFigureOut">
               <a:rPr lang="pt-PT" smtClean="0"/>
-              <a:t>23-01-2018</a:t>
+              <a:t>25-01-2018</a:t>
             </a:fld>
             <a:endParaRPr lang="pt-PT"/>
           </a:p>
@@ -4498,7 +3962,7 @@
       </p:sp>
       <p:sp>
         <p:nvSpPr>
-          <p:cNvPr id="5" name="Footer Placeholder 3"/>
+          <p:cNvPr id="4" name="Footer Placeholder 3"/>
           <p:cNvSpPr>
             <a:spLocks noGrp="1"/>
           </p:cNvSpPr>
@@ -4517,7 +3981,7 @@
       </p:sp>
       <p:sp>
         <p:nvSpPr>
-          <p:cNvPr id="6" name="Slide Number Placeholder 4"/>
+          <p:cNvPr id="5" name="Slide Number Placeholder 4"/>
           <p:cNvSpPr>
             <a:spLocks noGrp="1"/>
           </p:cNvSpPr>
@@ -4541,7 +4005,7 @@
     </p:spTree>
     <p:extLst>
       <p:ext uri="{BB962C8B-B14F-4D97-AF65-F5344CB8AC3E}">
-        <p14:creationId xmlns:p14="http://schemas.microsoft.com/office/powerpoint/2010/main" val="3698237651"/>
+        <p14:creationId xmlns:p14="http://schemas.microsoft.com/office/powerpoint/2010/main" val="1269690952"/>
       </p:ext>
     </p:extLst>
   </p:cSld>
@@ -4570,7 +4034,7 @@
       </p:grpSpPr>
       <p:sp>
         <p:nvSpPr>
-          <p:cNvPr id="7" name="Date Placeholder 1"/>
+          <p:cNvPr id="2" name="Date Placeholder 1"/>
           <p:cNvSpPr>
             <a:spLocks noGrp="1"/>
           </p:cNvSpPr>
@@ -4585,7 +4049,7 @@
           <a:p>
             <a:fld id="{40ECFE3D-F9C9-48FA-BD48-4F2B1920B15D}" type="datetimeFigureOut">
               <a:rPr lang="pt-PT" smtClean="0"/>
-              <a:t>23-01-2018</a:t>
+              <a:t>25-01-2018</a:t>
             </a:fld>
             <a:endParaRPr lang="pt-PT"/>
           </a:p>
@@ -4593,7 +4057,7 @@
       </p:sp>
       <p:sp>
         <p:nvSpPr>
-          <p:cNvPr id="5" name="Footer Placeholder 2"/>
+          <p:cNvPr id="3" name="Footer Placeholder 2"/>
           <p:cNvSpPr>
             <a:spLocks noGrp="1"/>
           </p:cNvSpPr>
@@ -4612,7 +4076,7 @@
       </p:sp>
       <p:sp>
         <p:nvSpPr>
-          <p:cNvPr id="6" name="Slide Number Placeholder 3"/>
+          <p:cNvPr id="4" name="Slide Number Placeholder 3"/>
           <p:cNvSpPr>
             <a:spLocks noGrp="1"/>
           </p:cNvSpPr>
@@ -4636,7 +4100,7 @@
     </p:spTree>
     <p:extLst>
       <p:ext uri="{BB962C8B-B14F-4D97-AF65-F5344CB8AC3E}">
-        <p14:creationId xmlns:p14="http://schemas.microsoft.com/office/powerpoint/2010/main" val="4055200333"/>
+        <p14:creationId xmlns:p14="http://schemas.microsoft.com/office/powerpoint/2010/main" val="1205024423"/>
       </p:ext>
     </p:extLst>
   </p:cSld>
@@ -4675,73 +4139,143 @@
         </p:nvSpPr>
         <p:spPr>
           <a:xfrm>
-            <a:off x="1154953" y="1447800"/>
-            <a:ext cx="3401064" cy="1447800"/>
+            <a:off x="677334" y="1498604"/>
+            <a:ext cx="3854528" cy="1278466"/>
           </a:xfrm>
         </p:spPr>
         <p:txBody>
-          <a:bodyPr anchor="b"/>
-          <a:lstStyle>
-            <a:lvl1pPr algn="l">
-              <a:defRPr sz="2400" b="0"/>
-            </a:lvl1pPr>
-          </a:lstStyle>
-          <a:p>
-            <a:r>
-              <a:rPr lang="pt-PT" smtClean="0"/>
-              <a:t>Clique para editar o estilo</a:t>
-            </a:r>
-            <a:endParaRPr lang="en-US" dirty="0"/>
-          </a:p>
-        </p:txBody>
-      </p:sp>
-      <p:sp>
-        <p:nvSpPr>
-          <p:cNvPr id="3" name="Content Placeholder 2"/>
-          <p:cNvSpPr>
-            <a:spLocks noGrp="1"/>
-          </p:cNvSpPr>
-          <p:nvPr>
-            <p:ph idx="1"/>
-          </p:nvPr>
-        </p:nvSpPr>
-        <p:spPr>
-          <a:xfrm>
-            <a:off x="4784616" y="1447800"/>
-            <a:ext cx="5195997" cy="4572000"/>
-          </a:xfrm>
-        </p:spPr>
-        <p:txBody>
-          <a:bodyPr anchor="ctr">
+          <a:bodyPr anchor="b">
             <a:normAutofit/>
           </a:bodyPr>
           <a:lstStyle>
             <a:lvl1pPr>
               <a:defRPr sz="2000"/>
             </a:lvl1pPr>
-            <a:lvl2pPr>
-              <a:defRPr sz="1800"/>
+          </a:lstStyle>
+          <a:p>
+            <a:r>
+              <a:rPr lang="pt-PT" smtClean="0"/>
+              <a:t>Clique para editar o estilo</a:t>
+            </a:r>
+            <a:endParaRPr lang="en-US" dirty="0"/>
+          </a:p>
+        </p:txBody>
+      </p:sp>
+      <p:sp>
+        <p:nvSpPr>
+          <p:cNvPr id="3" name="Content Placeholder 2"/>
+          <p:cNvSpPr>
+            <a:spLocks noGrp="1"/>
+          </p:cNvSpPr>
+          <p:nvPr>
+            <p:ph idx="1"/>
+          </p:nvPr>
+        </p:nvSpPr>
+        <p:spPr>
+          <a:xfrm>
+            <a:off x="4760461" y="514924"/>
+            <a:ext cx="4513541" cy="5526437"/>
+          </a:xfrm>
+        </p:spPr>
+        <p:txBody>
+          <a:bodyPr>
+            <a:normAutofit/>
+          </a:bodyPr>
+          <a:lstStyle/>
+          <a:p>
+            <a:pPr lvl="0"/>
+            <a:r>
+              <a:rPr lang="pt-PT" smtClean="0"/>
+              <a:t>Clique para editar os estilos</a:t>
+            </a:r>
+          </a:p>
+          <a:p>
+            <a:pPr lvl="1"/>
+            <a:r>
+              <a:rPr lang="pt-PT" smtClean="0"/>
+              <a:t>Segundo nível</a:t>
+            </a:r>
+          </a:p>
+          <a:p>
+            <a:pPr lvl="2"/>
+            <a:r>
+              <a:rPr lang="pt-PT" smtClean="0"/>
+              <a:t>Terceiro nível</a:t>
+            </a:r>
+          </a:p>
+          <a:p>
+            <a:pPr lvl="3"/>
+            <a:r>
+              <a:rPr lang="pt-PT" smtClean="0"/>
+              <a:t>Quarto nível</a:t>
+            </a:r>
+          </a:p>
+          <a:p>
+            <a:pPr lvl="4"/>
+            <a:r>
+              <a:rPr lang="pt-PT" smtClean="0"/>
+              <a:t>Quinto nível</a:t>
+            </a:r>
+            <a:endParaRPr lang="en-US" dirty="0"/>
+          </a:p>
+        </p:txBody>
+      </p:sp>
+      <p:sp>
+        <p:nvSpPr>
+          <p:cNvPr id="4" name="Text Placeholder 3"/>
+          <p:cNvSpPr>
+            <a:spLocks noGrp="1"/>
+          </p:cNvSpPr>
+          <p:nvPr>
+            <p:ph type="body" sz="half" idx="2"/>
+          </p:nvPr>
+        </p:nvSpPr>
+        <p:spPr>
+          <a:xfrm>
+            <a:off x="677334" y="2777069"/>
+            <a:ext cx="3854528" cy="2584449"/>
+          </a:xfrm>
+        </p:spPr>
+        <p:txBody>
+          <a:bodyPr>
+            <a:normAutofit/>
+          </a:bodyPr>
+          <a:lstStyle>
+            <a:lvl1pPr marL="0" indent="0">
+              <a:buNone/>
+              <a:defRPr sz="1400"/>
+            </a:lvl1pPr>
+            <a:lvl2pPr marL="457063" indent="0">
+              <a:buNone/>
+              <a:defRPr sz="1400"/>
             </a:lvl2pPr>
-            <a:lvl3pPr>
-              <a:defRPr sz="1600"/>
+            <a:lvl3pPr marL="914126" indent="0">
+              <a:buNone/>
+              <a:defRPr sz="1200"/>
             </a:lvl3pPr>
-            <a:lvl4pPr>
-              <a:defRPr sz="1400"/>
+            <a:lvl4pPr marL="1371189" indent="0">
+              <a:buNone/>
+              <a:defRPr sz="1000"/>
             </a:lvl4pPr>
-            <a:lvl5pPr>
-              <a:defRPr sz="1400"/>
+            <a:lvl5pPr marL="1828251" indent="0">
+              <a:buNone/>
+              <a:defRPr sz="1000"/>
             </a:lvl5pPr>
-            <a:lvl6pPr>
-              <a:defRPr sz="1400"/>
+            <a:lvl6pPr marL="2285314" indent="0">
+              <a:buNone/>
+              <a:defRPr sz="1000"/>
             </a:lvl6pPr>
-            <a:lvl7pPr>
-              <a:defRPr sz="1400"/>
+            <a:lvl7pPr marL="2742377" indent="0">
+              <a:buNone/>
+              <a:defRPr sz="1000"/>
             </a:lvl7pPr>
-            <a:lvl8pPr>
-              <a:defRPr sz="1400"/>
+            <a:lvl8pPr marL="3199440" indent="0">
+              <a:buNone/>
+              <a:defRPr sz="1000"/>
             </a:lvl8pPr>
-            <a:lvl9pPr>
-              <a:defRPr sz="1400"/>
+            <a:lvl9pPr marL="3656503" indent="0">
+              <a:buNone/>
+              <a:defRPr sz="1000"/>
             </a:lvl9pPr>
           </a:lstStyle>
           <a:p>
@@ -4751,120 +4285,26 @@
               <a:t>Clique para editar os estilos</a:t>
             </a:r>
           </a:p>
-          <a:p>
-            <a:pPr lvl="1"/>
-            <a:r>
-              <a:rPr lang="pt-PT" smtClean="0"/>
-              <a:t>Segundo nível</a:t>
-            </a:r>
-          </a:p>
-          <a:p>
-            <a:pPr lvl="2"/>
-            <a:r>
-              <a:rPr lang="pt-PT" smtClean="0"/>
-              <a:t>Terceiro nível</a:t>
-            </a:r>
-          </a:p>
-          <a:p>
-            <a:pPr lvl="3"/>
-            <a:r>
-              <a:rPr lang="pt-PT" smtClean="0"/>
-              <a:t>Quarto nível</a:t>
-            </a:r>
-          </a:p>
-          <a:p>
-            <a:pPr lvl="4"/>
-            <a:r>
-              <a:rPr lang="pt-PT" smtClean="0"/>
-              <a:t>Quinto nível</a:t>
-            </a:r>
-            <a:endParaRPr lang="en-US" dirty="0"/>
-          </a:p>
-        </p:txBody>
-      </p:sp>
-      <p:sp>
-        <p:nvSpPr>
-          <p:cNvPr id="4" name="Text Placeholder 3"/>
-          <p:cNvSpPr>
-            <a:spLocks noGrp="1"/>
-          </p:cNvSpPr>
-          <p:nvPr>
-            <p:ph type="body" sz="half" idx="2"/>
-          </p:nvPr>
-        </p:nvSpPr>
-        <p:spPr>
-          <a:xfrm>
-            <a:off x="1154953" y="3129280"/>
-            <a:ext cx="3401063" cy="2895599"/>
-          </a:xfrm>
-        </p:spPr>
+        </p:txBody>
+      </p:sp>
+      <p:sp>
+        <p:nvSpPr>
+          <p:cNvPr id="5" name="Date Placeholder 4"/>
+          <p:cNvSpPr>
+            <a:spLocks noGrp="1"/>
+          </p:cNvSpPr>
+          <p:nvPr>
+            <p:ph type="dt" sz="half" idx="10"/>
+          </p:nvPr>
+        </p:nvSpPr>
+        <p:spPr/>
         <p:txBody>
           <a:bodyPr/>
-          <a:lstStyle>
-            <a:lvl1pPr marL="0" indent="0">
-              <a:buNone/>
-              <a:defRPr sz="1400"/>
-            </a:lvl1pPr>
-            <a:lvl2pPr marL="457200" indent="0">
-              <a:buNone/>
-              <a:defRPr sz="1200"/>
-            </a:lvl2pPr>
-            <a:lvl3pPr marL="914400" indent="0">
-              <a:buNone/>
-              <a:defRPr sz="1000"/>
-            </a:lvl3pPr>
-            <a:lvl4pPr marL="1371600" indent="0">
-              <a:buNone/>
-              <a:defRPr sz="900"/>
-            </a:lvl4pPr>
-            <a:lvl5pPr marL="1828800" indent="0">
-              <a:buNone/>
-              <a:defRPr sz="900"/>
-            </a:lvl5pPr>
-            <a:lvl6pPr marL="2286000" indent="0">
-              <a:buNone/>
-              <a:defRPr sz="900"/>
-            </a:lvl6pPr>
-            <a:lvl7pPr marL="2743200" indent="0">
-              <a:buNone/>
-              <a:defRPr sz="900"/>
-            </a:lvl7pPr>
-            <a:lvl8pPr marL="3200400" indent="0">
-              <a:buNone/>
-              <a:defRPr sz="900"/>
-            </a:lvl8pPr>
-            <a:lvl9pPr marL="3657600" indent="0">
-              <a:buNone/>
-              <a:defRPr sz="900"/>
-            </a:lvl9pPr>
-          </a:lstStyle>
-          <a:p>
-            <a:pPr lvl="0"/>
-            <a:r>
-              <a:rPr lang="pt-PT" smtClean="0"/>
-              <a:t>Clique para editar os estilos</a:t>
-            </a:r>
-          </a:p>
-        </p:txBody>
-      </p:sp>
-      <p:sp>
-        <p:nvSpPr>
-          <p:cNvPr id="7" name="Date Placeholder 4"/>
-          <p:cNvSpPr>
-            <a:spLocks noGrp="1"/>
-          </p:cNvSpPr>
-          <p:nvPr>
-            <p:ph type="dt" sz="half" idx="10"/>
-          </p:nvPr>
-        </p:nvSpPr>
-        <p:spPr/>
-        <p:txBody>
-          <a:bodyPr/>
           <a:lstStyle/>
           <a:p>
             <a:fld id="{40ECFE3D-F9C9-48FA-BD48-4F2B1920B15D}" type="datetimeFigureOut">
               <a:rPr lang="pt-PT" smtClean="0"/>
-              <a:t>23-01-2018</a:t>
+              <a:t>25-01-2018</a:t>
             </a:fld>
             <a:endParaRPr lang="pt-PT"/>
           </a:p>
@@ -4872,7 +4312,7 @@
       </p:sp>
       <p:sp>
         <p:nvSpPr>
-          <p:cNvPr id="5" name="Footer Placeholder 5"/>
+          <p:cNvPr id="6" name="Footer Placeholder 5"/>
           <p:cNvSpPr>
             <a:spLocks noGrp="1"/>
           </p:cNvSpPr>
@@ -4891,7 +4331,7 @@
       </p:sp>
       <p:sp>
         <p:nvSpPr>
-          <p:cNvPr id="6" name="Slide Number Placeholder 6"/>
+          <p:cNvPr id="7" name="Slide Number Placeholder 6"/>
           <p:cNvSpPr>
             <a:spLocks noGrp="1"/>
           </p:cNvSpPr>
@@ -4915,7 +4355,7 @@
     </p:spTree>
     <p:extLst>
       <p:ext uri="{BB962C8B-B14F-4D97-AF65-F5344CB8AC3E}">
-        <p14:creationId xmlns:p14="http://schemas.microsoft.com/office/powerpoint/2010/main" val="1315955858"/>
+        <p14:creationId xmlns:p14="http://schemas.microsoft.com/office/powerpoint/2010/main" val="2546737968"/>
       </p:ext>
     </p:extLst>
   </p:cSld>
@@ -4954,8 +4394,8 @@
         </p:nvSpPr>
         <p:spPr>
           <a:xfrm>
-            <a:off x="1153907" y="1854192"/>
-            <a:ext cx="5092906" cy="1574808"/>
+            <a:off x="677334" y="4800600"/>
+            <a:ext cx="8596667" cy="566738"/>
           </a:xfrm>
         </p:spPr>
         <p:txBody>
@@ -4964,7 +4404,7 @@
           </a:bodyPr>
           <a:lstStyle>
             <a:lvl1pPr algn="l">
-              <a:defRPr sz="3600" b="0"/>
+              <a:defRPr sz="2400" b="0"/>
             </a:lvl1pPr>
           </a:lstStyle>
           <a:p>
@@ -4988,21 +4428,9 @@
         </p:nvSpPr>
         <p:spPr>
           <a:xfrm>
-            <a:off x="6949546" y="1143000"/>
-            <a:ext cx="3200400" cy="4572000"/>
+            <a:off x="677334" y="609600"/>
+            <a:ext cx="8596668" cy="3845718"/>
           </a:xfrm>
-          <a:prstGeom prst="roundRect">
-            <a:avLst>
-              <a:gd name="adj" fmla="val 1858"/>
-            </a:avLst>
-          </a:prstGeom>
-          <a:effectLst>
-            <a:outerShdw blurRad="50800" dist="50800" dir="5400000" algn="tl" rotWithShape="0">
-              <a:srgbClr val="000000">
-                <a:alpha val="43000"/>
-              </a:srgbClr>
-            </a:outerShdw>
-          </a:effectLst>
         </p:spPr>
         <p:txBody>
           <a:bodyPr anchor="t">
@@ -5067,8 +4495,8 @@
         </p:nvSpPr>
         <p:spPr>
           <a:xfrm>
-            <a:off x="1154954" y="3657600"/>
-            <a:ext cx="5084979" cy="1371600"/>
+            <a:off x="677334" y="5367338"/>
+            <a:ext cx="8596667" cy="674024"/>
           </a:xfrm>
         </p:spPr>
         <p:txBody>
@@ -5078,7 +4506,7 @@
           <a:lstStyle>
             <a:lvl1pPr marL="0" indent="0">
               <a:buNone/>
-              <a:defRPr sz="1400"/>
+              <a:defRPr sz="1200"/>
             </a:lvl1pPr>
             <a:lvl2pPr marL="457200" indent="0">
               <a:buNone/>
@@ -5139,7 +4567,7 @@
           <a:p>
             <a:fld id="{40ECFE3D-F9C9-48FA-BD48-4F2B1920B15D}" type="datetimeFigureOut">
               <a:rPr lang="pt-PT" smtClean="0"/>
-              <a:t>23-01-2018</a:t>
+              <a:t>25-01-2018</a:t>
             </a:fld>
             <a:endParaRPr lang="pt-PT"/>
           </a:p>
@@ -5190,7 +4618,7 @@
     </p:spTree>
     <p:extLst>
       <p:ext uri="{BB962C8B-B14F-4D97-AF65-F5344CB8AC3E}">
-        <p14:creationId xmlns:p14="http://schemas.microsoft.com/office/powerpoint/2010/main" val="1970906997"/>
+        <p14:creationId xmlns:p14="http://schemas.microsoft.com/office/powerpoint/2010/main" val="2984197737"/>
       </p:ext>
     </p:extLst>
   </p:cSld>
@@ -5204,8 +4632,8 @@
 <p:sldMaster xmlns:a="http://schemas.openxmlformats.org/drawingml/2006/main" xmlns:r="http://schemas.openxmlformats.org/officeDocument/2006/relationships" xmlns:p="http://schemas.openxmlformats.org/presentationml/2006/main">
   <p:cSld>
     <p:bg>
-      <p:bgRef idx="1003">
-        <a:schemeClr val="bg2"/>
+      <p:bgRef idx="1001">
+        <a:schemeClr val="bg1"/>
       </p:bgRef>
     </p:bg>
     <p:spTree>
@@ -5222,429 +4650,740 @@
           <a:chExt cx="0" cy="0"/>
         </a:xfrm>
       </p:grpSpPr>
-      <p:pic>
-        <p:nvPicPr>
-          <p:cNvPr id="8" name="Picture 7"/>
-          <p:cNvPicPr>
-            <a:picLocks noChangeAspect="1"/>
-          </p:cNvPicPr>
+      <p:grpSp>
+        <p:nvGrpSpPr>
+          <p:cNvPr id="7" name="Group 6"/>
+          <p:cNvGrpSpPr/>
           <p:nvPr/>
-        </p:nvPicPr>
-        <p:blipFill rotWithShape="1">
-          <a:blip r:embed="rId19">
-            <a:extLst>
-              <a:ext uri="{28A0092B-C50C-407E-A947-70E740481C1C}">
-                <a14:useLocalDpi xmlns:a14="http://schemas.microsoft.com/office/drawing/2010/main" val="0"/>
-              </a:ext>
-            </a:extLst>
-          </a:blip>
-          <a:srcRect l="3613"/>
-          <a:stretch/>
-        </p:blipFill>
+        </p:nvGrpSpPr>
+        <p:grpSpPr>
+          <a:xfrm>
+            <a:off x="0" y="-8467"/>
+            <a:ext cx="12192000" cy="6866467"/>
+            <a:chOff x="0" y="-8467"/>
+            <a:chExt cx="12192000" cy="6866467"/>
+          </a:xfrm>
+        </p:grpSpPr>
+        <p:cxnSp>
+          <p:nvCxnSpPr>
+            <p:cNvPr id="20" name="Straight Connector 19"/>
+            <p:cNvCxnSpPr/>
+            <p:nvPr/>
+          </p:nvCxnSpPr>
+          <p:spPr>
+            <a:xfrm>
+              <a:off x="9371012" y="0"/>
+              <a:ext cx="1219200" cy="6858000"/>
+            </a:xfrm>
+            <a:prstGeom prst="line">
+              <a:avLst/>
+            </a:prstGeom>
+            <a:ln w="9525">
+              <a:solidFill>
+                <a:schemeClr val="bg1">
+                  <a:lumMod val="75000"/>
+                </a:schemeClr>
+              </a:solidFill>
+            </a:ln>
+          </p:spPr>
+          <p:style>
+            <a:lnRef idx="2">
+              <a:schemeClr val="accent1"/>
+            </a:lnRef>
+            <a:fillRef idx="0">
+              <a:schemeClr val="accent1"/>
+            </a:fillRef>
+            <a:effectRef idx="1">
+              <a:schemeClr val="accent1"/>
+            </a:effectRef>
+            <a:fontRef idx="minor">
+              <a:schemeClr val="tx1"/>
+            </a:fontRef>
+          </p:style>
+        </p:cxnSp>
+        <p:cxnSp>
+          <p:nvCxnSpPr>
+            <p:cNvPr id="21" name="Straight Connector 20"/>
+            <p:cNvCxnSpPr/>
+            <p:nvPr/>
+          </p:nvCxnSpPr>
+          <p:spPr>
+            <a:xfrm flipH="1">
+              <a:off x="7425267" y="3681413"/>
+              <a:ext cx="4763558" cy="3176587"/>
+            </a:xfrm>
+            <a:prstGeom prst="line">
+              <a:avLst/>
+            </a:prstGeom>
+            <a:ln w="9525">
+              <a:solidFill>
+                <a:schemeClr val="bg1">
+                  <a:lumMod val="85000"/>
+                </a:schemeClr>
+              </a:solidFill>
+            </a:ln>
+          </p:spPr>
+          <p:style>
+            <a:lnRef idx="2">
+              <a:schemeClr val="accent1"/>
+            </a:lnRef>
+            <a:fillRef idx="0">
+              <a:schemeClr val="accent1"/>
+            </a:fillRef>
+            <a:effectRef idx="1">
+              <a:schemeClr val="accent1"/>
+            </a:effectRef>
+            <a:fontRef idx="minor">
+              <a:schemeClr val="tx1"/>
+            </a:fontRef>
+          </p:style>
+        </p:cxnSp>
+        <p:sp>
+          <p:nvSpPr>
+            <p:cNvPr id="22" name="Rectangle 23"/>
+            <p:cNvSpPr/>
+            <p:nvPr/>
+          </p:nvSpPr>
+          <p:spPr>
+            <a:xfrm>
+              <a:off x="9181476" y="-8467"/>
+              <a:ext cx="3007349" cy="6866467"/>
+            </a:xfrm>
+            <a:custGeom>
+              <a:avLst/>
+              <a:gdLst/>
+              <a:ahLst/>
+              <a:cxnLst/>
+              <a:rect l="l" t="t" r="r" b="b"/>
+              <a:pathLst>
+                <a:path w="3007349" h="6866467">
+                  <a:moveTo>
+                    <a:pt x="2045532" y="0"/>
+                  </a:moveTo>
+                  <a:lnTo>
+                    <a:pt x="3007349" y="0"/>
+                  </a:lnTo>
+                  <a:lnTo>
+                    <a:pt x="3007349" y="6866467"/>
+                  </a:lnTo>
+                  <a:lnTo>
+                    <a:pt x="0" y="6866467"/>
+                  </a:lnTo>
+                  <a:lnTo>
+                    <a:pt x="2045532" y="0"/>
+                  </a:lnTo>
+                  <a:close/>
+                </a:path>
+              </a:pathLst>
+            </a:custGeom>
+            <a:solidFill>
+              <a:schemeClr val="accent1">
+                <a:alpha val="30000"/>
+              </a:schemeClr>
+            </a:solidFill>
+            <a:ln>
+              <a:noFill/>
+            </a:ln>
+            <a:effectLst/>
+          </p:spPr>
+          <p:style>
+            <a:lnRef idx="1">
+              <a:schemeClr val="accent1"/>
+            </a:lnRef>
+            <a:fillRef idx="3">
+              <a:schemeClr val="accent1"/>
+            </a:fillRef>
+            <a:effectRef idx="2">
+              <a:schemeClr val="accent1"/>
+            </a:effectRef>
+            <a:fontRef idx="minor">
+              <a:schemeClr val="lt1"/>
+            </a:fontRef>
+          </p:style>
+        </p:sp>
+        <p:sp>
+          <p:nvSpPr>
+            <p:cNvPr id="23" name="Rectangle 25"/>
+            <p:cNvSpPr/>
+            <p:nvPr/>
+          </p:nvSpPr>
+          <p:spPr>
+            <a:xfrm>
+              <a:off x="9603442" y="-8467"/>
+              <a:ext cx="2588558" cy="6866467"/>
+            </a:xfrm>
+            <a:custGeom>
+              <a:avLst/>
+              <a:gdLst/>
+              <a:ahLst/>
+              <a:cxnLst/>
+              <a:rect l="l" t="t" r="r" b="b"/>
+              <a:pathLst>
+                <a:path w="2573311" h="6866467">
+                  <a:moveTo>
+                    <a:pt x="0" y="0"/>
+                  </a:moveTo>
+                  <a:lnTo>
+                    <a:pt x="2573311" y="0"/>
+                  </a:lnTo>
+                  <a:lnTo>
+                    <a:pt x="2573311" y="6866467"/>
+                  </a:lnTo>
+                  <a:lnTo>
+                    <a:pt x="1202336" y="6866467"/>
+                  </a:lnTo>
+                  <a:lnTo>
+                    <a:pt x="0" y="0"/>
+                  </a:lnTo>
+                  <a:close/>
+                </a:path>
+              </a:pathLst>
+            </a:custGeom>
+            <a:solidFill>
+              <a:schemeClr val="accent1">
+                <a:alpha val="20000"/>
+              </a:schemeClr>
+            </a:solidFill>
+            <a:ln>
+              <a:noFill/>
+            </a:ln>
+            <a:effectLst/>
+          </p:spPr>
+          <p:style>
+            <a:lnRef idx="1">
+              <a:schemeClr val="accent1"/>
+            </a:lnRef>
+            <a:fillRef idx="3">
+              <a:schemeClr val="accent1"/>
+            </a:fillRef>
+            <a:effectRef idx="2">
+              <a:schemeClr val="accent1"/>
+            </a:effectRef>
+            <a:fontRef idx="minor">
+              <a:schemeClr val="lt1"/>
+            </a:fontRef>
+          </p:style>
+        </p:sp>
+        <p:sp>
+          <p:nvSpPr>
+            <p:cNvPr id="24" name="Isosceles Triangle 23"/>
+            <p:cNvSpPr/>
+            <p:nvPr/>
+          </p:nvSpPr>
+          <p:spPr>
+            <a:xfrm>
+              <a:off x="8932333" y="3048000"/>
+              <a:ext cx="3259667" cy="3810000"/>
+            </a:xfrm>
+            <a:prstGeom prst="triangle">
+              <a:avLst>
+                <a:gd name="adj" fmla="val 100000"/>
+              </a:avLst>
+            </a:prstGeom>
+            <a:solidFill>
+              <a:schemeClr val="accent2">
+                <a:alpha val="72000"/>
+              </a:schemeClr>
+            </a:solidFill>
+            <a:ln>
+              <a:noFill/>
+            </a:ln>
+            <a:effectLst/>
+          </p:spPr>
+          <p:style>
+            <a:lnRef idx="1">
+              <a:schemeClr val="accent1"/>
+            </a:lnRef>
+            <a:fillRef idx="3">
+              <a:schemeClr val="accent1"/>
+            </a:fillRef>
+            <a:effectRef idx="2">
+              <a:schemeClr val="accent1"/>
+            </a:effectRef>
+            <a:fontRef idx="minor">
+              <a:schemeClr val="lt1"/>
+            </a:fontRef>
+          </p:style>
+        </p:sp>
+        <p:sp>
+          <p:nvSpPr>
+            <p:cNvPr id="25" name="Rectangle 27"/>
+            <p:cNvSpPr/>
+            <p:nvPr/>
+          </p:nvSpPr>
+          <p:spPr>
+            <a:xfrm>
+              <a:off x="9334500" y="-8467"/>
+              <a:ext cx="2854326" cy="6866467"/>
+            </a:xfrm>
+            <a:custGeom>
+              <a:avLst/>
+              <a:gdLst/>
+              <a:ahLst/>
+              <a:cxnLst/>
+              <a:rect l="l" t="t" r="r" b="b"/>
+              <a:pathLst>
+                <a:path w="2858013" h="6866467">
+                  <a:moveTo>
+                    <a:pt x="0" y="0"/>
+                  </a:moveTo>
+                  <a:lnTo>
+                    <a:pt x="2858013" y="0"/>
+                  </a:lnTo>
+                  <a:lnTo>
+                    <a:pt x="2858013" y="6866467"/>
+                  </a:lnTo>
+                  <a:lnTo>
+                    <a:pt x="2473942" y="6866467"/>
+                  </a:lnTo>
+                  <a:lnTo>
+                    <a:pt x="0" y="0"/>
+                  </a:lnTo>
+                  <a:close/>
+                </a:path>
+              </a:pathLst>
+            </a:custGeom>
+            <a:solidFill>
+              <a:schemeClr val="accent2">
+                <a:lumMod val="75000"/>
+                <a:alpha val="70000"/>
+              </a:schemeClr>
+            </a:solidFill>
+            <a:ln>
+              <a:noFill/>
+            </a:ln>
+            <a:effectLst/>
+          </p:spPr>
+          <p:style>
+            <a:lnRef idx="1">
+              <a:schemeClr val="accent1"/>
+            </a:lnRef>
+            <a:fillRef idx="3">
+              <a:schemeClr val="accent1"/>
+            </a:fillRef>
+            <a:effectRef idx="2">
+              <a:schemeClr val="accent1"/>
+            </a:effectRef>
+            <a:fontRef idx="minor">
+              <a:schemeClr val="lt1"/>
+            </a:fontRef>
+          </p:style>
+        </p:sp>
+        <p:sp>
+          <p:nvSpPr>
+            <p:cNvPr id="26" name="Rectangle 28"/>
+            <p:cNvSpPr/>
+            <p:nvPr/>
+          </p:nvSpPr>
+          <p:spPr>
+            <a:xfrm>
+              <a:off x="10898730" y="-8467"/>
+              <a:ext cx="1290094" cy="6866467"/>
+            </a:xfrm>
+            <a:custGeom>
+              <a:avLst/>
+              <a:gdLst/>
+              <a:ahLst/>
+              <a:cxnLst/>
+              <a:rect l="l" t="t" r="r" b="b"/>
+              <a:pathLst>
+                <a:path w="1290094" h="6858000">
+                  <a:moveTo>
+                    <a:pt x="1019735" y="0"/>
+                  </a:moveTo>
+                  <a:lnTo>
+                    <a:pt x="1290094" y="0"/>
+                  </a:lnTo>
+                  <a:lnTo>
+                    <a:pt x="1290094" y="6858000"/>
+                  </a:lnTo>
+                  <a:lnTo>
+                    <a:pt x="0" y="6858000"/>
+                  </a:lnTo>
+                  <a:lnTo>
+                    <a:pt x="1019735" y="0"/>
+                  </a:lnTo>
+                  <a:close/>
+                </a:path>
+              </a:pathLst>
+            </a:custGeom>
+            <a:solidFill>
+              <a:schemeClr val="accent1">
+                <a:lumMod val="60000"/>
+                <a:lumOff val="40000"/>
+                <a:alpha val="70000"/>
+              </a:schemeClr>
+            </a:solidFill>
+            <a:ln>
+              <a:noFill/>
+            </a:ln>
+            <a:effectLst/>
+          </p:spPr>
+          <p:style>
+            <a:lnRef idx="1">
+              <a:schemeClr val="accent1"/>
+            </a:lnRef>
+            <a:fillRef idx="3">
+              <a:schemeClr val="accent1"/>
+            </a:fillRef>
+            <a:effectRef idx="2">
+              <a:schemeClr val="accent1"/>
+            </a:effectRef>
+            <a:fontRef idx="minor">
+              <a:schemeClr val="lt1"/>
+            </a:fontRef>
+          </p:style>
+        </p:sp>
+        <p:sp>
+          <p:nvSpPr>
+            <p:cNvPr id="27" name="Rectangle 29"/>
+            <p:cNvSpPr/>
+            <p:nvPr/>
+          </p:nvSpPr>
+          <p:spPr>
+            <a:xfrm>
+              <a:off x="10938999" y="-8467"/>
+              <a:ext cx="1249825" cy="6866467"/>
+            </a:xfrm>
+            <a:custGeom>
+              <a:avLst/>
+              <a:gdLst/>
+              <a:ahLst/>
+              <a:cxnLst/>
+              <a:rect l="l" t="t" r="r" b="b"/>
+              <a:pathLst>
+                <a:path w="1249825" h="6858000">
+                  <a:moveTo>
+                    <a:pt x="0" y="0"/>
+                  </a:moveTo>
+                  <a:lnTo>
+                    <a:pt x="1249825" y="0"/>
+                  </a:lnTo>
+                  <a:lnTo>
+                    <a:pt x="1249825" y="6858000"/>
+                  </a:lnTo>
+                  <a:lnTo>
+                    <a:pt x="1109382" y="6858000"/>
+                  </a:lnTo>
+                  <a:lnTo>
+                    <a:pt x="0" y="0"/>
+                  </a:lnTo>
+                  <a:close/>
+                </a:path>
+              </a:pathLst>
+            </a:custGeom>
+            <a:solidFill>
+              <a:schemeClr val="accent1">
+                <a:alpha val="65000"/>
+              </a:schemeClr>
+            </a:solidFill>
+            <a:ln>
+              <a:noFill/>
+            </a:ln>
+            <a:effectLst/>
+          </p:spPr>
+          <p:style>
+            <a:lnRef idx="1">
+              <a:schemeClr val="accent1"/>
+            </a:lnRef>
+            <a:fillRef idx="3">
+              <a:schemeClr val="accent1"/>
+            </a:fillRef>
+            <a:effectRef idx="2">
+              <a:schemeClr val="accent1"/>
+            </a:effectRef>
+            <a:fontRef idx="minor">
+              <a:schemeClr val="lt1"/>
+            </a:fontRef>
+          </p:style>
+        </p:sp>
+        <p:sp>
+          <p:nvSpPr>
+            <p:cNvPr id="28" name="Isosceles Triangle 27"/>
+            <p:cNvSpPr/>
+            <p:nvPr/>
+          </p:nvSpPr>
+          <p:spPr>
+            <a:xfrm>
+              <a:off x="10371666" y="3589867"/>
+              <a:ext cx="1817159" cy="3268133"/>
+            </a:xfrm>
+            <a:prstGeom prst="triangle">
+              <a:avLst>
+                <a:gd name="adj" fmla="val 100000"/>
+              </a:avLst>
+            </a:prstGeom>
+            <a:solidFill>
+              <a:schemeClr val="accent1">
+                <a:alpha val="80000"/>
+              </a:schemeClr>
+            </a:solidFill>
+            <a:ln>
+              <a:noFill/>
+            </a:ln>
+            <a:effectLst/>
+          </p:spPr>
+          <p:style>
+            <a:lnRef idx="1">
+              <a:schemeClr val="accent1"/>
+            </a:lnRef>
+            <a:fillRef idx="3">
+              <a:schemeClr val="accent1"/>
+            </a:fillRef>
+            <a:effectRef idx="2">
+              <a:schemeClr val="accent1"/>
+            </a:effectRef>
+            <a:fontRef idx="minor">
+              <a:schemeClr val="lt1"/>
+            </a:fontRef>
+          </p:style>
+        </p:sp>
+        <p:sp>
+          <p:nvSpPr>
+            <p:cNvPr id="29" name="Isosceles Triangle 28"/>
+            <p:cNvSpPr/>
+            <p:nvPr/>
+          </p:nvSpPr>
+          <p:spPr>
+            <a:xfrm>
+              <a:off x="0" y="4013200"/>
+              <a:ext cx="448733" cy="2844800"/>
+            </a:xfrm>
+            <a:prstGeom prst="triangle">
+              <a:avLst>
+                <a:gd name="adj" fmla="val 0"/>
+              </a:avLst>
+            </a:prstGeom>
+            <a:solidFill>
+              <a:schemeClr val="accent1">
+                <a:alpha val="85000"/>
+              </a:schemeClr>
+            </a:solidFill>
+            <a:ln>
+              <a:noFill/>
+            </a:ln>
+            <a:effectLst/>
+          </p:spPr>
+          <p:style>
+            <a:lnRef idx="1">
+              <a:schemeClr val="accent1"/>
+            </a:lnRef>
+            <a:fillRef idx="3">
+              <a:schemeClr val="accent1"/>
+            </a:fillRef>
+            <a:effectRef idx="2">
+              <a:schemeClr val="accent1"/>
+            </a:effectRef>
+            <a:fontRef idx="minor">
+              <a:schemeClr val="lt1"/>
+            </a:fontRef>
+          </p:style>
+        </p:sp>
+      </p:grpSp>
+      <p:sp>
+        <p:nvSpPr>
+          <p:cNvPr id="2" name="Title Placeholder 1"/>
+          <p:cNvSpPr>
+            <a:spLocks noGrp="1"/>
+          </p:cNvSpPr>
+          <p:nvPr>
+            <p:ph type="title"/>
+          </p:nvPr>
+        </p:nvSpPr>
         <p:spPr>
           <a:xfrm>
-            <a:off x="0" y="2669685"/>
-            <a:ext cx="4037012" cy="4188315"/>
+            <a:off x="677334" y="609600"/>
+            <a:ext cx="8596668" cy="1320800"/>
           </a:xfrm>
           <a:prstGeom prst="rect">
             <a:avLst/>
           </a:prstGeom>
         </p:spPr>
-      </p:pic>
-      <p:pic>
-        <p:nvPicPr>
-          <p:cNvPr id="7" name="Picture 6"/>
-          <p:cNvPicPr>
-            <a:picLocks noChangeAspect="1"/>
-          </p:cNvPicPr>
-          <p:nvPr/>
-        </p:nvPicPr>
-        <p:blipFill rotWithShape="1">
-          <a:blip r:embed="rId20">
-            <a:extLst>
-              <a:ext uri="{28A0092B-C50C-407E-A947-70E740481C1C}">
-                <a14:useLocalDpi xmlns:a14="http://schemas.microsoft.com/office/drawing/2010/main" val="0"/>
-              </a:ext>
-            </a:extLst>
-          </a:blip>
-          <a:srcRect l="35640"/>
-          <a:stretch/>
-        </p:blipFill>
+        <p:txBody>
+          <a:bodyPr vert="horz" lIns="91440" tIns="45720" rIns="91440" bIns="45720" rtlCol="0" anchor="t">
+            <a:normAutofit/>
+          </a:bodyPr>
+          <a:lstStyle/>
+          <a:p>
+            <a:r>
+              <a:rPr lang="pt-PT" smtClean="0"/>
+              <a:t>Clique para editar o estilo</a:t>
+            </a:r>
+            <a:endParaRPr lang="en-US" dirty="0"/>
+          </a:p>
+        </p:txBody>
+      </p:sp>
+      <p:sp>
+        <p:nvSpPr>
+          <p:cNvPr id="3" name="Text Placeholder 2"/>
+          <p:cNvSpPr>
+            <a:spLocks noGrp="1"/>
+          </p:cNvSpPr>
+          <p:nvPr>
+            <p:ph type="body" idx="1"/>
+          </p:nvPr>
+        </p:nvSpPr>
         <p:spPr>
           <a:xfrm>
-            <a:off x="0" y="2892347"/>
-            <a:ext cx="1522412" cy="2365453"/>
+            <a:off x="677334" y="2160589"/>
+            <a:ext cx="8596668" cy="3880773"/>
           </a:xfrm>
           <a:prstGeom prst="rect">
             <a:avLst/>
           </a:prstGeom>
         </p:spPr>
-      </p:pic>
-      <p:sp>
-        <p:nvSpPr>
-          <p:cNvPr id="16" name="Oval 15"/>
-          <p:cNvSpPr/>
-          <p:nvPr/>
+        <p:txBody>
+          <a:bodyPr vert="horz" lIns="91440" tIns="45720" rIns="91440" bIns="45720" rtlCol="0">
+            <a:normAutofit/>
+          </a:bodyPr>
+          <a:lstStyle/>
+          <a:p>
+            <a:pPr lvl="0"/>
+            <a:r>
+              <a:rPr lang="pt-PT" smtClean="0"/>
+              <a:t>Clique para editar os estilos</a:t>
+            </a:r>
+          </a:p>
+          <a:p>
+            <a:pPr lvl="1"/>
+            <a:r>
+              <a:rPr lang="pt-PT" smtClean="0"/>
+              <a:t>Segundo nível</a:t>
+            </a:r>
+          </a:p>
+          <a:p>
+            <a:pPr lvl="2"/>
+            <a:r>
+              <a:rPr lang="pt-PT" smtClean="0"/>
+              <a:t>Terceiro nível</a:t>
+            </a:r>
+          </a:p>
+          <a:p>
+            <a:pPr lvl="3"/>
+            <a:r>
+              <a:rPr lang="pt-PT" smtClean="0"/>
+              <a:t>Quarto nível</a:t>
+            </a:r>
+          </a:p>
+          <a:p>
+            <a:pPr lvl="4"/>
+            <a:r>
+              <a:rPr lang="pt-PT" smtClean="0"/>
+              <a:t>Quinto nível</a:t>
+            </a:r>
+            <a:endParaRPr lang="en-US" dirty="0"/>
+          </a:p>
+        </p:txBody>
+      </p:sp>
+      <p:sp>
+        <p:nvSpPr>
+          <p:cNvPr id="4" name="Date Placeholder 3"/>
+          <p:cNvSpPr>
+            <a:spLocks noGrp="1"/>
+          </p:cNvSpPr>
+          <p:nvPr>
+            <p:ph type="dt" sz="half" idx="2"/>
+          </p:nvPr>
         </p:nvSpPr>
         <p:spPr>
           <a:xfrm>
-            <a:off x="8609012" y="1676400"/>
-            <a:ext cx="2819400" cy="2819400"/>
-          </a:xfrm>
-          <a:prstGeom prst="ellipse">
-            <a:avLst/>
-          </a:prstGeom>
-          <a:gradFill flip="none" rotWithShape="1">
-            <a:gsLst>
-              <a:gs pos="0">
-                <a:schemeClr val="bg2">
-                  <a:lumMod val="60000"/>
-                  <a:lumOff val="40000"/>
-                  <a:alpha val="7000"/>
-                </a:schemeClr>
-              </a:gs>
-              <a:gs pos="69000">
-                <a:schemeClr val="bg2">
-                  <a:lumMod val="60000"/>
-                  <a:lumOff val="40000"/>
-                  <a:alpha val="0"/>
-                </a:schemeClr>
-              </a:gs>
-              <a:gs pos="36000">
-                <a:schemeClr val="bg2">
-                  <a:lumMod val="60000"/>
-                  <a:lumOff val="40000"/>
-                  <a:alpha val="6000"/>
-                </a:schemeClr>
-              </a:gs>
-            </a:gsLst>
-            <a:path path="circle">
-              <a:fillToRect l="50000" t="50000" r="50000" b="50000"/>
-            </a:path>
-            <a:tileRect/>
-          </a:gradFill>
-          <a:ln>
-            <a:noFill/>
-          </a:ln>
-          <a:effectLst/>
-        </p:spPr>
-        <p:style>
-          <a:lnRef idx="1">
-            <a:schemeClr val="accent1"/>
-          </a:lnRef>
-          <a:fillRef idx="3">
-            <a:schemeClr val="accent1"/>
-          </a:fillRef>
-          <a:effectRef idx="2">
-            <a:schemeClr val="accent1"/>
-          </a:effectRef>
-          <a:fontRef idx="minor">
-            <a:schemeClr val="lt1"/>
-          </a:fontRef>
-        </p:style>
-      </p:sp>
-      <p:pic>
-        <p:nvPicPr>
-          <p:cNvPr id="9" name="Picture 8"/>
-          <p:cNvPicPr>
-            <a:picLocks noChangeAspect="1"/>
-          </p:cNvPicPr>
-          <p:nvPr/>
-        </p:nvPicPr>
-        <p:blipFill rotWithShape="1">
-          <a:blip r:embed="rId21">
-            <a:extLst>
-              <a:ext uri="{28A0092B-C50C-407E-A947-70E740481C1C}">
-                <a14:useLocalDpi xmlns:a14="http://schemas.microsoft.com/office/drawing/2010/main" val="0"/>
-              </a:ext>
-            </a:extLst>
-          </a:blip>
-          <a:srcRect t="28813"/>
-          <a:stretch/>
-        </p:blipFill>
-        <p:spPr>
-          <a:xfrm>
-            <a:off x="7999412" y="0"/>
-            <a:ext cx="1603387" cy="1141407"/>
+            <a:off x="7205133" y="6041362"/>
+            <a:ext cx="911939" cy="365125"/>
           </a:xfrm>
           <a:prstGeom prst="rect">
             <a:avLst/>
           </a:prstGeom>
         </p:spPr>
-      </p:pic>
-      <p:pic>
-        <p:nvPicPr>
-          <p:cNvPr id="10" name="Picture 9"/>
-          <p:cNvPicPr>
-            <a:picLocks noChangeAspect="1"/>
-          </p:cNvPicPr>
-          <p:nvPr/>
-        </p:nvPicPr>
-        <p:blipFill rotWithShape="1">
-          <a:blip r:embed="rId22">
-            <a:extLst>
-              <a:ext uri="{28A0092B-C50C-407E-A947-70E740481C1C}">
-                <a14:useLocalDpi xmlns:a14="http://schemas.microsoft.com/office/drawing/2010/main" val="0"/>
-              </a:ext>
-            </a:extLst>
-          </a:blip>
-          <a:srcRect b="23320"/>
-          <a:stretch/>
-        </p:blipFill>
+        <p:txBody>
+          <a:bodyPr vert="horz" lIns="91440" tIns="45720" rIns="91440" bIns="45720" rtlCol="0" anchor="ctr"/>
+          <a:lstStyle>
+            <a:lvl1pPr algn="r">
+              <a:defRPr sz="900">
+                <a:solidFill>
+                  <a:schemeClr val="tx1">
+                    <a:tint val="75000"/>
+                  </a:schemeClr>
+                </a:solidFill>
+              </a:defRPr>
+            </a:lvl1pPr>
+          </a:lstStyle>
+          <a:p>
+            <a:fld id="{40ECFE3D-F9C9-48FA-BD48-4F2B1920B15D}" type="datetimeFigureOut">
+              <a:rPr lang="pt-PT" smtClean="0"/>
+              <a:t>25-01-2018</a:t>
+            </a:fld>
+            <a:endParaRPr lang="pt-PT"/>
+          </a:p>
+        </p:txBody>
+      </p:sp>
+      <p:sp>
+        <p:nvSpPr>
+          <p:cNvPr id="5" name="Footer Placeholder 4"/>
+          <p:cNvSpPr>
+            <a:spLocks noGrp="1"/>
+          </p:cNvSpPr>
+          <p:nvPr>
+            <p:ph type="ftr" sz="quarter" idx="3"/>
+          </p:nvPr>
+        </p:nvSpPr>
         <p:spPr>
           <a:xfrm>
-            <a:off x="8605878" y="6096000"/>
-            <a:ext cx="993734" cy="762000"/>
+            <a:off x="677334" y="6041362"/>
+            <a:ext cx="6297612" cy="365125"/>
           </a:xfrm>
           <a:prstGeom prst="rect">
             <a:avLst/>
           </a:prstGeom>
         </p:spPr>
-      </p:pic>
-      <p:sp>
-        <p:nvSpPr>
-          <p:cNvPr id="14" name="Rectangle 13"/>
-          <p:cNvSpPr/>
-          <p:nvPr/>
+        <p:txBody>
+          <a:bodyPr vert="horz" lIns="91440" tIns="45720" rIns="91440" bIns="45720" rtlCol="0" anchor="ctr"/>
+          <a:lstStyle>
+            <a:lvl1pPr algn="l">
+              <a:defRPr sz="900">
+                <a:solidFill>
+                  <a:schemeClr val="tx1">
+                    <a:tint val="75000"/>
+                  </a:schemeClr>
+                </a:solidFill>
+              </a:defRPr>
+            </a:lvl1pPr>
+          </a:lstStyle>
+          <a:p>
+            <a:endParaRPr lang="pt-PT"/>
+          </a:p>
+        </p:txBody>
+      </p:sp>
+      <p:sp>
+        <p:nvSpPr>
+          <p:cNvPr id="6" name="Slide Number Placeholder 5"/>
+          <p:cNvSpPr>
+            <a:spLocks noGrp="1"/>
+          </p:cNvSpPr>
+          <p:nvPr>
+            <p:ph type="sldNum" sz="quarter" idx="4"/>
+          </p:nvPr>
         </p:nvSpPr>
         <p:spPr>
           <a:xfrm>
-            <a:off x="10437812" y="0"/>
-            <a:ext cx="685800" cy="1143000"/>
-          </a:xfrm>
-          <a:prstGeom prst="rect">
-            <a:avLst/>
-          </a:prstGeom>
-          <a:solidFill>
-            <a:schemeClr val="accent1"/>
-          </a:solidFill>
-          <a:ln>
-            <a:noFill/>
-          </a:ln>
-        </p:spPr>
-        <p:style>
-          <a:lnRef idx="1">
-            <a:schemeClr val="accent1"/>
-          </a:lnRef>
-          <a:fillRef idx="3">
-            <a:schemeClr val="accent1"/>
-          </a:fillRef>
-          <a:effectRef idx="2">
-            <a:schemeClr val="accent1"/>
-          </a:effectRef>
-          <a:fontRef idx="minor">
-            <a:schemeClr val="lt1"/>
-          </a:fontRef>
-        </p:style>
-      </p:sp>
-      <p:sp>
-        <p:nvSpPr>
-          <p:cNvPr id="2" name="Title Placeholder 1"/>
-          <p:cNvSpPr>
-            <a:spLocks noGrp="1"/>
-          </p:cNvSpPr>
-          <p:nvPr>
-            <p:ph type="title"/>
-          </p:nvPr>
-        </p:nvSpPr>
-        <p:spPr>
-          <a:xfrm>
-            <a:off x="646111" y="452718"/>
-            <a:ext cx="9404723" cy="1400530"/>
+            <a:off x="8590663" y="6041362"/>
+            <a:ext cx="683339" cy="365125"/>
           </a:xfrm>
           <a:prstGeom prst="rect">
             <a:avLst/>
           </a:prstGeom>
         </p:spPr>
         <p:txBody>
-          <a:bodyPr vert="horz" lIns="91440" tIns="45720" rIns="91440" bIns="45720" rtlCol="0" anchor="t">
-            <a:noAutofit/>
-          </a:bodyPr>
-          <a:lstStyle/>
-          <a:p>
-            <a:r>
-              <a:rPr lang="pt-PT" smtClean="0"/>
-              <a:t>Clique para editar o estilo</a:t>
-            </a:r>
-            <a:endParaRPr lang="en-US" dirty="0"/>
-          </a:p>
-        </p:txBody>
-      </p:sp>
-      <p:sp>
-        <p:nvSpPr>
-          <p:cNvPr id="3" name="Text Placeholder 2"/>
-          <p:cNvSpPr>
-            <a:spLocks noGrp="1"/>
-          </p:cNvSpPr>
-          <p:nvPr>
-            <p:ph type="body" idx="1"/>
-          </p:nvPr>
-        </p:nvSpPr>
-        <p:spPr>
-          <a:xfrm>
-            <a:off x="1103312" y="2052918"/>
-            <a:ext cx="8946541" cy="4195481"/>
-          </a:xfrm>
-          <a:prstGeom prst="rect">
-            <a:avLst/>
-          </a:prstGeom>
-        </p:spPr>
-        <p:txBody>
-          <a:bodyPr vert="horz" lIns="91440" tIns="45720" rIns="91440" bIns="45720" rtlCol="0">
-            <a:normAutofit/>
-          </a:bodyPr>
-          <a:lstStyle/>
-          <a:p>
-            <a:pPr lvl="0"/>
-            <a:r>
-              <a:rPr lang="pt-PT" smtClean="0"/>
-              <a:t>Clique para editar os estilos</a:t>
-            </a:r>
-          </a:p>
-          <a:p>
-            <a:pPr lvl="1"/>
-            <a:r>
-              <a:rPr lang="pt-PT" smtClean="0"/>
-              <a:t>Segundo nível</a:t>
-            </a:r>
-          </a:p>
-          <a:p>
-            <a:pPr lvl="2"/>
-            <a:r>
-              <a:rPr lang="pt-PT" smtClean="0"/>
-              <a:t>Terceiro nível</a:t>
-            </a:r>
-          </a:p>
-          <a:p>
-            <a:pPr lvl="3"/>
-            <a:r>
-              <a:rPr lang="pt-PT" smtClean="0"/>
-              <a:t>Quarto nível</a:t>
-            </a:r>
-          </a:p>
-          <a:p>
-            <a:pPr lvl="4"/>
-            <a:r>
-              <a:rPr lang="pt-PT" smtClean="0"/>
-              <a:t>Quinto nível</a:t>
-            </a:r>
-            <a:endParaRPr lang="en-US" dirty="0"/>
-          </a:p>
-        </p:txBody>
-      </p:sp>
-      <p:sp>
-        <p:nvSpPr>
-          <p:cNvPr id="4" name="Date Placeholder 3"/>
-          <p:cNvSpPr>
-            <a:spLocks noGrp="1"/>
-          </p:cNvSpPr>
-          <p:nvPr>
-            <p:ph type="dt" sz="half" idx="2"/>
-          </p:nvPr>
-        </p:nvSpPr>
-        <p:spPr>
-          <a:xfrm rot="5400000">
-            <a:off x="10155639" y="1790701"/>
-            <a:ext cx="990599" cy="304799"/>
-          </a:xfrm>
-          <a:prstGeom prst="rect">
-            <a:avLst/>
-          </a:prstGeom>
-        </p:spPr>
-        <p:txBody>
-          <a:bodyPr vert="horz" lIns="91440" tIns="45720" rIns="91440" bIns="45720" rtlCol="0" anchor="t"/>
+          <a:bodyPr vert="horz" lIns="91440" tIns="45720" rIns="91440" bIns="45720" rtlCol="0" anchor="ctr"/>
           <a:lstStyle>
-            <a:lvl1pPr algn="l">
-              <a:defRPr sz="1100" b="0" i="0">
-                <a:solidFill>
-                  <a:schemeClr val="tx1">
-                    <a:tint val="75000"/>
-                    <a:alpha val="60000"/>
-                  </a:schemeClr>
+            <a:lvl1pPr algn="r">
+              <a:defRPr sz="900">
+                <a:solidFill>
+                  <a:schemeClr val="accent1"/>
                 </a:solidFill>
               </a:defRPr>
             </a:lvl1pPr>
           </a:lstStyle>
           <a:p>
-            <a:fld id="{40ECFE3D-F9C9-48FA-BD48-4F2B1920B15D}" type="datetimeFigureOut">
-              <a:rPr lang="pt-PT" smtClean="0"/>
-              <a:t>23-01-2018</a:t>
-            </a:fld>
-            <a:endParaRPr lang="pt-PT"/>
-          </a:p>
-        </p:txBody>
-      </p:sp>
-      <p:sp>
-        <p:nvSpPr>
-          <p:cNvPr id="5" name="Footer Placeholder 4"/>
-          <p:cNvSpPr>
-            <a:spLocks noGrp="1"/>
-          </p:cNvSpPr>
-          <p:nvPr>
-            <p:ph type="ftr" sz="quarter" idx="3"/>
-          </p:nvPr>
-        </p:nvSpPr>
-        <p:spPr>
-          <a:xfrm rot="5400000">
-            <a:off x="8951573" y="3225297"/>
-            <a:ext cx="3859795" cy="304801"/>
-          </a:xfrm>
-          <a:prstGeom prst="rect">
-            <a:avLst/>
-          </a:prstGeom>
-        </p:spPr>
-        <p:txBody>
-          <a:bodyPr vert="horz" lIns="91440" tIns="45720" rIns="91440" bIns="45720" rtlCol="0" anchor="b"/>
-          <a:lstStyle>
-            <a:lvl1pPr algn="l">
-              <a:defRPr sz="1100" b="0" i="0">
-                <a:solidFill>
-                  <a:schemeClr val="tx1">
-                    <a:tint val="75000"/>
-                    <a:alpha val="60000"/>
-                  </a:schemeClr>
-                </a:solidFill>
-              </a:defRPr>
-            </a:lvl1pPr>
-          </a:lstStyle>
-          <a:p>
-            <a:endParaRPr lang="pt-PT"/>
-          </a:p>
-        </p:txBody>
-      </p:sp>
-      <p:sp>
-        <p:nvSpPr>
-          <p:cNvPr id="6" name="Slide Number Placeholder 5"/>
-          <p:cNvSpPr>
-            <a:spLocks noGrp="1"/>
-          </p:cNvSpPr>
-          <p:nvPr>
-            <p:ph type="sldNum" sz="quarter" idx="4"/>
-          </p:nvPr>
-        </p:nvSpPr>
-        <p:spPr bwMode="gray">
-          <a:xfrm>
-            <a:off x="10352540" y="295729"/>
-            <a:ext cx="838199" cy="767687"/>
-          </a:xfrm>
-          <a:prstGeom prst="rect">
-            <a:avLst/>
-          </a:prstGeom>
-        </p:spPr>
-        <p:txBody>
-          <a:bodyPr vert="horz" lIns="91440" tIns="45720" rIns="91440" bIns="45720" rtlCol="0" anchor="b"/>
-          <a:lstStyle>
-            <a:lvl1pPr algn="ctr">
-              <a:defRPr sz="2800" b="0" i="0">
-                <a:solidFill>
-                  <a:schemeClr val="tx1">
-                    <a:tint val="75000"/>
-                  </a:schemeClr>
-                </a:solidFill>
-              </a:defRPr>
-            </a:lvl1pPr>
-          </a:lstStyle>
-          <a:p>
             <a:fld id="{8CB4B7EB-68D0-4F9D-B29C-D7635C426921}" type="slidenum">
               <a:rPr lang="pt-PT" smtClean="0"/>
               <a:t>‹nº›</a:t>
@@ -5656,29 +5395,28 @@
     </p:spTree>
     <p:extLst>
       <p:ext uri="{BB962C8B-B14F-4D97-AF65-F5344CB8AC3E}">
-        <p14:creationId xmlns:p14="http://schemas.microsoft.com/office/powerpoint/2010/main" val="2571782295"/>
+        <p14:creationId xmlns:p14="http://schemas.microsoft.com/office/powerpoint/2010/main" val="686545979"/>
       </p:ext>
     </p:extLst>
   </p:cSld>
-  <p:clrMap bg1="dk1" tx1="lt1" bg2="dk2" tx2="lt2" accent1="accent1" accent2="accent2" accent3="accent3" accent4="accent4" accent5="accent5" accent6="accent6" hlink="hlink" folHlink="folHlink"/>
+  <p:clrMap bg1="lt1" tx1="dk1" bg2="lt2" tx2="dk2" accent1="accent1" accent2="accent2" accent3="accent3" accent4="accent4" accent5="accent5" accent6="accent6" hlink="hlink" folHlink="folHlink"/>
   <p:sldLayoutIdLst>
-    <p:sldLayoutId id="2147483737" r:id="rId1"/>
-    <p:sldLayoutId id="2147483738" r:id="rId2"/>
-    <p:sldLayoutId id="2147483739" r:id="rId3"/>
-    <p:sldLayoutId id="2147483740" r:id="rId4"/>
-    <p:sldLayoutId id="2147483741" r:id="rId5"/>
-    <p:sldLayoutId id="2147483742" r:id="rId6"/>
-    <p:sldLayoutId id="2147483743" r:id="rId7"/>
-    <p:sldLayoutId id="2147483744" r:id="rId8"/>
-    <p:sldLayoutId id="2147483745" r:id="rId9"/>
-    <p:sldLayoutId id="2147483746" r:id="rId10"/>
-    <p:sldLayoutId id="2147483747" r:id="rId11"/>
-    <p:sldLayoutId id="2147483748" r:id="rId12"/>
-    <p:sldLayoutId id="2147483749" r:id="rId13"/>
-    <p:sldLayoutId id="2147483750" r:id="rId14"/>
-    <p:sldLayoutId id="2147483751" r:id="rId15"/>
-    <p:sldLayoutId id="2147483752" r:id="rId16"/>
-    <p:sldLayoutId id="2147483753" r:id="rId17"/>
+    <p:sldLayoutId id="2147483860" r:id="rId1"/>
+    <p:sldLayoutId id="2147483861" r:id="rId2"/>
+    <p:sldLayoutId id="2147483862" r:id="rId3"/>
+    <p:sldLayoutId id="2147483863" r:id="rId4"/>
+    <p:sldLayoutId id="2147483864" r:id="rId5"/>
+    <p:sldLayoutId id="2147483865" r:id="rId6"/>
+    <p:sldLayoutId id="2147483866" r:id="rId7"/>
+    <p:sldLayoutId id="2147483867" r:id="rId8"/>
+    <p:sldLayoutId id="2147483868" r:id="rId9"/>
+    <p:sldLayoutId id="2147483869" r:id="rId10"/>
+    <p:sldLayoutId id="2147483870" r:id="rId11"/>
+    <p:sldLayoutId id="2147483871" r:id="rId12"/>
+    <p:sldLayoutId id="2147483872" r:id="rId13"/>
+    <p:sldLayoutId id="2147483873" r:id="rId14"/>
+    <p:sldLayoutId id="2147483874" r:id="rId15"/>
+    <p:sldLayoutId id="2147483875" r:id="rId16"/>
   </p:sldLayoutIdLst>
   <p:txStyles>
     <p:titleStyle>
@@ -5687,9 +5425,9 @@
           <a:spcPct val="0"/>
         </a:spcBef>
         <a:buNone/>
-        <a:defRPr sz="4200" b="0" i="0" kern="1200">
+        <a:defRPr sz="3600" kern="1200">
           <a:solidFill>
-            <a:schemeClr val="tx2"/>
+            <a:schemeClr val="accent1"/>
           </a:solidFill>
           <a:latin typeface="+mj-lt"/>
           <a:ea typeface="+mj-ea"/>
@@ -5762,21 +5500,21 @@
           <a:spcPts val="0"/>
         </a:spcAft>
         <a:buClr>
-          <a:schemeClr val="bg2">
-            <a:lumMod val="40000"/>
-            <a:lumOff val="60000"/>
-          </a:schemeClr>
+          <a:schemeClr val="accent1"/>
         </a:buClr>
         <a:buSzPct val="80000"/>
         <a:buFont typeface="Wingdings 3" charset="2"/>
         <a:buChar char=""/>
-        <a:defRPr sz="2000" b="0" i="0" kern="1200">
+        <a:defRPr sz="1800" kern="1200">
           <a:solidFill>
-            <a:schemeClr val="tx1"/>
+            <a:schemeClr val="tx1">
+              <a:lumMod val="75000"/>
+              <a:lumOff val="25000"/>
+            </a:schemeClr>
           </a:solidFill>
-          <a:latin typeface="+mj-lt"/>
-          <a:ea typeface="+mj-ea"/>
-          <a:cs typeface="+mj-cs"/>
+          <a:latin typeface="+mn-lt"/>
+          <a:ea typeface="+mn-ea"/>
+          <a:cs typeface="+mn-cs"/>
         </a:defRPr>
       </a:lvl1pPr>
       <a:lvl2pPr marL="742950" indent="-285750" algn="l" defTabSz="457200" rtl="0" eaLnBrk="1" latinLnBrk="0" hangingPunct="1">
@@ -5787,21 +5525,21 @@
           <a:spcPts val="0"/>
         </a:spcAft>
         <a:buClr>
-          <a:schemeClr val="bg2">
-            <a:lumMod val="40000"/>
-            <a:lumOff val="60000"/>
-          </a:schemeClr>
+          <a:schemeClr val="accent1"/>
         </a:buClr>
         <a:buSzPct val="80000"/>
         <a:buFont typeface="Wingdings 3" charset="2"/>
         <a:buChar char=""/>
-        <a:defRPr sz="1800" b="0" i="0" kern="1200">
+        <a:defRPr sz="1600" kern="1200">
           <a:solidFill>
-            <a:schemeClr val="tx1"/>
+            <a:schemeClr val="tx1">
+              <a:lumMod val="75000"/>
+              <a:lumOff val="25000"/>
+            </a:schemeClr>
           </a:solidFill>
-          <a:latin typeface="+mj-lt"/>
-          <a:ea typeface="+mj-ea"/>
-          <a:cs typeface="+mj-cs"/>
+          <a:latin typeface="+mn-lt"/>
+          <a:ea typeface="+mn-ea"/>
+          <a:cs typeface="+mn-cs"/>
         </a:defRPr>
       </a:lvl2pPr>
       <a:lvl3pPr marL="1143000" indent="-228600" algn="l" defTabSz="457200" rtl="0" eaLnBrk="1" latinLnBrk="0" hangingPunct="1">
@@ -5812,21 +5550,21 @@
           <a:spcPts val="0"/>
         </a:spcAft>
         <a:buClr>
-          <a:schemeClr val="bg2">
-            <a:lumMod val="40000"/>
-            <a:lumOff val="60000"/>
-          </a:schemeClr>
+          <a:schemeClr val="accent1"/>
         </a:buClr>
         <a:buSzPct val="80000"/>
         <a:buFont typeface="Wingdings 3" charset="2"/>
         <a:buChar char=""/>
-        <a:defRPr sz="1600" b="0" i="0" kern="1200">
+        <a:defRPr sz="1400" kern="1200">
           <a:solidFill>
-            <a:schemeClr val="tx1"/>
+            <a:schemeClr val="tx1">
+              <a:lumMod val="75000"/>
+              <a:lumOff val="25000"/>
+            </a:schemeClr>
           </a:solidFill>
-          <a:latin typeface="+mj-lt"/>
-          <a:ea typeface="+mj-ea"/>
-          <a:cs typeface="+mj-cs"/>
+          <a:latin typeface="+mn-lt"/>
+          <a:ea typeface="+mn-ea"/>
+          <a:cs typeface="+mn-cs"/>
         </a:defRPr>
       </a:lvl3pPr>
       <a:lvl4pPr marL="1600200" indent="-228600" algn="l" defTabSz="457200" rtl="0" eaLnBrk="1" latinLnBrk="0" hangingPunct="1">
@@ -5837,21 +5575,21 @@
           <a:spcPts val="0"/>
         </a:spcAft>
         <a:buClr>
-          <a:schemeClr val="bg2">
-            <a:lumMod val="40000"/>
-            <a:lumOff val="60000"/>
-          </a:schemeClr>
+          <a:schemeClr val="accent1"/>
         </a:buClr>
         <a:buSzPct val="80000"/>
         <a:buFont typeface="Wingdings 3" charset="2"/>
         <a:buChar char=""/>
-        <a:defRPr sz="1400" b="0" i="0" kern="1200">
+        <a:defRPr sz="1200" kern="1200">
           <a:solidFill>
-            <a:schemeClr val="tx1"/>
+            <a:schemeClr val="tx1">
+              <a:lumMod val="75000"/>
+              <a:lumOff val="25000"/>
+            </a:schemeClr>
           </a:solidFill>
-          <a:latin typeface="+mj-lt"/>
-          <a:ea typeface="+mj-ea"/>
-          <a:cs typeface="+mj-cs"/>
+          <a:latin typeface="+mn-lt"/>
+          <a:ea typeface="+mn-ea"/>
+          <a:cs typeface="+mn-cs"/>
         </a:defRPr>
       </a:lvl4pPr>
       <a:lvl5pPr marL="2057400" indent="-228600" algn="l" defTabSz="457200" rtl="0" eaLnBrk="1" latinLnBrk="0" hangingPunct="1">
@@ -5862,24 +5600,24 @@
           <a:spcPts val="0"/>
         </a:spcAft>
         <a:buClr>
-          <a:schemeClr val="bg2">
-            <a:lumMod val="40000"/>
-            <a:lumOff val="60000"/>
-          </a:schemeClr>
+          <a:schemeClr val="accent1"/>
         </a:buClr>
         <a:buSzPct val="80000"/>
         <a:buFont typeface="Wingdings 3" charset="2"/>
         <a:buChar char=""/>
-        <a:defRPr sz="1400" b="0" i="0" kern="1200">
+        <a:defRPr sz="1200" kern="1200">
           <a:solidFill>
-            <a:schemeClr val="tx1"/>
+            <a:schemeClr val="tx1">
+              <a:lumMod val="75000"/>
+              <a:lumOff val="25000"/>
+            </a:schemeClr>
           </a:solidFill>
-          <a:latin typeface="+mj-lt"/>
-          <a:ea typeface="+mj-ea"/>
-          <a:cs typeface="+mj-cs"/>
+          <a:latin typeface="+mn-lt"/>
+          <a:ea typeface="+mn-ea"/>
+          <a:cs typeface="+mn-cs"/>
         </a:defRPr>
       </a:lvl5pPr>
-      <a:lvl6pPr marL="2506000" indent="-228600" algn="l" defTabSz="457200" rtl="0" eaLnBrk="1" latinLnBrk="0" hangingPunct="1">
+      <a:lvl6pPr marL="2514600" indent="-228600" algn="l" defTabSz="457200" rtl="0" eaLnBrk="1" latinLnBrk="0" hangingPunct="1">
         <a:spcBef>
           <a:spcPts val="1000"/>
         </a:spcBef>
@@ -5887,21 +5625,21 @@
           <a:spcPts val="0"/>
         </a:spcAft>
         <a:buClr>
-          <a:schemeClr val="bg2">
-            <a:lumMod val="40000"/>
-            <a:lumOff val="60000"/>
-          </a:schemeClr>
+          <a:schemeClr val="accent1"/>
         </a:buClr>
         <a:buSzPct val="80000"/>
         <a:buFont typeface="Wingdings 3" charset="2"/>
         <a:buChar char=""/>
-        <a:defRPr sz="1400" b="0" i="0" kern="1200">
+        <a:defRPr sz="1200" kern="1200">
           <a:solidFill>
-            <a:schemeClr val="tx1"/>
+            <a:schemeClr val="tx1">
+              <a:lumMod val="75000"/>
+              <a:lumOff val="25000"/>
+            </a:schemeClr>
           </a:solidFill>
-          <a:latin typeface="+mj-lt"/>
-          <a:ea typeface="+mj-ea"/>
-          <a:cs typeface="+mj-cs"/>
+          <a:latin typeface="+mn-lt"/>
+          <a:ea typeface="+mn-ea"/>
+          <a:cs typeface="+mn-cs"/>
         </a:defRPr>
       </a:lvl6pPr>
       <a:lvl7pPr marL="2971800" indent="-228600" algn="l" defTabSz="457200" rtl="0" eaLnBrk="1" latinLnBrk="0" hangingPunct="1">
@@ -5912,21 +5650,21 @@
           <a:spcPts val="0"/>
         </a:spcAft>
         <a:buClr>
-          <a:schemeClr val="bg2">
-            <a:lumMod val="40000"/>
-            <a:lumOff val="60000"/>
-          </a:schemeClr>
+          <a:schemeClr val="accent1"/>
         </a:buClr>
         <a:buSzPct val="80000"/>
         <a:buFont typeface="Wingdings 3" charset="2"/>
         <a:buChar char=""/>
-        <a:defRPr sz="1400" b="0" i="0" kern="1200">
+        <a:defRPr sz="1200" kern="1200">
           <a:solidFill>
-            <a:schemeClr val="tx1"/>
+            <a:schemeClr val="tx1">
+              <a:lumMod val="75000"/>
+              <a:lumOff val="25000"/>
+            </a:schemeClr>
           </a:solidFill>
-          <a:latin typeface="+mj-lt"/>
-          <a:ea typeface="+mj-ea"/>
-          <a:cs typeface="+mj-cs"/>
+          <a:latin typeface="+mn-lt"/>
+          <a:ea typeface="+mn-ea"/>
+          <a:cs typeface="+mn-cs"/>
         </a:defRPr>
       </a:lvl7pPr>
       <a:lvl8pPr marL="3429000" indent="-228600" algn="l" defTabSz="457200" rtl="0" eaLnBrk="1" latinLnBrk="0" hangingPunct="1">
@@ -5937,21 +5675,21 @@
           <a:spcPts val="0"/>
         </a:spcAft>
         <a:buClr>
-          <a:schemeClr val="bg2">
-            <a:lumMod val="40000"/>
-            <a:lumOff val="60000"/>
-          </a:schemeClr>
+          <a:schemeClr val="accent1"/>
         </a:buClr>
         <a:buSzPct val="80000"/>
         <a:buFont typeface="Wingdings 3" charset="2"/>
         <a:buChar char=""/>
-        <a:defRPr sz="1400" b="0" i="0" kern="1200">
+        <a:defRPr sz="1200" kern="1200">
           <a:solidFill>
-            <a:schemeClr val="tx1"/>
+            <a:schemeClr val="tx1">
+              <a:lumMod val="75000"/>
+              <a:lumOff val="25000"/>
+            </a:schemeClr>
           </a:solidFill>
-          <a:latin typeface="+mj-lt"/>
-          <a:ea typeface="+mj-ea"/>
-          <a:cs typeface="+mj-cs"/>
+          <a:latin typeface="+mn-lt"/>
+          <a:ea typeface="+mn-ea"/>
+          <a:cs typeface="+mn-cs"/>
         </a:defRPr>
       </a:lvl8pPr>
       <a:lvl9pPr marL="3886200" indent="-228600" algn="l" defTabSz="457200" rtl="0" eaLnBrk="1" latinLnBrk="0" hangingPunct="1">
@@ -5962,21 +5700,21 @@
           <a:spcPts val="0"/>
         </a:spcAft>
         <a:buClr>
-          <a:schemeClr val="bg2">
-            <a:lumMod val="40000"/>
-            <a:lumOff val="60000"/>
-          </a:schemeClr>
+          <a:schemeClr val="accent1"/>
         </a:buClr>
         <a:buSzPct val="80000"/>
         <a:buFont typeface="Wingdings 3" charset="2"/>
         <a:buChar char=""/>
-        <a:defRPr sz="1400" b="0" i="0" kern="1200">
+        <a:defRPr sz="1200" kern="1200">
           <a:solidFill>
-            <a:schemeClr val="tx1"/>
+            <a:schemeClr val="tx1">
+              <a:lumMod val="75000"/>
+              <a:lumOff val="25000"/>
+            </a:schemeClr>
           </a:solidFill>
-          <a:latin typeface="+mj-lt"/>
-          <a:ea typeface="+mj-ea"/>
-          <a:cs typeface="+mj-cs"/>
+          <a:latin typeface="+mn-lt"/>
+          <a:ea typeface="+mn-ea"/>
+          <a:cs typeface="+mn-cs"/>
         </a:defRPr>
       </a:lvl9pPr>
     </p:bodyStyle>
@@ -6108,7 +5846,9 @@
         </p:nvSpPr>
         <p:spPr/>
         <p:txBody>
-          <a:bodyPr/>
+          <a:bodyPr>
+            <a:normAutofit fontScale="90000"/>
+          </a:bodyPr>
           <a:lstStyle/>
           <a:p>
             <a:r>
@@ -6147,7 +5887,14 @@
             <a:pPr algn="r"/>
             <a:r>
               <a:rPr lang="pt-PT" dirty="0" smtClean="0"/>
-              <a:t>Helena Boavista</a:t>
+              <a:t>                      Helena Boavista</a:t>
+            </a:r>
+          </a:p>
+          <a:p>
+            <a:pPr algn="r"/>
+            <a:r>
+              <a:rPr lang="pt-PT" dirty="0" smtClean="0"/>
+              <a:t>Informática de sistemas</a:t>
             </a:r>
             <a:endParaRPr lang="pt-PT" dirty="0"/>
           </a:p>
@@ -6163,6 +5910,13 @@
   <p:clrMapOvr>
     <a:masterClrMapping/>
   </p:clrMapOvr>
+  <p:timing>
+    <p:tnLst>
+      <p:par>
+        <p:cTn id="1" dur="indefinite" restart="never" nodeType="tmRoot"/>
+      </p:par>
+    </p:tnLst>
+  </p:timing>
 </p:sld>
 </file>
 
@@ -6195,7 +5949,9 @@
         </p:nvSpPr>
         <p:spPr/>
         <p:txBody>
-          <a:bodyPr/>
+          <a:bodyPr>
+            <a:normAutofit/>
+          </a:bodyPr>
           <a:lstStyle/>
           <a:p>
             <a:r>
@@ -6272,6 +6028,13 @@
   <p:clrMapOvr>
     <a:masterClrMapping/>
   </p:clrMapOvr>
+  <p:timing>
+    <p:tnLst>
+      <p:par>
+        <p:cTn id="1" dur="indefinite" restart="never" nodeType="tmRoot"/>
+      </p:par>
+    </p:tnLst>
+  </p:timing>
 </p:sld>
 </file>
 
@@ -6304,7 +6067,9 @@
         </p:nvSpPr>
         <p:spPr/>
         <p:txBody>
-          <a:bodyPr/>
+          <a:bodyPr>
+            <a:normAutofit/>
+          </a:bodyPr>
           <a:lstStyle/>
           <a:p>
             <a:r>
@@ -6424,6 +6189,13 @@
   <p:clrMapOvr>
     <a:masterClrMapping/>
   </p:clrMapOvr>
+  <p:timing>
+    <p:tnLst>
+      <p:par>
+        <p:cTn id="1" dur="indefinite" restart="never" nodeType="tmRoot"/>
+      </p:par>
+    </p:tnLst>
+  </p:timing>
 </p:sld>
 </file>
 
@@ -6456,7 +6228,9 @@
         </p:nvSpPr>
         <p:spPr/>
         <p:txBody>
-          <a:bodyPr/>
+          <a:bodyPr>
+            <a:normAutofit/>
+          </a:bodyPr>
           <a:lstStyle/>
           <a:p>
             <a:r>
@@ -6494,9 +6268,16 @@
           <a:bodyPr/>
           <a:lstStyle/>
           <a:p>
+            <a:endParaRPr lang="pt-PT" dirty="0" smtClean="0"/>
+          </a:p>
+          <a:p>
+            <a:r>
+              <a:rPr lang="pt-PT" dirty="0" smtClean="0"/>
+              <a:t>É a </a:t>
+            </a:r>
             <a:r>
               <a:rPr lang="pt-PT" dirty="0"/>
-              <a:t>É a interconexão de computadores localizados em diferentes prédios em cidades distantes em qualquer ponto do M</a:t>
+              <a:t>interconexão de computadores localizados em diferentes prédios em cidades distantes em qualquer ponto do M</a:t>
             </a:r>
             <a:r>
               <a:rPr lang="pt-PT" dirty="0" smtClean="0"/>
@@ -6518,9 +6299,9 @@
       </p:sp>
       <p:pic>
         <p:nvPicPr>
-          <p:cNvPr id="4102" name="Picture 6" descr="http://s3.amazonaws.com/magoo/ABAAAe4cgAB-1.jpg"/>
+          <p:cNvPr id="3" name="Imagem 2"/>
           <p:cNvPicPr>
-            <a:picLocks noChangeAspect="1" noChangeArrowheads="1"/>
+            <a:picLocks noChangeAspect="1"/>
           </p:cNvPicPr>
           <p:nvPr/>
         </p:nvPicPr>
@@ -6532,29 +6313,18 @@
               </a:ext>
             </a:extLst>
           </a:blip>
-          <a:srcRect/>
           <a:stretch>
             <a:fillRect/>
           </a:stretch>
         </p:blipFill>
-        <p:spPr bwMode="auto">
+        <p:spPr>
           <a:xfrm>
-            <a:off x="8233344" y="2865206"/>
-            <a:ext cx="2827606" cy="3742766"/>
+            <a:off x="8405871" y="4032173"/>
+            <a:ext cx="3444340" cy="2696585"/>
           </a:xfrm>
           <a:prstGeom prst="rect">
             <a:avLst/>
           </a:prstGeom>
-          <a:noFill/>
-          <a:extLst>
-            <a:ext uri="{909E8E84-426E-40DD-AFC4-6F175D3DCCD1}">
-              <a14:hiddenFill xmlns:a14="http://schemas.microsoft.com/office/drawing/2010/main">
-                <a:solidFill>
-                  <a:srgbClr val="FFFFFF"/>
-                </a:solidFill>
-              </a14:hiddenFill>
-            </a:ext>
-          </a:extLst>
         </p:spPr>
       </p:pic>
     </p:spTree>
@@ -6567,6 +6337,13 @@
   <p:clrMapOvr>
     <a:masterClrMapping/>
   </p:clrMapOvr>
+  <p:timing>
+    <p:tnLst>
+      <p:par>
+        <p:cTn id="1" dur="indefinite" restart="never" nodeType="tmRoot"/>
+      </p:par>
+    </p:tnLst>
+  </p:timing>
 </p:sld>
 </file>
 
@@ -6604,15 +6381,7 @@
           <a:p>
             <a:r>
               <a:rPr lang="pt-PT" dirty="0" smtClean="0"/>
-              <a:t>O que </a:t>
-            </a:r>
-            <a:r>
-              <a:rPr lang="pt-PT" dirty="0" smtClean="0"/>
-              <a:t>é a </a:t>
-            </a:r>
-            <a:r>
-              <a:rPr lang="pt-PT" dirty="0" smtClean="0"/>
-              <a:t>rede LAN?</a:t>
+              <a:t>O que é a rede LAN?</a:t>
             </a:r>
             <a:endParaRPr lang="pt-PT" dirty="0"/>
           </a:p>
@@ -6743,6 +6512,13 @@
   <p:clrMapOvr>
     <a:masterClrMapping/>
   </p:clrMapOvr>
+  <p:timing>
+    <p:tnLst>
+      <p:par>
+        <p:cTn id="1" dur="indefinite" restart="never" nodeType="tmRoot"/>
+      </p:par>
+    </p:tnLst>
+  </p:timing>
 </p:sld>
 </file>
 
@@ -6775,7 +6551,9 @@
         </p:nvSpPr>
         <p:spPr/>
         <p:txBody>
-          <a:bodyPr/>
+          <a:bodyPr>
+            <a:normAutofit/>
+          </a:bodyPr>
           <a:lstStyle/>
           <a:p>
             <a:r>
@@ -6818,13 +6596,8 @@
             </a:r>
             <a:r>
               <a:rPr lang="pt-PT" dirty="0" smtClean="0"/>
-              <a:t>comunicação em outros diapositivos</a:t>
-            </a:r>
-            <a:r>
-              <a:rPr lang="pt-PT" dirty="0" smtClean="0"/>
-              <a:t>.</a:t>
-            </a:r>
-            <a:endParaRPr lang="pt-PT" dirty="0" smtClean="0"/>
+              <a:t>comunicação em outros diapositivos.</a:t>
+            </a:r>
           </a:p>
           <a:p>
             <a:pPr marL="0" indent="0">
@@ -6836,11 +6609,23 @@
             </a:r>
             <a:r>
               <a:rPr lang="pt-PT" dirty="0"/>
-              <a:t>contexto da informática, uma rede consiste em diversos processadores que estão interligados e compartilham recursos entre </a:t>
+              <a:t>contexto da informática, uma rede consiste em diversos processadores que estão </a:t>
             </a:r>
             <a:r>
               <a:rPr lang="pt-PT" dirty="0" smtClean="0"/>
-              <a:t>Si</a:t>
+              <a:t>interligados </a:t>
+            </a:r>
+            <a:r>
+              <a:rPr lang="pt-PT" dirty="0"/>
+              <a:t>e compartilham recursos entre </a:t>
+            </a:r>
+            <a:r>
+              <a:rPr lang="pt-PT" dirty="0"/>
+              <a:t>s</a:t>
+            </a:r>
+            <a:r>
+              <a:rPr lang="pt-PT" dirty="0" smtClean="0"/>
+              <a:t>i</a:t>
             </a:r>
             <a:r>
               <a:rPr lang="pt-PT" dirty="0" smtClean="0"/>
@@ -6865,13 +6650,20 @@
   <p:clrMapOvr>
     <a:masterClrMapping/>
   </p:clrMapOvr>
+  <p:timing>
+    <p:tnLst>
+      <p:par>
+        <p:cTn id="1" dur="indefinite" restart="never" nodeType="tmRoot"/>
+      </p:par>
+    </p:tnLst>
+  </p:timing>
 </p:sld>
 </file>
 
 <file path=ppt/theme/theme1.xml><?xml version="1.0" encoding="utf-8"?>
-<a:theme xmlns:a="http://schemas.openxmlformats.org/drawingml/2006/main" name="Ião">
+<a:theme xmlns:a="http://schemas.openxmlformats.org/drawingml/2006/main" name="Aspeto">
   <a:themeElements>
-    <a:clrScheme name="Ião">
+    <a:clrScheme name="Aspeto">
       <a:dk1>
         <a:sysClr val="windowText" lastClr="000000"/>
       </a:dk1>
@@ -6879,52 +6671,52 @@
         <a:sysClr val="window" lastClr="FFFFFF"/>
       </a:lt1>
       <a:dk2>
-        <a:srgbClr val="1E5155"/>
+        <a:srgbClr val="2C3C43"/>
       </a:dk2>
       <a:lt2>
         <a:srgbClr val="EBEBEB"/>
       </a:lt2>
       <a:accent1>
-        <a:srgbClr val="B01513"/>
+        <a:srgbClr val="90C226"/>
       </a:accent1>
       <a:accent2>
-        <a:srgbClr val="EA6312"/>
+        <a:srgbClr val="54A021"/>
       </a:accent2>
       <a:accent3>
-        <a:srgbClr val="E6B729"/>
+        <a:srgbClr val="E6B91E"/>
       </a:accent3>
       <a:accent4>
-        <a:srgbClr val="6AAC90"/>
+        <a:srgbClr val="E76618"/>
       </a:accent4>
       <a:accent5>
-        <a:srgbClr val="54849A"/>
+        <a:srgbClr val="C42F1A"/>
       </a:accent5>
       <a:accent6>
-        <a:srgbClr val="9E5E9B"/>
+        <a:srgbClr val="918655"/>
       </a:accent6>
       <a:hlink>
-        <a:srgbClr val="58C1BA"/>
+        <a:srgbClr val="99CA3C"/>
       </a:hlink>
       <a:folHlink>
-        <a:srgbClr val="9DFFCB"/>
+        <a:srgbClr val="B9D181"/>
       </a:folHlink>
     </a:clrScheme>
-    <a:fontScheme name="Ião">
+    <a:fontScheme name="Aspeto">
       <a:majorFont>
-        <a:latin typeface="Century Gothic" panose="020B0502020202020204"/>
+        <a:latin typeface="Trebuchet MS" panose="020B0603020202020204"/>
         <a:ea typeface=""/>
         <a:cs typeface=""/>
         <a:font script="Jpan" typeface="メイリオ"/>
         <a:font script="Hang" typeface="맑은 고딕"/>
-        <a:font script="Hans" typeface="宋体"/>
-        <a:font script="Hant" typeface="新細明體"/>
-        <a:font script="Arab" typeface="Times New Roman"/>
-        <a:font script="Hebr" typeface="Times New Roman"/>
-        <a:font script="Thai" typeface="Angsana New"/>
+        <a:font script="Hans" typeface="方正姚体"/>
+        <a:font script="Hant" typeface="微軟正黑體"/>
+        <a:font script="Arab" typeface="Tahoma"/>
+        <a:font script="Hebr" typeface="Arial"/>
+        <a:font script="Thai" typeface="Cordia New"/>
         <a:font script="Ethi" typeface="Nyala"/>
         <a:font script="Beng" typeface="Vrinda"/>
         <a:font script="Gujr" typeface="Shruti"/>
-        <a:font script="Khmr" typeface="MoolBoran"/>
+        <a:font script="Khmr" typeface="DaunPenh"/>
         <a:font script="Knda" typeface="Tunga"/>
         <a:font script="Guru" typeface="Raavi"/>
         <a:font script="Cans" typeface="Euphemia"/>
@@ -6941,21 +6733,21 @@
         <a:font script="Laoo" typeface="DokChampa"/>
         <a:font script="Sinh" typeface="Iskoola Pota"/>
         <a:font script="Mong" typeface="Mongolian Baiti"/>
-        <a:font script="Viet" typeface="Times New Roman"/>
+        <a:font script="Viet" typeface="Tahoma"/>
         <a:font script="Uigh" typeface="Microsoft Uighur"/>
         <a:font script="Geor" typeface="Sylfaen"/>
       </a:majorFont>
       <a:minorFont>
-        <a:latin typeface="Century Gothic" panose="020B0502020202020204"/>
+        <a:latin typeface="Trebuchet MS" panose="020B0603020202020204"/>
         <a:ea typeface=""/>
         <a:cs typeface=""/>
         <a:font script="Jpan" typeface="メイリオ"/>
-        <a:font script="Hang" typeface="맑은 고딕"/>
-        <a:font script="Hans" typeface="宋体"/>
-        <a:font script="Hant" typeface="新細明體"/>
-        <a:font script="Arab" typeface="Arial"/>
-        <a:font script="Hebr" typeface="Arial"/>
-        <a:font script="Thai" typeface="Cordia New"/>
+        <a:font script="Hang" typeface="HY그래픽M"/>
+        <a:font script="Hans" typeface="华文新魏"/>
+        <a:font script="Hant" typeface="微軟正黑體"/>
+        <a:font script="Arab" typeface="Tahoma"/>
+        <a:font script="Hebr" typeface="Gisha"/>
+        <a:font script="Thai" typeface="IrisUPC"/>
         <a:font script="Ethi" typeface="Nyala"/>
         <a:font script="Beng" typeface="Vrinda"/>
         <a:font script="Gujr" typeface="Shruti"/>
@@ -6981,7 +6773,7 @@
         <a:font script="Geor" typeface="Sylfaen"/>
       </a:minorFont>
     </a:fontScheme>
-    <a:fmtScheme name="Ião">
+    <a:fmtScheme name="Aspeto">
       <a:fillStyleLst>
         <a:solidFill>
           <a:schemeClr val="phClr"/>
@@ -6990,15 +6782,13 @@
           <a:gsLst>
             <a:gs pos="0">
               <a:schemeClr val="phClr">
-                <a:tint val="64000"/>
-                <a:lumMod val="118000"/>
+                <a:tint val="65000"/>
+                <a:lumMod val="110000"/>
               </a:schemeClr>
             </a:gs>
-            <a:gs pos="100000">
+            <a:gs pos="88000">
               <a:schemeClr val="phClr">
-                <a:tint val="92000"/>
-                <a:alpha val="100000"/>
-                <a:lumMod val="110000"/>
+                <a:tint val="90000"/>
               </a:schemeClr>
             </a:gs>
           </a:gsLst>
@@ -7008,14 +6798,14 @@
           <a:gsLst>
             <a:gs pos="0">
               <a:schemeClr val="phClr">
-                <a:tint val="98000"/>
-                <a:lumMod val="114000"/>
+                <a:tint val="96000"/>
+                <a:lumMod val="100000"/>
               </a:schemeClr>
             </a:gs>
-            <a:gs pos="100000">
+            <a:gs pos="78000">
               <a:schemeClr val="phClr">
-                <a:shade val="90000"/>
-                <a:lumMod val="84000"/>
+                <a:shade val="94000"/>
+                <a:lumMod val="94000"/>
               </a:schemeClr>
             </a:gs>
           </a:gsLst>
@@ -7023,7 +6813,7 @@
         </a:gradFill>
       </a:fillStyleLst>
       <a:lnStyleLst>
-        <a:ln w="9525" cap="rnd" cmpd="sng" algn="ctr">
+        <a:ln w="12700" cap="rnd" cmpd="sng" algn="ctr">
           <a:solidFill>
             <a:schemeClr val="phClr"/>
           </a:solidFill>
@@ -7035,7 +6825,7 @@
           </a:solidFill>
           <a:prstDash val="solid"/>
         </a:ln>
-        <a:ln w="28575" cap="rnd" cmpd="sng" algn="ctr">
+        <a:ln w="25400" cap="rnd" cmpd="sng" algn="ctr">
           <a:solidFill>
             <a:schemeClr val="phClr"/>
           </a:solidFill>
@@ -7050,16 +6840,16 @@
           <a:effectLst>
             <a:outerShdw blurRad="38100" dist="25400" dir="5400000" rotWithShape="0">
               <a:srgbClr val="000000">
-                <a:alpha val="45000"/>
+                <a:alpha val="35000"/>
               </a:srgbClr>
             </a:outerShdw>
           </a:effectLst>
         </a:effectStyle>
         <a:effectStyle>
           <a:effectLst>
-            <a:outerShdw blurRad="63500" dist="38100" dir="5400000" rotWithShape="0">
+            <a:outerShdw blurRad="50800" dist="38100" dir="5400000" rotWithShape="0">
               <a:srgbClr val="000000">
-                <a:alpha val="60000"/>
+                <a:alpha val="35000"/>
               </a:srgbClr>
             </a:outerShdw>
           </a:effectLst>
@@ -7082,45 +6872,38 @@
           <a:gsLst>
             <a:gs pos="0">
               <a:schemeClr val="phClr">
-                <a:tint val="97000"/>
-                <a:hueMod val="88000"/>
-                <a:satMod val="130000"/>
-                <a:lumMod val="124000"/>
+                <a:tint val="90000"/>
+                <a:lumMod val="104000"/>
+              </a:schemeClr>
+            </a:gs>
+            <a:gs pos="94000">
+              <a:schemeClr val="phClr">
+                <a:shade val="96000"/>
+                <a:lumMod val="82000"/>
+              </a:schemeClr>
+            </a:gs>
+          </a:gsLst>
+          <a:lin ang="5400000" scaled="0"/>
+        </a:gradFill>
+        <a:gradFill rotWithShape="1">
+          <a:gsLst>
+            <a:gs pos="0">
+              <a:schemeClr val="phClr">
+                <a:tint val="90000"/>
+                <a:lumMod val="110000"/>
               </a:schemeClr>
             </a:gs>
             <a:gs pos="100000">
               <a:schemeClr val="phClr">
-                <a:tint val="96000"/>
-                <a:shade val="88000"/>
-                <a:hueMod val="108000"/>
-                <a:satMod val="164000"/>
-                <a:lumMod val="76000"/>
+                <a:shade val="94000"/>
+                <a:lumMod val="96000"/>
               </a:schemeClr>
             </a:gs>
           </a:gsLst>
           <a:path path="circle">
-            <a:fillToRect l="45000" t="65000" r="125000" b="100000"/>
+            <a:fillToRect l="50000" t="50000" r="100000" b="100000"/>
           </a:path>
         </a:gradFill>
-        <a:blipFill rotWithShape="1">
-          <a:blip xmlns:r="http://schemas.openxmlformats.org/officeDocument/2006/relationships" r:embed="rId1">
-            <a:duotone>
-              <a:schemeClr val="phClr">
-                <a:shade val="69000"/>
-                <a:hueMod val="108000"/>
-                <a:satMod val="164000"/>
-                <a:lumMod val="74000"/>
-              </a:schemeClr>
-              <a:schemeClr val="phClr">
-                <a:tint val="96000"/>
-                <a:hueMod val="88000"/>
-                <a:satMod val="140000"/>
-                <a:lumMod val="132000"/>
-              </a:schemeClr>
-            </a:duotone>
-          </a:blip>
-          <a:stretch/>
-        </a:blipFill>
       </a:bgFillStyleLst>
     </a:fmtScheme>
   </a:themeElements>
@@ -7128,7 +6911,7 @@
   <a:extraClrSchemeLst/>
   <a:extLst>
     <a:ext uri="{05A4C25C-085E-4340-85A3-A5531E510DB2}">
-      <thm15:themeFamily xmlns:thm15="http://schemas.microsoft.com/office/thememl/2012/main" name="Ion" id="{B8441ADB-2E43-4AF7-B97A-BD870242C6A8}" vid="{292E63A9-BB86-4E3D-B92A-7223C6510D2E}"/>
+      <thm15:themeFamily xmlns:thm15="http://schemas.microsoft.com/office/thememl/2012/main" name="Facet" id="{C0C680CD-088A-49FC-A102-D699147F32B2}" vid="{CFBC31BA-B70F-4F30-BCAA-4F3011E16C4D}"/>
     </a:ext>
   </a:extLst>
 </a:theme>
